--- a/resources/medtronic_sensight_reconstructions.pptx
+++ b/resources/medtronic_sensight_reconstructions.pptx
@@ -93,13 +93,10 @@
             <a:noAutofit/>
           </a:bodyPr>
           <a:p>
-            <a:pPr indent="0" algn="ctr">
+            <a:pPr algn="ctr">
               <a:buNone/>
             </a:pPr>
             <a:endParaRPr b="0" lang="en-CA" sz="4400" spc="-1" strike="noStrike">
-              <a:solidFill>
-                <a:srgbClr val="000000"/>
-              </a:solidFill>
               <a:latin typeface="Arial"/>
             </a:endParaRPr>
           </a:p>
@@ -133,16 +130,7 @@
             <a:normAutofit/>
           </a:bodyPr>
           <a:p>
-            <a:pPr indent="0">
-              <a:spcBef>
-                <a:spcPts val="1417"/>
-              </a:spcBef>
-              <a:buNone/>
-            </a:pPr>
             <a:endParaRPr b="0" lang="en-CA" sz="3200" spc="-1" strike="noStrike">
-              <a:solidFill>
-                <a:srgbClr val="000000"/>
-              </a:solidFill>
               <a:latin typeface="Arial"/>
             </a:endParaRPr>
           </a:p>
@@ -176,16 +164,7 @@
             <a:normAutofit/>
           </a:bodyPr>
           <a:p>
-            <a:pPr indent="0">
-              <a:spcBef>
-                <a:spcPts val="1417"/>
-              </a:spcBef>
-              <a:buNone/>
-            </a:pPr>
             <a:endParaRPr b="0" lang="en-CA" sz="3200" spc="-1" strike="noStrike">
-              <a:solidFill>
-                <a:srgbClr val="000000"/>
-              </a:solidFill>
               <a:latin typeface="Arial"/>
             </a:endParaRPr>
           </a:p>
@@ -241,13 +220,10 @@
             <a:noAutofit/>
           </a:bodyPr>
           <a:p>
-            <a:pPr indent="0" algn="ctr">
+            <a:pPr algn="ctr">
               <a:buNone/>
             </a:pPr>
             <a:endParaRPr b="0" lang="en-CA" sz="4400" spc="-1" strike="noStrike">
-              <a:solidFill>
-                <a:srgbClr val="000000"/>
-              </a:solidFill>
               <a:latin typeface="Arial"/>
             </a:endParaRPr>
           </a:p>
@@ -281,16 +257,7 @@
             <a:normAutofit/>
           </a:bodyPr>
           <a:p>
-            <a:pPr indent="0">
-              <a:spcBef>
-                <a:spcPts val="1417"/>
-              </a:spcBef>
-              <a:buNone/>
-            </a:pPr>
             <a:endParaRPr b="0" lang="en-CA" sz="3200" spc="-1" strike="noStrike">
-              <a:solidFill>
-                <a:srgbClr val="000000"/>
-              </a:solidFill>
               <a:latin typeface="Arial"/>
             </a:endParaRPr>
           </a:p>
@@ -324,16 +291,7 @@
             <a:normAutofit/>
           </a:bodyPr>
           <a:p>
-            <a:pPr indent="0">
-              <a:spcBef>
-                <a:spcPts val="1417"/>
-              </a:spcBef>
-              <a:buNone/>
-            </a:pPr>
             <a:endParaRPr b="0" lang="en-CA" sz="3200" spc="-1" strike="noStrike">
-              <a:solidFill>
-                <a:srgbClr val="000000"/>
-              </a:solidFill>
               <a:latin typeface="Arial"/>
             </a:endParaRPr>
           </a:p>
@@ -367,16 +325,7 @@
             <a:normAutofit/>
           </a:bodyPr>
           <a:p>
-            <a:pPr indent="0">
-              <a:spcBef>
-                <a:spcPts val="1417"/>
-              </a:spcBef>
-              <a:buNone/>
-            </a:pPr>
             <a:endParaRPr b="0" lang="en-CA" sz="3200" spc="-1" strike="noStrike">
-              <a:solidFill>
-                <a:srgbClr val="000000"/>
-              </a:solidFill>
               <a:latin typeface="Arial"/>
             </a:endParaRPr>
           </a:p>
@@ -410,16 +359,7 @@
             <a:normAutofit/>
           </a:bodyPr>
           <a:p>
-            <a:pPr indent="0">
-              <a:spcBef>
-                <a:spcPts val="1417"/>
-              </a:spcBef>
-              <a:buNone/>
-            </a:pPr>
             <a:endParaRPr b="0" lang="en-CA" sz="3200" spc="-1" strike="noStrike">
-              <a:solidFill>
-                <a:srgbClr val="000000"/>
-              </a:solidFill>
               <a:latin typeface="Arial"/>
             </a:endParaRPr>
           </a:p>
@@ -475,13 +415,10 @@
             <a:noAutofit/>
           </a:bodyPr>
           <a:p>
-            <a:pPr indent="0" algn="ctr">
+            <a:pPr algn="ctr">
               <a:buNone/>
             </a:pPr>
             <a:endParaRPr b="0" lang="en-CA" sz="4400" spc="-1" strike="noStrike">
-              <a:solidFill>
-                <a:srgbClr val="000000"/>
-              </a:solidFill>
               <a:latin typeface="Arial"/>
             </a:endParaRPr>
           </a:p>
@@ -515,16 +452,7 @@
             <a:normAutofit/>
           </a:bodyPr>
           <a:p>
-            <a:pPr indent="0">
-              <a:spcBef>
-                <a:spcPts val="1417"/>
-              </a:spcBef>
-              <a:buNone/>
-            </a:pPr>
             <a:endParaRPr b="0" lang="en-CA" sz="3200" spc="-1" strike="noStrike">
-              <a:solidFill>
-                <a:srgbClr val="000000"/>
-              </a:solidFill>
               <a:latin typeface="Arial"/>
             </a:endParaRPr>
           </a:p>
@@ -558,16 +486,7 @@
             <a:normAutofit/>
           </a:bodyPr>
           <a:p>
-            <a:pPr indent="0">
-              <a:spcBef>
-                <a:spcPts val="1417"/>
-              </a:spcBef>
-              <a:buNone/>
-            </a:pPr>
             <a:endParaRPr b="0" lang="en-CA" sz="3200" spc="-1" strike="noStrike">
-              <a:solidFill>
-                <a:srgbClr val="000000"/>
-              </a:solidFill>
               <a:latin typeface="Arial"/>
             </a:endParaRPr>
           </a:p>
@@ -601,16 +520,7 @@
             <a:normAutofit/>
           </a:bodyPr>
           <a:p>
-            <a:pPr indent="0">
-              <a:spcBef>
-                <a:spcPts val="1417"/>
-              </a:spcBef>
-              <a:buNone/>
-            </a:pPr>
             <a:endParaRPr b="0" lang="en-CA" sz="3200" spc="-1" strike="noStrike">
-              <a:solidFill>
-                <a:srgbClr val="000000"/>
-              </a:solidFill>
               <a:latin typeface="Arial"/>
             </a:endParaRPr>
           </a:p>
@@ -644,16 +554,7 @@
             <a:normAutofit/>
           </a:bodyPr>
           <a:p>
-            <a:pPr indent="0">
-              <a:spcBef>
-                <a:spcPts val="1417"/>
-              </a:spcBef>
-              <a:buNone/>
-            </a:pPr>
             <a:endParaRPr b="0" lang="en-CA" sz="3200" spc="-1" strike="noStrike">
-              <a:solidFill>
-                <a:srgbClr val="000000"/>
-              </a:solidFill>
               <a:latin typeface="Arial"/>
             </a:endParaRPr>
           </a:p>
@@ -687,16 +588,7 @@
             <a:normAutofit/>
           </a:bodyPr>
           <a:p>
-            <a:pPr indent="0">
-              <a:spcBef>
-                <a:spcPts val="1417"/>
-              </a:spcBef>
-              <a:buNone/>
-            </a:pPr>
             <a:endParaRPr b="0" lang="en-CA" sz="3200" spc="-1" strike="noStrike">
-              <a:solidFill>
-                <a:srgbClr val="000000"/>
-              </a:solidFill>
               <a:latin typeface="Arial"/>
             </a:endParaRPr>
           </a:p>
@@ -730,16 +622,7 @@
             <a:normAutofit/>
           </a:bodyPr>
           <a:p>
-            <a:pPr indent="0">
-              <a:spcBef>
-                <a:spcPts val="1417"/>
-              </a:spcBef>
-              <a:buNone/>
-            </a:pPr>
             <a:endParaRPr b="0" lang="en-CA" sz="3200" spc="-1" strike="noStrike">
-              <a:solidFill>
-                <a:srgbClr val="000000"/>
-              </a:solidFill>
               <a:latin typeface="Arial"/>
             </a:endParaRPr>
           </a:p>
@@ -817,13 +700,10 @@
             <a:noAutofit/>
           </a:bodyPr>
           <a:p>
-            <a:pPr indent="0" algn="ctr">
+            <a:pPr algn="ctr">
               <a:buNone/>
             </a:pPr>
             <a:endParaRPr b="0" lang="en-CA" sz="4400" spc="-1" strike="noStrike">
-              <a:solidFill>
-                <a:srgbClr val="000000"/>
-              </a:solidFill>
               <a:latin typeface="Arial"/>
             </a:endParaRPr>
           </a:p>
@@ -857,13 +737,10 @@
             <a:noAutofit/>
           </a:bodyPr>
           <a:p>
-            <a:pPr indent="0" algn="ctr">
+            <a:pPr algn="ctr">
               <a:buNone/>
             </a:pPr>
             <a:endParaRPr b="0" lang="en-CA" sz="3200" spc="-1" strike="noStrike">
-              <a:solidFill>
-                <a:srgbClr val="000000"/>
-              </a:solidFill>
               <a:latin typeface="Arial"/>
             </a:endParaRPr>
           </a:p>
@@ -919,13 +796,10 @@
             <a:noAutofit/>
           </a:bodyPr>
           <a:p>
-            <a:pPr indent="0" algn="ctr">
+            <a:pPr algn="ctr">
               <a:buNone/>
             </a:pPr>
             <a:endParaRPr b="0" lang="en-CA" sz="4400" spc="-1" strike="noStrike">
-              <a:solidFill>
-                <a:srgbClr val="000000"/>
-              </a:solidFill>
               <a:latin typeface="Arial"/>
             </a:endParaRPr>
           </a:p>
@@ -959,16 +833,7 @@
             <a:normAutofit/>
           </a:bodyPr>
           <a:p>
-            <a:pPr indent="0">
-              <a:spcBef>
-                <a:spcPts val="1417"/>
-              </a:spcBef>
-              <a:buNone/>
-            </a:pPr>
             <a:endParaRPr b="0" lang="en-CA" sz="3200" spc="-1" strike="noStrike">
-              <a:solidFill>
-                <a:srgbClr val="000000"/>
-              </a:solidFill>
               <a:latin typeface="Arial"/>
             </a:endParaRPr>
           </a:p>
@@ -1024,13 +889,10 @@
             <a:noAutofit/>
           </a:bodyPr>
           <a:p>
-            <a:pPr indent="0" algn="ctr">
+            <a:pPr algn="ctr">
               <a:buNone/>
             </a:pPr>
             <a:endParaRPr b="0" lang="en-CA" sz="4400" spc="-1" strike="noStrike">
-              <a:solidFill>
-                <a:srgbClr val="000000"/>
-              </a:solidFill>
               <a:latin typeface="Arial"/>
             </a:endParaRPr>
           </a:p>
@@ -1064,16 +926,7 @@
             <a:normAutofit/>
           </a:bodyPr>
           <a:p>
-            <a:pPr indent="0">
-              <a:spcBef>
-                <a:spcPts val="1417"/>
-              </a:spcBef>
-              <a:buNone/>
-            </a:pPr>
             <a:endParaRPr b="0" lang="en-CA" sz="3200" spc="-1" strike="noStrike">
-              <a:solidFill>
-                <a:srgbClr val="000000"/>
-              </a:solidFill>
               <a:latin typeface="Arial"/>
             </a:endParaRPr>
           </a:p>
@@ -1107,16 +960,7 @@
             <a:normAutofit/>
           </a:bodyPr>
           <a:p>
-            <a:pPr indent="0">
-              <a:spcBef>
-                <a:spcPts val="1417"/>
-              </a:spcBef>
-              <a:buNone/>
-            </a:pPr>
             <a:endParaRPr b="0" lang="en-CA" sz="3200" spc="-1" strike="noStrike">
-              <a:solidFill>
-                <a:srgbClr val="000000"/>
-              </a:solidFill>
               <a:latin typeface="Arial"/>
             </a:endParaRPr>
           </a:p>
@@ -1172,13 +1016,10 @@
             <a:noAutofit/>
           </a:bodyPr>
           <a:p>
-            <a:pPr indent="0" algn="ctr">
+            <a:pPr algn="ctr">
               <a:buNone/>
             </a:pPr>
             <a:endParaRPr b="0" lang="en-CA" sz="4400" spc="-1" strike="noStrike">
-              <a:solidFill>
-                <a:srgbClr val="000000"/>
-              </a:solidFill>
               <a:latin typeface="Arial"/>
             </a:endParaRPr>
           </a:p>
@@ -1234,11 +1075,10 @@
             <a:noAutofit/>
           </a:bodyPr>
           <a:p>
-            <a:pPr algn="ctr"/>
+            <a:pPr algn="ctr">
+              <a:buNone/>
+            </a:pPr>
             <a:endParaRPr b="0" lang="en-CA" sz="3200" spc="-1" strike="noStrike">
-              <a:solidFill>
-                <a:srgbClr val="000000"/>
-              </a:solidFill>
               <a:latin typeface="Arial"/>
             </a:endParaRPr>
           </a:p>
@@ -1294,13 +1134,10 @@
             <a:noAutofit/>
           </a:bodyPr>
           <a:p>
-            <a:pPr indent="0" algn="ctr">
+            <a:pPr algn="ctr">
               <a:buNone/>
             </a:pPr>
             <a:endParaRPr b="0" lang="en-CA" sz="4400" spc="-1" strike="noStrike">
-              <a:solidFill>
-                <a:srgbClr val="000000"/>
-              </a:solidFill>
               <a:latin typeface="Arial"/>
             </a:endParaRPr>
           </a:p>
@@ -1334,16 +1171,7 @@
             <a:normAutofit/>
           </a:bodyPr>
           <a:p>
-            <a:pPr indent="0">
-              <a:spcBef>
-                <a:spcPts val="1417"/>
-              </a:spcBef>
-              <a:buNone/>
-            </a:pPr>
             <a:endParaRPr b="0" lang="en-CA" sz="3200" spc="-1" strike="noStrike">
-              <a:solidFill>
-                <a:srgbClr val="000000"/>
-              </a:solidFill>
               <a:latin typeface="Arial"/>
             </a:endParaRPr>
           </a:p>
@@ -1377,16 +1205,7 @@
             <a:normAutofit/>
           </a:bodyPr>
           <a:p>
-            <a:pPr indent="0">
-              <a:spcBef>
-                <a:spcPts val="1417"/>
-              </a:spcBef>
-              <a:buNone/>
-            </a:pPr>
             <a:endParaRPr b="0" lang="en-CA" sz="3200" spc="-1" strike="noStrike">
-              <a:solidFill>
-                <a:srgbClr val="000000"/>
-              </a:solidFill>
               <a:latin typeface="Arial"/>
             </a:endParaRPr>
           </a:p>
@@ -1420,16 +1239,7 @@
             <a:normAutofit/>
           </a:bodyPr>
           <a:p>
-            <a:pPr indent="0">
-              <a:spcBef>
-                <a:spcPts val="1417"/>
-              </a:spcBef>
-              <a:buNone/>
-            </a:pPr>
             <a:endParaRPr b="0" lang="en-CA" sz="3200" spc="-1" strike="noStrike">
-              <a:solidFill>
-                <a:srgbClr val="000000"/>
-              </a:solidFill>
               <a:latin typeface="Arial"/>
             </a:endParaRPr>
           </a:p>
@@ -1485,13 +1295,10 @@
             <a:noAutofit/>
           </a:bodyPr>
           <a:p>
-            <a:pPr indent="0" algn="ctr">
+            <a:pPr algn="ctr">
               <a:buNone/>
             </a:pPr>
             <a:endParaRPr b="0" lang="en-CA" sz="4400" spc="-1" strike="noStrike">
-              <a:solidFill>
-                <a:srgbClr val="000000"/>
-              </a:solidFill>
               <a:latin typeface="Arial"/>
             </a:endParaRPr>
           </a:p>
@@ -1525,13 +1332,10 @@
             <a:noAutofit/>
           </a:bodyPr>
           <a:p>
-            <a:pPr indent="0" algn="ctr">
+            <a:pPr algn="ctr">
               <a:buNone/>
             </a:pPr>
             <a:endParaRPr b="0" lang="en-CA" sz="3200" spc="-1" strike="noStrike">
-              <a:solidFill>
-                <a:srgbClr val="000000"/>
-              </a:solidFill>
               <a:latin typeface="Arial"/>
             </a:endParaRPr>
           </a:p>
@@ -1587,13 +1391,10 @@
             <a:noAutofit/>
           </a:bodyPr>
           <a:p>
-            <a:pPr indent="0" algn="ctr">
+            <a:pPr algn="ctr">
               <a:buNone/>
             </a:pPr>
             <a:endParaRPr b="0" lang="en-CA" sz="4400" spc="-1" strike="noStrike">
-              <a:solidFill>
-                <a:srgbClr val="000000"/>
-              </a:solidFill>
               <a:latin typeface="Arial"/>
             </a:endParaRPr>
           </a:p>
@@ -1627,16 +1428,7 @@
             <a:normAutofit/>
           </a:bodyPr>
           <a:p>
-            <a:pPr indent="0">
-              <a:spcBef>
-                <a:spcPts val="1417"/>
-              </a:spcBef>
-              <a:buNone/>
-            </a:pPr>
             <a:endParaRPr b="0" lang="en-CA" sz="3200" spc="-1" strike="noStrike">
-              <a:solidFill>
-                <a:srgbClr val="000000"/>
-              </a:solidFill>
               <a:latin typeface="Arial"/>
             </a:endParaRPr>
           </a:p>
@@ -1670,16 +1462,7 @@
             <a:normAutofit/>
           </a:bodyPr>
           <a:p>
-            <a:pPr indent="0">
-              <a:spcBef>
-                <a:spcPts val="1417"/>
-              </a:spcBef>
-              <a:buNone/>
-            </a:pPr>
             <a:endParaRPr b="0" lang="en-CA" sz="3200" spc="-1" strike="noStrike">
-              <a:solidFill>
-                <a:srgbClr val="000000"/>
-              </a:solidFill>
               <a:latin typeface="Arial"/>
             </a:endParaRPr>
           </a:p>
@@ -1713,16 +1496,7 @@
             <a:normAutofit/>
           </a:bodyPr>
           <a:p>
-            <a:pPr indent="0">
-              <a:spcBef>
-                <a:spcPts val="1417"/>
-              </a:spcBef>
-              <a:buNone/>
-            </a:pPr>
             <a:endParaRPr b="0" lang="en-CA" sz="3200" spc="-1" strike="noStrike">
-              <a:solidFill>
-                <a:srgbClr val="000000"/>
-              </a:solidFill>
               <a:latin typeface="Arial"/>
             </a:endParaRPr>
           </a:p>
@@ -1778,13 +1552,10 @@
             <a:noAutofit/>
           </a:bodyPr>
           <a:p>
-            <a:pPr indent="0" algn="ctr">
+            <a:pPr algn="ctr">
               <a:buNone/>
             </a:pPr>
             <a:endParaRPr b="0" lang="en-CA" sz="4400" spc="-1" strike="noStrike">
-              <a:solidFill>
-                <a:srgbClr val="000000"/>
-              </a:solidFill>
               <a:latin typeface="Arial"/>
             </a:endParaRPr>
           </a:p>
@@ -1818,16 +1589,7 @@
             <a:normAutofit/>
           </a:bodyPr>
           <a:p>
-            <a:pPr indent="0">
-              <a:spcBef>
-                <a:spcPts val="1417"/>
-              </a:spcBef>
-              <a:buNone/>
-            </a:pPr>
             <a:endParaRPr b="0" lang="en-CA" sz="3200" spc="-1" strike="noStrike">
-              <a:solidFill>
-                <a:srgbClr val="000000"/>
-              </a:solidFill>
               <a:latin typeface="Arial"/>
             </a:endParaRPr>
           </a:p>
@@ -1861,16 +1623,7 @@
             <a:normAutofit/>
           </a:bodyPr>
           <a:p>
-            <a:pPr indent="0">
-              <a:spcBef>
-                <a:spcPts val="1417"/>
-              </a:spcBef>
-              <a:buNone/>
-            </a:pPr>
             <a:endParaRPr b="0" lang="en-CA" sz="3200" spc="-1" strike="noStrike">
-              <a:solidFill>
-                <a:srgbClr val="000000"/>
-              </a:solidFill>
               <a:latin typeface="Arial"/>
             </a:endParaRPr>
           </a:p>
@@ -1904,16 +1657,7 @@
             <a:normAutofit/>
           </a:bodyPr>
           <a:p>
-            <a:pPr indent="0">
-              <a:spcBef>
-                <a:spcPts val="1417"/>
-              </a:spcBef>
-              <a:buNone/>
-            </a:pPr>
             <a:endParaRPr b="0" lang="en-CA" sz="3200" spc="-1" strike="noStrike">
-              <a:solidFill>
-                <a:srgbClr val="000000"/>
-              </a:solidFill>
               <a:latin typeface="Arial"/>
             </a:endParaRPr>
           </a:p>
@@ -1969,13 +1713,10 @@
             <a:noAutofit/>
           </a:bodyPr>
           <a:p>
-            <a:pPr indent="0" algn="ctr">
+            <a:pPr algn="ctr">
               <a:buNone/>
             </a:pPr>
             <a:endParaRPr b="0" lang="en-CA" sz="4400" spc="-1" strike="noStrike">
-              <a:solidFill>
-                <a:srgbClr val="000000"/>
-              </a:solidFill>
               <a:latin typeface="Arial"/>
             </a:endParaRPr>
           </a:p>
@@ -2009,16 +1750,7 @@
             <a:normAutofit/>
           </a:bodyPr>
           <a:p>
-            <a:pPr indent="0">
-              <a:spcBef>
-                <a:spcPts val="1417"/>
-              </a:spcBef>
-              <a:buNone/>
-            </a:pPr>
             <a:endParaRPr b="0" lang="en-CA" sz="3200" spc="-1" strike="noStrike">
-              <a:solidFill>
-                <a:srgbClr val="000000"/>
-              </a:solidFill>
               <a:latin typeface="Arial"/>
             </a:endParaRPr>
           </a:p>
@@ -2052,16 +1784,7 @@
             <a:normAutofit/>
           </a:bodyPr>
           <a:p>
-            <a:pPr indent="0">
-              <a:spcBef>
-                <a:spcPts val="1417"/>
-              </a:spcBef>
-              <a:buNone/>
-            </a:pPr>
             <a:endParaRPr b="0" lang="en-CA" sz="3200" spc="-1" strike="noStrike">
-              <a:solidFill>
-                <a:srgbClr val="000000"/>
-              </a:solidFill>
               <a:latin typeface="Arial"/>
             </a:endParaRPr>
           </a:p>
@@ -2117,13 +1840,10 @@
             <a:noAutofit/>
           </a:bodyPr>
           <a:p>
-            <a:pPr indent="0" algn="ctr">
+            <a:pPr algn="ctr">
               <a:buNone/>
             </a:pPr>
             <a:endParaRPr b="0" lang="en-CA" sz="4400" spc="-1" strike="noStrike">
-              <a:solidFill>
-                <a:srgbClr val="000000"/>
-              </a:solidFill>
               <a:latin typeface="Arial"/>
             </a:endParaRPr>
           </a:p>
@@ -2157,16 +1877,7 @@
             <a:normAutofit/>
           </a:bodyPr>
           <a:p>
-            <a:pPr indent="0">
-              <a:spcBef>
-                <a:spcPts val="1417"/>
-              </a:spcBef>
-              <a:buNone/>
-            </a:pPr>
             <a:endParaRPr b="0" lang="en-CA" sz="3200" spc="-1" strike="noStrike">
-              <a:solidFill>
-                <a:srgbClr val="000000"/>
-              </a:solidFill>
               <a:latin typeface="Arial"/>
             </a:endParaRPr>
           </a:p>
@@ -2200,16 +1911,7 @@
             <a:normAutofit/>
           </a:bodyPr>
           <a:p>
-            <a:pPr indent="0">
-              <a:spcBef>
-                <a:spcPts val="1417"/>
-              </a:spcBef>
-              <a:buNone/>
-            </a:pPr>
             <a:endParaRPr b="0" lang="en-CA" sz="3200" spc="-1" strike="noStrike">
-              <a:solidFill>
-                <a:srgbClr val="000000"/>
-              </a:solidFill>
               <a:latin typeface="Arial"/>
             </a:endParaRPr>
           </a:p>
@@ -2243,16 +1945,7 @@
             <a:normAutofit/>
           </a:bodyPr>
           <a:p>
-            <a:pPr indent="0">
-              <a:spcBef>
-                <a:spcPts val="1417"/>
-              </a:spcBef>
-              <a:buNone/>
-            </a:pPr>
             <a:endParaRPr b="0" lang="en-CA" sz="3200" spc="-1" strike="noStrike">
-              <a:solidFill>
-                <a:srgbClr val="000000"/>
-              </a:solidFill>
               <a:latin typeface="Arial"/>
             </a:endParaRPr>
           </a:p>
@@ -2286,16 +1979,7 @@
             <a:normAutofit/>
           </a:bodyPr>
           <a:p>
-            <a:pPr indent="0">
-              <a:spcBef>
-                <a:spcPts val="1417"/>
-              </a:spcBef>
-              <a:buNone/>
-            </a:pPr>
             <a:endParaRPr b="0" lang="en-CA" sz="3200" spc="-1" strike="noStrike">
-              <a:solidFill>
-                <a:srgbClr val="000000"/>
-              </a:solidFill>
               <a:latin typeface="Arial"/>
             </a:endParaRPr>
           </a:p>
@@ -2351,13 +2035,10 @@
             <a:noAutofit/>
           </a:bodyPr>
           <a:p>
-            <a:pPr indent="0" algn="ctr">
+            <a:pPr algn="ctr">
               <a:buNone/>
             </a:pPr>
             <a:endParaRPr b="0" lang="en-CA" sz="4400" spc="-1" strike="noStrike">
-              <a:solidFill>
-                <a:srgbClr val="000000"/>
-              </a:solidFill>
               <a:latin typeface="Arial"/>
             </a:endParaRPr>
           </a:p>
@@ -2391,16 +2072,7 @@
             <a:normAutofit/>
           </a:bodyPr>
           <a:p>
-            <a:pPr indent="0">
-              <a:spcBef>
-                <a:spcPts val="1417"/>
-              </a:spcBef>
-              <a:buNone/>
-            </a:pPr>
             <a:endParaRPr b="0" lang="en-CA" sz="3200" spc="-1" strike="noStrike">
-              <a:solidFill>
-                <a:srgbClr val="000000"/>
-              </a:solidFill>
               <a:latin typeface="Arial"/>
             </a:endParaRPr>
           </a:p>
@@ -2434,16 +2106,7 @@
             <a:normAutofit/>
           </a:bodyPr>
           <a:p>
-            <a:pPr indent="0">
-              <a:spcBef>
-                <a:spcPts val="1417"/>
-              </a:spcBef>
-              <a:buNone/>
-            </a:pPr>
             <a:endParaRPr b="0" lang="en-CA" sz="3200" spc="-1" strike="noStrike">
-              <a:solidFill>
-                <a:srgbClr val="000000"/>
-              </a:solidFill>
               <a:latin typeface="Arial"/>
             </a:endParaRPr>
           </a:p>
@@ -2477,16 +2140,7 @@
             <a:normAutofit/>
           </a:bodyPr>
           <a:p>
-            <a:pPr indent="0">
-              <a:spcBef>
-                <a:spcPts val="1417"/>
-              </a:spcBef>
-              <a:buNone/>
-            </a:pPr>
             <a:endParaRPr b="0" lang="en-CA" sz="3200" spc="-1" strike="noStrike">
-              <a:solidFill>
-                <a:srgbClr val="000000"/>
-              </a:solidFill>
               <a:latin typeface="Arial"/>
             </a:endParaRPr>
           </a:p>
@@ -2520,16 +2174,7 @@
             <a:normAutofit/>
           </a:bodyPr>
           <a:p>
-            <a:pPr indent="0">
-              <a:spcBef>
-                <a:spcPts val="1417"/>
-              </a:spcBef>
-              <a:buNone/>
-            </a:pPr>
             <a:endParaRPr b="0" lang="en-CA" sz="3200" spc="-1" strike="noStrike">
-              <a:solidFill>
-                <a:srgbClr val="000000"/>
-              </a:solidFill>
               <a:latin typeface="Arial"/>
             </a:endParaRPr>
           </a:p>
@@ -2563,16 +2208,7 @@
             <a:normAutofit/>
           </a:bodyPr>
           <a:p>
-            <a:pPr indent="0">
-              <a:spcBef>
-                <a:spcPts val="1417"/>
-              </a:spcBef>
-              <a:buNone/>
-            </a:pPr>
             <a:endParaRPr b="0" lang="en-CA" sz="3200" spc="-1" strike="noStrike">
-              <a:solidFill>
-                <a:srgbClr val="000000"/>
-              </a:solidFill>
               <a:latin typeface="Arial"/>
             </a:endParaRPr>
           </a:p>
@@ -2606,16 +2242,7 @@
             <a:normAutofit/>
           </a:bodyPr>
           <a:p>
-            <a:pPr indent="0">
-              <a:spcBef>
-                <a:spcPts val="1417"/>
-              </a:spcBef>
-              <a:buNone/>
-            </a:pPr>
             <a:endParaRPr b="0" lang="en-CA" sz="3200" spc="-1" strike="noStrike">
-              <a:solidFill>
-                <a:srgbClr val="000000"/>
-              </a:solidFill>
               <a:latin typeface="Arial"/>
             </a:endParaRPr>
           </a:p>
@@ -2693,13 +2320,10 @@
             <a:noAutofit/>
           </a:bodyPr>
           <a:p>
-            <a:pPr indent="0" algn="ctr">
+            <a:pPr algn="ctr">
               <a:buNone/>
             </a:pPr>
             <a:endParaRPr b="0" lang="en-CA" sz="4400" spc="-1" strike="noStrike">
-              <a:solidFill>
-                <a:srgbClr val="000000"/>
-              </a:solidFill>
               <a:latin typeface="Arial"/>
             </a:endParaRPr>
           </a:p>
@@ -2733,13 +2357,10 @@
             <a:noAutofit/>
           </a:bodyPr>
           <a:p>
-            <a:pPr indent="0" algn="ctr">
+            <a:pPr algn="ctr">
               <a:buNone/>
             </a:pPr>
             <a:endParaRPr b="0" lang="en-CA" sz="3200" spc="-1" strike="noStrike">
-              <a:solidFill>
-                <a:srgbClr val="000000"/>
-              </a:solidFill>
               <a:latin typeface="Arial"/>
             </a:endParaRPr>
           </a:p>
@@ -2795,13 +2416,10 @@
             <a:noAutofit/>
           </a:bodyPr>
           <a:p>
-            <a:pPr indent="0" algn="ctr">
+            <a:pPr algn="ctr">
               <a:buNone/>
             </a:pPr>
             <a:endParaRPr b="0" lang="en-CA" sz="4400" spc="-1" strike="noStrike">
-              <a:solidFill>
-                <a:srgbClr val="000000"/>
-              </a:solidFill>
               <a:latin typeface="Arial"/>
             </a:endParaRPr>
           </a:p>
@@ -2835,16 +2453,7 @@
             <a:normAutofit/>
           </a:bodyPr>
           <a:p>
-            <a:pPr indent="0">
-              <a:spcBef>
-                <a:spcPts val="1417"/>
-              </a:spcBef>
-              <a:buNone/>
-            </a:pPr>
             <a:endParaRPr b="0" lang="en-CA" sz="3200" spc="-1" strike="noStrike">
-              <a:solidFill>
-                <a:srgbClr val="000000"/>
-              </a:solidFill>
               <a:latin typeface="Arial"/>
             </a:endParaRPr>
           </a:p>
@@ -2900,13 +2509,10 @@
             <a:noAutofit/>
           </a:bodyPr>
           <a:p>
-            <a:pPr indent="0" algn="ctr">
+            <a:pPr algn="ctr">
               <a:buNone/>
             </a:pPr>
             <a:endParaRPr b="0" lang="en-CA" sz="4400" spc="-1" strike="noStrike">
-              <a:solidFill>
-                <a:srgbClr val="000000"/>
-              </a:solidFill>
               <a:latin typeface="Arial"/>
             </a:endParaRPr>
           </a:p>
@@ -2940,16 +2546,7 @@
             <a:normAutofit/>
           </a:bodyPr>
           <a:p>
-            <a:pPr indent="0">
-              <a:spcBef>
-                <a:spcPts val="1417"/>
-              </a:spcBef>
-              <a:buNone/>
-            </a:pPr>
             <a:endParaRPr b="0" lang="en-CA" sz="3200" spc="-1" strike="noStrike">
-              <a:solidFill>
-                <a:srgbClr val="000000"/>
-              </a:solidFill>
               <a:latin typeface="Arial"/>
             </a:endParaRPr>
           </a:p>
@@ -2983,16 +2580,7 @@
             <a:normAutofit/>
           </a:bodyPr>
           <a:p>
-            <a:pPr indent="0">
-              <a:spcBef>
-                <a:spcPts val="1417"/>
-              </a:spcBef>
-              <a:buNone/>
-            </a:pPr>
             <a:endParaRPr b="0" lang="en-CA" sz="3200" spc="-1" strike="noStrike">
-              <a:solidFill>
-                <a:srgbClr val="000000"/>
-              </a:solidFill>
               <a:latin typeface="Arial"/>
             </a:endParaRPr>
           </a:p>
@@ -3048,13 +2636,10 @@
             <a:noAutofit/>
           </a:bodyPr>
           <a:p>
-            <a:pPr indent="0" algn="ctr">
+            <a:pPr algn="ctr">
               <a:buNone/>
             </a:pPr>
             <a:endParaRPr b="0" lang="en-CA" sz="4400" spc="-1" strike="noStrike">
-              <a:solidFill>
-                <a:srgbClr val="000000"/>
-              </a:solidFill>
               <a:latin typeface="Arial"/>
             </a:endParaRPr>
           </a:p>
@@ -3110,13 +2695,10 @@
             <a:noAutofit/>
           </a:bodyPr>
           <a:p>
-            <a:pPr indent="0" algn="ctr">
+            <a:pPr algn="ctr">
               <a:buNone/>
             </a:pPr>
             <a:endParaRPr b="0" lang="en-CA" sz="4400" spc="-1" strike="noStrike">
-              <a:solidFill>
-                <a:srgbClr val="000000"/>
-              </a:solidFill>
               <a:latin typeface="Arial"/>
             </a:endParaRPr>
           </a:p>
@@ -3150,16 +2732,7 @@
             <a:normAutofit/>
           </a:bodyPr>
           <a:p>
-            <a:pPr indent="0">
-              <a:spcBef>
-                <a:spcPts val="1417"/>
-              </a:spcBef>
-              <a:buNone/>
-            </a:pPr>
             <a:endParaRPr b="0" lang="en-CA" sz="3200" spc="-1" strike="noStrike">
-              <a:solidFill>
-                <a:srgbClr val="000000"/>
-              </a:solidFill>
               <a:latin typeface="Arial"/>
             </a:endParaRPr>
           </a:p>
@@ -3215,11 +2788,10 @@
             <a:noAutofit/>
           </a:bodyPr>
           <a:p>
-            <a:pPr algn="ctr"/>
+            <a:pPr algn="ctr">
+              <a:buNone/>
+            </a:pPr>
             <a:endParaRPr b="0" lang="en-CA" sz="3200" spc="-1" strike="noStrike">
-              <a:solidFill>
-                <a:srgbClr val="000000"/>
-              </a:solidFill>
               <a:latin typeface="Arial"/>
             </a:endParaRPr>
           </a:p>
@@ -3275,13 +2847,10 @@
             <a:noAutofit/>
           </a:bodyPr>
           <a:p>
-            <a:pPr indent="0" algn="ctr">
+            <a:pPr algn="ctr">
               <a:buNone/>
             </a:pPr>
             <a:endParaRPr b="0" lang="en-CA" sz="4400" spc="-1" strike="noStrike">
-              <a:solidFill>
-                <a:srgbClr val="000000"/>
-              </a:solidFill>
               <a:latin typeface="Arial"/>
             </a:endParaRPr>
           </a:p>
@@ -3315,16 +2884,7 @@
             <a:normAutofit/>
           </a:bodyPr>
           <a:p>
-            <a:pPr indent="0">
-              <a:spcBef>
-                <a:spcPts val="1417"/>
-              </a:spcBef>
-              <a:buNone/>
-            </a:pPr>
             <a:endParaRPr b="0" lang="en-CA" sz="3200" spc="-1" strike="noStrike">
-              <a:solidFill>
-                <a:srgbClr val="000000"/>
-              </a:solidFill>
               <a:latin typeface="Arial"/>
             </a:endParaRPr>
           </a:p>
@@ -3358,16 +2918,7 @@
             <a:normAutofit/>
           </a:bodyPr>
           <a:p>
-            <a:pPr indent="0">
-              <a:spcBef>
-                <a:spcPts val="1417"/>
-              </a:spcBef>
-              <a:buNone/>
-            </a:pPr>
             <a:endParaRPr b="0" lang="en-CA" sz="3200" spc="-1" strike="noStrike">
-              <a:solidFill>
-                <a:srgbClr val="000000"/>
-              </a:solidFill>
               <a:latin typeface="Arial"/>
             </a:endParaRPr>
           </a:p>
@@ -3401,16 +2952,7 @@
             <a:normAutofit/>
           </a:bodyPr>
           <a:p>
-            <a:pPr indent="0">
-              <a:spcBef>
-                <a:spcPts val="1417"/>
-              </a:spcBef>
-              <a:buNone/>
-            </a:pPr>
             <a:endParaRPr b="0" lang="en-CA" sz="3200" spc="-1" strike="noStrike">
-              <a:solidFill>
-                <a:srgbClr val="000000"/>
-              </a:solidFill>
               <a:latin typeface="Arial"/>
             </a:endParaRPr>
           </a:p>
@@ -3466,13 +3008,10 @@
             <a:noAutofit/>
           </a:bodyPr>
           <a:p>
-            <a:pPr indent="0" algn="ctr">
+            <a:pPr algn="ctr">
               <a:buNone/>
             </a:pPr>
             <a:endParaRPr b="0" lang="en-CA" sz="4400" spc="-1" strike="noStrike">
-              <a:solidFill>
-                <a:srgbClr val="000000"/>
-              </a:solidFill>
               <a:latin typeface="Arial"/>
             </a:endParaRPr>
           </a:p>
@@ -3506,16 +3045,7 @@
             <a:normAutofit/>
           </a:bodyPr>
           <a:p>
-            <a:pPr indent="0">
-              <a:spcBef>
-                <a:spcPts val="1417"/>
-              </a:spcBef>
-              <a:buNone/>
-            </a:pPr>
             <a:endParaRPr b="0" lang="en-CA" sz="3200" spc="-1" strike="noStrike">
-              <a:solidFill>
-                <a:srgbClr val="000000"/>
-              </a:solidFill>
               <a:latin typeface="Arial"/>
             </a:endParaRPr>
           </a:p>
@@ -3549,16 +3079,7 @@
             <a:normAutofit/>
           </a:bodyPr>
           <a:p>
-            <a:pPr indent="0">
-              <a:spcBef>
-                <a:spcPts val="1417"/>
-              </a:spcBef>
-              <a:buNone/>
-            </a:pPr>
             <a:endParaRPr b="0" lang="en-CA" sz="3200" spc="-1" strike="noStrike">
-              <a:solidFill>
-                <a:srgbClr val="000000"/>
-              </a:solidFill>
               <a:latin typeface="Arial"/>
             </a:endParaRPr>
           </a:p>
@@ -3592,16 +3113,7 @@
             <a:normAutofit/>
           </a:bodyPr>
           <a:p>
-            <a:pPr indent="0">
-              <a:spcBef>
-                <a:spcPts val="1417"/>
-              </a:spcBef>
-              <a:buNone/>
-            </a:pPr>
             <a:endParaRPr b="0" lang="en-CA" sz="3200" spc="-1" strike="noStrike">
-              <a:solidFill>
-                <a:srgbClr val="000000"/>
-              </a:solidFill>
               <a:latin typeface="Arial"/>
             </a:endParaRPr>
           </a:p>
@@ -3657,13 +3169,10 @@
             <a:noAutofit/>
           </a:bodyPr>
           <a:p>
-            <a:pPr indent="0" algn="ctr">
+            <a:pPr algn="ctr">
               <a:buNone/>
             </a:pPr>
             <a:endParaRPr b="0" lang="en-CA" sz="4400" spc="-1" strike="noStrike">
-              <a:solidFill>
-                <a:srgbClr val="000000"/>
-              </a:solidFill>
               <a:latin typeface="Arial"/>
             </a:endParaRPr>
           </a:p>
@@ -3697,16 +3206,7 @@
             <a:normAutofit/>
           </a:bodyPr>
           <a:p>
-            <a:pPr indent="0">
-              <a:spcBef>
-                <a:spcPts val="1417"/>
-              </a:spcBef>
-              <a:buNone/>
-            </a:pPr>
             <a:endParaRPr b="0" lang="en-CA" sz="3200" spc="-1" strike="noStrike">
-              <a:solidFill>
-                <a:srgbClr val="000000"/>
-              </a:solidFill>
               <a:latin typeface="Arial"/>
             </a:endParaRPr>
           </a:p>
@@ -3740,16 +3240,7 @@
             <a:normAutofit/>
           </a:bodyPr>
           <a:p>
-            <a:pPr indent="0">
-              <a:spcBef>
-                <a:spcPts val="1417"/>
-              </a:spcBef>
-              <a:buNone/>
-            </a:pPr>
             <a:endParaRPr b="0" lang="en-CA" sz="3200" spc="-1" strike="noStrike">
-              <a:solidFill>
-                <a:srgbClr val="000000"/>
-              </a:solidFill>
               <a:latin typeface="Arial"/>
             </a:endParaRPr>
           </a:p>
@@ -3783,16 +3274,7 @@
             <a:normAutofit/>
           </a:bodyPr>
           <a:p>
-            <a:pPr indent="0">
-              <a:spcBef>
-                <a:spcPts val="1417"/>
-              </a:spcBef>
-              <a:buNone/>
-            </a:pPr>
             <a:endParaRPr b="0" lang="en-CA" sz="3200" spc="-1" strike="noStrike">
-              <a:solidFill>
-                <a:srgbClr val="000000"/>
-              </a:solidFill>
               <a:latin typeface="Arial"/>
             </a:endParaRPr>
           </a:p>
@@ -3848,13 +3330,10 @@
             <a:noAutofit/>
           </a:bodyPr>
           <a:p>
-            <a:pPr indent="0" algn="ctr">
+            <a:pPr algn="ctr">
               <a:buNone/>
             </a:pPr>
             <a:endParaRPr b="0" lang="en-CA" sz="4400" spc="-1" strike="noStrike">
-              <a:solidFill>
-                <a:srgbClr val="000000"/>
-              </a:solidFill>
               <a:latin typeface="Arial"/>
             </a:endParaRPr>
           </a:p>
@@ -3888,16 +3367,7 @@
             <a:normAutofit/>
           </a:bodyPr>
           <a:p>
-            <a:pPr indent="0">
-              <a:spcBef>
-                <a:spcPts val="1417"/>
-              </a:spcBef>
-              <a:buNone/>
-            </a:pPr>
             <a:endParaRPr b="0" lang="en-CA" sz="3200" spc="-1" strike="noStrike">
-              <a:solidFill>
-                <a:srgbClr val="000000"/>
-              </a:solidFill>
               <a:latin typeface="Arial"/>
             </a:endParaRPr>
           </a:p>
@@ -3931,16 +3401,7 @@
             <a:normAutofit/>
           </a:bodyPr>
           <a:p>
-            <a:pPr indent="0">
-              <a:spcBef>
-                <a:spcPts val="1417"/>
-              </a:spcBef>
-              <a:buNone/>
-            </a:pPr>
             <a:endParaRPr b="0" lang="en-CA" sz="3200" spc="-1" strike="noStrike">
-              <a:solidFill>
-                <a:srgbClr val="000000"/>
-              </a:solidFill>
               <a:latin typeface="Arial"/>
             </a:endParaRPr>
           </a:p>
@@ -3996,13 +3457,10 @@
             <a:noAutofit/>
           </a:bodyPr>
           <a:p>
-            <a:pPr indent="0" algn="ctr">
+            <a:pPr algn="ctr">
               <a:buNone/>
             </a:pPr>
             <a:endParaRPr b="0" lang="en-CA" sz="4400" spc="-1" strike="noStrike">
-              <a:solidFill>
-                <a:srgbClr val="000000"/>
-              </a:solidFill>
               <a:latin typeface="Arial"/>
             </a:endParaRPr>
           </a:p>
@@ -4036,16 +3494,7 @@
             <a:normAutofit/>
           </a:bodyPr>
           <a:p>
-            <a:pPr indent="0">
-              <a:spcBef>
-                <a:spcPts val="1417"/>
-              </a:spcBef>
-              <a:buNone/>
-            </a:pPr>
             <a:endParaRPr b="0" lang="en-CA" sz="3200" spc="-1" strike="noStrike">
-              <a:solidFill>
-                <a:srgbClr val="000000"/>
-              </a:solidFill>
               <a:latin typeface="Arial"/>
             </a:endParaRPr>
           </a:p>
@@ -4079,16 +3528,7 @@
             <a:normAutofit/>
           </a:bodyPr>
           <a:p>
-            <a:pPr indent="0">
-              <a:spcBef>
-                <a:spcPts val="1417"/>
-              </a:spcBef>
-              <a:buNone/>
-            </a:pPr>
             <a:endParaRPr b="0" lang="en-CA" sz="3200" spc="-1" strike="noStrike">
-              <a:solidFill>
-                <a:srgbClr val="000000"/>
-              </a:solidFill>
               <a:latin typeface="Arial"/>
             </a:endParaRPr>
           </a:p>
@@ -4122,16 +3562,7 @@
             <a:normAutofit/>
           </a:bodyPr>
           <a:p>
-            <a:pPr indent="0">
-              <a:spcBef>
-                <a:spcPts val="1417"/>
-              </a:spcBef>
-              <a:buNone/>
-            </a:pPr>
             <a:endParaRPr b="0" lang="en-CA" sz="3200" spc="-1" strike="noStrike">
-              <a:solidFill>
-                <a:srgbClr val="000000"/>
-              </a:solidFill>
               <a:latin typeface="Arial"/>
             </a:endParaRPr>
           </a:p>
@@ -4165,16 +3596,7 @@
             <a:normAutofit/>
           </a:bodyPr>
           <a:p>
-            <a:pPr indent="0">
-              <a:spcBef>
-                <a:spcPts val="1417"/>
-              </a:spcBef>
-              <a:buNone/>
-            </a:pPr>
             <a:endParaRPr b="0" lang="en-CA" sz="3200" spc="-1" strike="noStrike">
-              <a:solidFill>
-                <a:srgbClr val="000000"/>
-              </a:solidFill>
               <a:latin typeface="Arial"/>
             </a:endParaRPr>
           </a:p>
@@ -4230,13 +3652,10 @@
             <a:noAutofit/>
           </a:bodyPr>
           <a:p>
-            <a:pPr indent="0" algn="ctr">
+            <a:pPr algn="ctr">
               <a:buNone/>
             </a:pPr>
             <a:endParaRPr b="0" lang="en-CA" sz="4400" spc="-1" strike="noStrike">
-              <a:solidFill>
-                <a:srgbClr val="000000"/>
-              </a:solidFill>
               <a:latin typeface="Arial"/>
             </a:endParaRPr>
           </a:p>
@@ -4270,16 +3689,7 @@
             <a:normAutofit/>
           </a:bodyPr>
           <a:p>
-            <a:pPr indent="0">
-              <a:spcBef>
-                <a:spcPts val="1417"/>
-              </a:spcBef>
-              <a:buNone/>
-            </a:pPr>
             <a:endParaRPr b="0" lang="en-CA" sz="3200" spc="-1" strike="noStrike">
-              <a:solidFill>
-                <a:srgbClr val="000000"/>
-              </a:solidFill>
               <a:latin typeface="Arial"/>
             </a:endParaRPr>
           </a:p>
@@ -4313,16 +3723,7 @@
             <a:normAutofit/>
           </a:bodyPr>
           <a:p>
-            <a:pPr indent="0">
-              <a:spcBef>
-                <a:spcPts val="1417"/>
-              </a:spcBef>
-              <a:buNone/>
-            </a:pPr>
             <a:endParaRPr b="0" lang="en-CA" sz="3200" spc="-1" strike="noStrike">
-              <a:solidFill>
-                <a:srgbClr val="000000"/>
-              </a:solidFill>
               <a:latin typeface="Arial"/>
             </a:endParaRPr>
           </a:p>
@@ -4356,16 +3757,7 @@
             <a:normAutofit/>
           </a:bodyPr>
           <a:p>
-            <a:pPr indent="0">
-              <a:spcBef>
-                <a:spcPts val="1417"/>
-              </a:spcBef>
-              <a:buNone/>
-            </a:pPr>
             <a:endParaRPr b="0" lang="en-CA" sz="3200" spc="-1" strike="noStrike">
-              <a:solidFill>
-                <a:srgbClr val="000000"/>
-              </a:solidFill>
               <a:latin typeface="Arial"/>
             </a:endParaRPr>
           </a:p>
@@ -4399,16 +3791,7 @@
             <a:normAutofit/>
           </a:bodyPr>
           <a:p>
-            <a:pPr indent="0">
-              <a:spcBef>
-                <a:spcPts val="1417"/>
-              </a:spcBef>
-              <a:buNone/>
-            </a:pPr>
             <a:endParaRPr b="0" lang="en-CA" sz="3200" spc="-1" strike="noStrike">
-              <a:solidFill>
-                <a:srgbClr val="000000"/>
-              </a:solidFill>
               <a:latin typeface="Arial"/>
             </a:endParaRPr>
           </a:p>
@@ -4442,16 +3825,7 @@
             <a:normAutofit/>
           </a:bodyPr>
           <a:p>
-            <a:pPr indent="0">
-              <a:spcBef>
-                <a:spcPts val="1417"/>
-              </a:spcBef>
-              <a:buNone/>
-            </a:pPr>
             <a:endParaRPr b="0" lang="en-CA" sz="3200" spc="-1" strike="noStrike">
-              <a:solidFill>
-                <a:srgbClr val="000000"/>
-              </a:solidFill>
               <a:latin typeface="Arial"/>
             </a:endParaRPr>
           </a:p>
@@ -4485,16 +3859,7 @@
             <a:normAutofit/>
           </a:bodyPr>
           <a:p>
-            <a:pPr indent="0">
-              <a:spcBef>
-                <a:spcPts val="1417"/>
-              </a:spcBef>
-              <a:buNone/>
-            </a:pPr>
             <a:endParaRPr b="0" lang="en-CA" sz="3200" spc="-1" strike="noStrike">
-              <a:solidFill>
-                <a:srgbClr val="000000"/>
-              </a:solidFill>
               <a:latin typeface="Arial"/>
             </a:endParaRPr>
           </a:p>
@@ -4572,13 +3937,10 @@
             <a:noAutofit/>
           </a:bodyPr>
           <a:p>
-            <a:pPr indent="0" algn="ctr">
+            <a:pPr algn="ctr">
               <a:buNone/>
             </a:pPr>
             <a:endParaRPr b="0" lang="en-CA" sz="4400" spc="-1" strike="noStrike">
-              <a:solidFill>
-                <a:srgbClr val="ffffff"/>
-              </a:solidFill>
               <a:latin typeface="Arial"/>
             </a:endParaRPr>
           </a:p>
@@ -4612,13 +3974,10 @@
             <a:noAutofit/>
           </a:bodyPr>
           <a:p>
-            <a:pPr indent="0" algn="ctr">
+            <a:pPr algn="ctr">
               <a:buNone/>
             </a:pPr>
             <a:endParaRPr b="0" lang="en-CA" sz="3200" spc="-1" strike="noStrike">
-              <a:solidFill>
-                <a:srgbClr val="ffffff"/>
-              </a:solidFill>
               <a:latin typeface="Arial"/>
             </a:endParaRPr>
           </a:p>
@@ -4674,13 +4033,10 @@
             <a:noAutofit/>
           </a:bodyPr>
           <a:p>
-            <a:pPr indent="0" algn="ctr">
+            <a:pPr algn="ctr">
               <a:buNone/>
             </a:pPr>
             <a:endParaRPr b="0" lang="en-CA" sz="4400" spc="-1" strike="noStrike">
-              <a:solidFill>
-                <a:srgbClr val="ffffff"/>
-              </a:solidFill>
               <a:latin typeface="Arial"/>
             </a:endParaRPr>
           </a:p>
@@ -4714,16 +4070,7 @@
             <a:normAutofit/>
           </a:bodyPr>
           <a:p>
-            <a:pPr indent="0">
-              <a:spcBef>
-                <a:spcPts val="1417"/>
-              </a:spcBef>
-              <a:buNone/>
-            </a:pPr>
             <a:endParaRPr b="0" lang="en-CA" sz="3200" spc="-1" strike="noStrike">
-              <a:solidFill>
-                <a:srgbClr val="ffffff"/>
-              </a:solidFill>
               <a:latin typeface="Arial"/>
             </a:endParaRPr>
           </a:p>
@@ -4779,13 +4126,10 @@
             <a:noAutofit/>
           </a:bodyPr>
           <a:p>
-            <a:pPr indent="0" algn="ctr">
+            <a:pPr algn="ctr">
               <a:buNone/>
             </a:pPr>
             <a:endParaRPr b="0" lang="en-CA" sz="4400" spc="-1" strike="noStrike">
-              <a:solidFill>
-                <a:srgbClr val="000000"/>
-              </a:solidFill>
               <a:latin typeface="Arial"/>
             </a:endParaRPr>
           </a:p>
@@ -4819,16 +4163,7 @@
             <a:normAutofit/>
           </a:bodyPr>
           <a:p>
-            <a:pPr indent="0">
-              <a:spcBef>
-                <a:spcPts val="1417"/>
-              </a:spcBef>
-              <a:buNone/>
-            </a:pPr>
             <a:endParaRPr b="0" lang="en-CA" sz="3200" spc="-1" strike="noStrike">
-              <a:solidFill>
-                <a:srgbClr val="000000"/>
-              </a:solidFill>
               <a:latin typeface="Arial"/>
             </a:endParaRPr>
           </a:p>
@@ -4862,16 +4197,7 @@
             <a:normAutofit/>
           </a:bodyPr>
           <a:p>
-            <a:pPr indent="0">
-              <a:spcBef>
-                <a:spcPts val="1417"/>
-              </a:spcBef>
-              <a:buNone/>
-            </a:pPr>
             <a:endParaRPr b="0" lang="en-CA" sz="3200" spc="-1" strike="noStrike">
-              <a:solidFill>
-                <a:srgbClr val="000000"/>
-              </a:solidFill>
               <a:latin typeface="Arial"/>
             </a:endParaRPr>
           </a:p>
@@ -4927,13 +4253,10 @@
             <a:noAutofit/>
           </a:bodyPr>
           <a:p>
-            <a:pPr indent="0" algn="ctr">
+            <a:pPr algn="ctr">
               <a:buNone/>
             </a:pPr>
             <a:endParaRPr b="0" lang="en-CA" sz="4400" spc="-1" strike="noStrike">
-              <a:solidFill>
-                <a:srgbClr val="ffffff"/>
-              </a:solidFill>
               <a:latin typeface="Arial"/>
             </a:endParaRPr>
           </a:p>
@@ -4967,16 +4290,7 @@
             <a:normAutofit/>
           </a:bodyPr>
           <a:p>
-            <a:pPr indent="0">
-              <a:spcBef>
-                <a:spcPts val="1417"/>
-              </a:spcBef>
-              <a:buNone/>
-            </a:pPr>
             <a:endParaRPr b="0" lang="en-CA" sz="3200" spc="-1" strike="noStrike">
-              <a:solidFill>
-                <a:srgbClr val="ffffff"/>
-              </a:solidFill>
               <a:latin typeface="Arial"/>
             </a:endParaRPr>
           </a:p>
@@ -5010,16 +4324,7 @@
             <a:normAutofit/>
           </a:bodyPr>
           <a:p>
-            <a:pPr indent="0">
-              <a:spcBef>
-                <a:spcPts val="1417"/>
-              </a:spcBef>
-              <a:buNone/>
-            </a:pPr>
             <a:endParaRPr b="0" lang="en-CA" sz="3200" spc="-1" strike="noStrike">
-              <a:solidFill>
-                <a:srgbClr val="ffffff"/>
-              </a:solidFill>
               <a:latin typeface="Arial"/>
             </a:endParaRPr>
           </a:p>
@@ -5075,13 +4380,10 @@
             <a:noAutofit/>
           </a:bodyPr>
           <a:p>
-            <a:pPr indent="0" algn="ctr">
+            <a:pPr algn="ctr">
               <a:buNone/>
             </a:pPr>
             <a:endParaRPr b="0" lang="en-CA" sz="4400" spc="-1" strike="noStrike">
-              <a:solidFill>
-                <a:srgbClr val="ffffff"/>
-              </a:solidFill>
               <a:latin typeface="Arial"/>
             </a:endParaRPr>
           </a:p>
@@ -5137,11 +4439,10 @@
             <a:noAutofit/>
           </a:bodyPr>
           <a:p>
-            <a:pPr algn="ctr"/>
+            <a:pPr algn="ctr">
+              <a:buNone/>
+            </a:pPr>
             <a:endParaRPr b="0" lang="en-CA" sz="3200" spc="-1" strike="noStrike">
-              <a:solidFill>
-                <a:srgbClr val="ffffff"/>
-              </a:solidFill>
               <a:latin typeface="Arial"/>
             </a:endParaRPr>
           </a:p>
@@ -5197,13 +4498,10 @@
             <a:noAutofit/>
           </a:bodyPr>
           <a:p>
-            <a:pPr indent="0" algn="ctr">
+            <a:pPr algn="ctr">
               <a:buNone/>
             </a:pPr>
             <a:endParaRPr b="0" lang="en-CA" sz="4400" spc="-1" strike="noStrike">
-              <a:solidFill>
-                <a:srgbClr val="ffffff"/>
-              </a:solidFill>
               <a:latin typeface="Arial"/>
             </a:endParaRPr>
           </a:p>
@@ -5237,16 +4535,7 @@
             <a:normAutofit/>
           </a:bodyPr>
           <a:p>
-            <a:pPr indent="0">
-              <a:spcBef>
-                <a:spcPts val="1417"/>
-              </a:spcBef>
-              <a:buNone/>
-            </a:pPr>
             <a:endParaRPr b="0" lang="en-CA" sz="3200" spc="-1" strike="noStrike">
-              <a:solidFill>
-                <a:srgbClr val="ffffff"/>
-              </a:solidFill>
               <a:latin typeface="Arial"/>
             </a:endParaRPr>
           </a:p>
@@ -5280,16 +4569,7 @@
             <a:normAutofit/>
           </a:bodyPr>
           <a:p>
-            <a:pPr indent="0">
-              <a:spcBef>
-                <a:spcPts val="1417"/>
-              </a:spcBef>
-              <a:buNone/>
-            </a:pPr>
             <a:endParaRPr b="0" lang="en-CA" sz="3200" spc="-1" strike="noStrike">
-              <a:solidFill>
-                <a:srgbClr val="ffffff"/>
-              </a:solidFill>
               <a:latin typeface="Arial"/>
             </a:endParaRPr>
           </a:p>
@@ -5323,16 +4603,7 @@
             <a:normAutofit/>
           </a:bodyPr>
           <a:p>
-            <a:pPr indent="0">
-              <a:spcBef>
-                <a:spcPts val="1417"/>
-              </a:spcBef>
-              <a:buNone/>
-            </a:pPr>
             <a:endParaRPr b="0" lang="en-CA" sz="3200" spc="-1" strike="noStrike">
-              <a:solidFill>
-                <a:srgbClr val="ffffff"/>
-              </a:solidFill>
               <a:latin typeface="Arial"/>
             </a:endParaRPr>
           </a:p>
@@ -5388,13 +4659,10 @@
             <a:noAutofit/>
           </a:bodyPr>
           <a:p>
-            <a:pPr indent="0" algn="ctr">
+            <a:pPr algn="ctr">
               <a:buNone/>
             </a:pPr>
             <a:endParaRPr b="0" lang="en-CA" sz="4400" spc="-1" strike="noStrike">
-              <a:solidFill>
-                <a:srgbClr val="ffffff"/>
-              </a:solidFill>
               <a:latin typeface="Arial"/>
             </a:endParaRPr>
           </a:p>
@@ -5428,16 +4696,7 @@
             <a:normAutofit/>
           </a:bodyPr>
           <a:p>
-            <a:pPr indent="0">
-              <a:spcBef>
-                <a:spcPts val="1417"/>
-              </a:spcBef>
-              <a:buNone/>
-            </a:pPr>
             <a:endParaRPr b="0" lang="en-CA" sz="3200" spc="-1" strike="noStrike">
-              <a:solidFill>
-                <a:srgbClr val="ffffff"/>
-              </a:solidFill>
               <a:latin typeface="Arial"/>
             </a:endParaRPr>
           </a:p>
@@ -5471,16 +4730,7 @@
             <a:normAutofit/>
           </a:bodyPr>
           <a:p>
-            <a:pPr indent="0">
-              <a:spcBef>
-                <a:spcPts val="1417"/>
-              </a:spcBef>
-              <a:buNone/>
-            </a:pPr>
             <a:endParaRPr b="0" lang="en-CA" sz="3200" spc="-1" strike="noStrike">
-              <a:solidFill>
-                <a:srgbClr val="ffffff"/>
-              </a:solidFill>
               <a:latin typeface="Arial"/>
             </a:endParaRPr>
           </a:p>
@@ -5514,16 +4764,7 @@
             <a:normAutofit/>
           </a:bodyPr>
           <a:p>
-            <a:pPr indent="0">
-              <a:spcBef>
-                <a:spcPts val="1417"/>
-              </a:spcBef>
-              <a:buNone/>
-            </a:pPr>
             <a:endParaRPr b="0" lang="en-CA" sz="3200" spc="-1" strike="noStrike">
-              <a:solidFill>
-                <a:srgbClr val="ffffff"/>
-              </a:solidFill>
               <a:latin typeface="Arial"/>
             </a:endParaRPr>
           </a:p>
@@ -5579,13 +4820,10 @@
             <a:noAutofit/>
           </a:bodyPr>
           <a:p>
-            <a:pPr indent="0" algn="ctr">
+            <a:pPr algn="ctr">
               <a:buNone/>
             </a:pPr>
             <a:endParaRPr b="0" lang="en-CA" sz="4400" spc="-1" strike="noStrike">
-              <a:solidFill>
-                <a:srgbClr val="ffffff"/>
-              </a:solidFill>
               <a:latin typeface="Arial"/>
             </a:endParaRPr>
           </a:p>
@@ -5619,16 +4857,7 @@
             <a:normAutofit/>
           </a:bodyPr>
           <a:p>
-            <a:pPr indent="0">
-              <a:spcBef>
-                <a:spcPts val="1417"/>
-              </a:spcBef>
-              <a:buNone/>
-            </a:pPr>
             <a:endParaRPr b="0" lang="en-CA" sz="3200" spc="-1" strike="noStrike">
-              <a:solidFill>
-                <a:srgbClr val="ffffff"/>
-              </a:solidFill>
               <a:latin typeface="Arial"/>
             </a:endParaRPr>
           </a:p>
@@ -5662,16 +4891,7 @@
             <a:normAutofit/>
           </a:bodyPr>
           <a:p>
-            <a:pPr indent="0">
-              <a:spcBef>
-                <a:spcPts val="1417"/>
-              </a:spcBef>
-              <a:buNone/>
-            </a:pPr>
             <a:endParaRPr b="0" lang="en-CA" sz="3200" spc="-1" strike="noStrike">
-              <a:solidFill>
-                <a:srgbClr val="ffffff"/>
-              </a:solidFill>
               <a:latin typeface="Arial"/>
             </a:endParaRPr>
           </a:p>
@@ -5705,16 +4925,7 @@
             <a:normAutofit/>
           </a:bodyPr>
           <a:p>
-            <a:pPr indent="0">
-              <a:spcBef>
-                <a:spcPts val="1417"/>
-              </a:spcBef>
-              <a:buNone/>
-            </a:pPr>
             <a:endParaRPr b="0" lang="en-CA" sz="3200" spc="-1" strike="noStrike">
-              <a:solidFill>
-                <a:srgbClr val="ffffff"/>
-              </a:solidFill>
               <a:latin typeface="Arial"/>
             </a:endParaRPr>
           </a:p>
@@ -5770,13 +4981,10 @@
             <a:noAutofit/>
           </a:bodyPr>
           <a:p>
-            <a:pPr indent="0" algn="ctr">
+            <a:pPr algn="ctr">
               <a:buNone/>
             </a:pPr>
             <a:endParaRPr b="0" lang="en-CA" sz="4400" spc="-1" strike="noStrike">
-              <a:solidFill>
-                <a:srgbClr val="ffffff"/>
-              </a:solidFill>
               <a:latin typeface="Arial"/>
             </a:endParaRPr>
           </a:p>
@@ -5810,16 +5018,7 @@
             <a:normAutofit/>
           </a:bodyPr>
           <a:p>
-            <a:pPr indent="0">
-              <a:spcBef>
-                <a:spcPts val="1417"/>
-              </a:spcBef>
-              <a:buNone/>
-            </a:pPr>
             <a:endParaRPr b="0" lang="en-CA" sz="3200" spc="-1" strike="noStrike">
-              <a:solidFill>
-                <a:srgbClr val="ffffff"/>
-              </a:solidFill>
               <a:latin typeface="Arial"/>
             </a:endParaRPr>
           </a:p>
@@ -5853,16 +5052,7 @@
             <a:normAutofit/>
           </a:bodyPr>
           <a:p>
-            <a:pPr indent="0">
-              <a:spcBef>
-                <a:spcPts val="1417"/>
-              </a:spcBef>
-              <a:buNone/>
-            </a:pPr>
             <a:endParaRPr b="0" lang="en-CA" sz="3200" spc="-1" strike="noStrike">
-              <a:solidFill>
-                <a:srgbClr val="ffffff"/>
-              </a:solidFill>
               <a:latin typeface="Arial"/>
             </a:endParaRPr>
           </a:p>
@@ -5918,13 +5108,10 @@
             <a:noAutofit/>
           </a:bodyPr>
           <a:p>
-            <a:pPr indent="0" algn="ctr">
+            <a:pPr algn="ctr">
               <a:buNone/>
             </a:pPr>
             <a:endParaRPr b="0" lang="en-CA" sz="4400" spc="-1" strike="noStrike">
-              <a:solidFill>
-                <a:srgbClr val="ffffff"/>
-              </a:solidFill>
               <a:latin typeface="Arial"/>
             </a:endParaRPr>
           </a:p>
@@ -5958,16 +5145,7 @@
             <a:normAutofit/>
           </a:bodyPr>
           <a:p>
-            <a:pPr indent="0">
-              <a:spcBef>
-                <a:spcPts val="1417"/>
-              </a:spcBef>
-              <a:buNone/>
-            </a:pPr>
             <a:endParaRPr b="0" lang="en-CA" sz="3200" spc="-1" strike="noStrike">
-              <a:solidFill>
-                <a:srgbClr val="ffffff"/>
-              </a:solidFill>
               <a:latin typeface="Arial"/>
             </a:endParaRPr>
           </a:p>
@@ -6001,16 +5179,7 @@
             <a:normAutofit/>
           </a:bodyPr>
           <a:p>
-            <a:pPr indent="0">
-              <a:spcBef>
-                <a:spcPts val="1417"/>
-              </a:spcBef>
-              <a:buNone/>
-            </a:pPr>
             <a:endParaRPr b="0" lang="en-CA" sz="3200" spc="-1" strike="noStrike">
-              <a:solidFill>
-                <a:srgbClr val="ffffff"/>
-              </a:solidFill>
               <a:latin typeface="Arial"/>
             </a:endParaRPr>
           </a:p>
@@ -6044,16 +5213,7 @@
             <a:normAutofit/>
           </a:bodyPr>
           <a:p>
-            <a:pPr indent="0">
-              <a:spcBef>
-                <a:spcPts val="1417"/>
-              </a:spcBef>
-              <a:buNone/>
-            </a:pPr>
             <a:endParaRPr b="0" lang="en-CA" sz="3200" spc="-1" strike="noStrike">
-              <a:solidFill>
-                <a:srgbClr val="ffffff"/>
-              </a:solidFill>
               <a:latin typeface="Arial"/>
             </a:endParaRPr>
           </a:p>
@@ -6087,16 +5247,7 @@
             <a:normAutofit/>
           </a:bodyPr>
           <a:p>
-            <a:pPr indent="0">
-              <a:spcBef>
-                <a:spcPts val="1417"/>
-              </a:spcBef>
-              <a:buNone/>
-            </a:pPr>
             <a:endParaRPr b="0" lang="en-CA" sz="3200" spc="-1" strike="noStrike">
-              <a:solidFill>
-                <a:srgbClr val="ffffff"/>
-              </a:solidFill>
               <a:latin typeface="Arial"/>
             </a:endParaRPr>
           </a:p>
@@ -6152,13 +5303,10 @@
             <a:noAutofit/>
           </a:bodyPr>
           <a:p>
-            <a:pPr indent="0" algn="ctr">
+            <a:pPr algn="ctr">
               <a:buNone/>
             </a:pPr>
             <a:endParaRPr b="0" lang="en-CA" sz="4400" spc="-1" strike="noStrike">
-              <a:solidFill>
-                <a:srgbClr val="ffffff"/>
-              </a:solidFill>
               <a:latin typeface="Arial"/>
             </a:endParaRPr>
           </a:p>
@@ -6192,16 +5340,7 @@
             <a:normAutofit/>
           </a:bodyPr>
           <a:p>
-            <a:pPr indent="0">
-              <a:spcBef>
-                <a:spcPts val="1417"/>
-              </a:spcBef>
-              <a:buNone/>
-            </a:pPr>
             <a:endParaRPr b="0" lang="en-CA" sz="3200" spc="-1" strike="noStrike">
-              <a:solidFill>
-                <a:srgbClr val="ffffff"/>
-              </a:solidFill>
               <a:latin typeface="Arial"/>
             </a:endParaRPr>
           </a:p>
@@ -6235,16 +5374,7 @@
             <a:normAutofit/>
           </a:bodyPr>
           <a:p>
-            <a:pPr indent="0">
-              <a:spcBef>
-                <a:spcPts val="1417"/>
-              </a:spcBef>
-              <a:buNone/>
-            </a:pPr>
             <a:endParaRPr b="0" lang="en-CA" sz="3200" spc="-1" strike="noStrike">
-              <a:solidFill>
-                <a:srgbClr val="ffffff"/>
-              </a:solidFill>
               <a:latin typeface="Arial"/>
             </a:endParaRPr>
           </a:p>
@@ -6278,16 +5408,7 @@
             <a:normAutofit/>
           </a:bodyPr>
           <a:p>
-            <a:pPr indent="0">
-              <a:spcBef>
-                <a:spcPts val="1417"/>
-              </a:spcBef>
-              <a:buNone/>
-            </a:pPr>
             <a:endParaRPr b="0" lang="en-CA" sz="3200" spc="-1" strike="noStrike">
-              <a:solidFill>
-                <a:srgbClr val="ffffff"/>
-              </a:solidFill>
               <a:latin typeface="Arial"/>
             </a:endParaRPr>
           </a:p>
@@ -6321,16 +5442,7 @@
             <a:normAutofit/>
           </a:bodyPr>
           <a:p>
-            <a:pPr indent="0">
-              <a:spcBef>
-                <a:spcPts val="1417"/>
-              </a:spcBef>
-              <a:buNone/>
-            </a:pPr>
             <a:endParaRPr b="0" lang="en-CA" sz="3200" spc="-1" strike="noStrike">
-              <a:solidFill>
-                <a:srgbClr val="ffffff"/>
-              </a:solidFill>
               <a:latin typeface="Arial"/>
             </a:endParaRPr>
           </a:p>
@@ -6364,16 +5476,7 @@
             <a:normAutofit/>
           </a:bodyPr>
           <a:p>
-            <a:pPr indent="0">
-              <a:spcBef>
-                <a:spcPts val="1417"/>
-              </a:spcBef>
-              <a:buNone/>
-            </a:pPr>
             <a:endParaRPr b="0" lang="en-CA" sz="3200" spc="-1" strike="noStrike">
-              <a:solidFill>
-                <a:srgbClr val="ffffff"/>
-              </a:solidFill>
               <a:latin typeface="Arial"/>
             </a:endParaRPr>
           </a:p>
@@ -6407,16 +5510,7 @@
             <a:normAutofit/>
           </a:bodyPr>
           <a:p>
-            <a:pPr indent="0">
-              <a:spcBef>
-                <a:spcPts val="1417"/>
-              </a:spcBef>
-              <a:buNone/>
-            </a:pPr>
             <a:endParaRPr b="0" lang="en-CA" sz="3200" spc="-1" strike="noStrike">
-              <a:solidFill>
-                <a:srgbClr val="ffffff"/>
-              </a:solidFill>
               <a:latin typeface="Arial"/>
             </a:endParaRPr>
           </a:p>
@@ -6472,13 +5566,10 @@
             <a:noAutofit/>
           </a:bodyPr>
           <a:p>
-            <a:pPr indent="0" algn="ctr">
+            <a:pPr algn="ctr">
               <a:buNone/>
             </a:pPr>
             <a:endParaRPr b="0" lang="en-CA" sz="4400" spc="-1" strike="noStrike">
-              <a:solidFill>
-                <a:srgbClr val="000000"/>
-              </a:solidFill>
               <a:latin typeface="Arial"/>
             </a:endParaRPr>
           </a:p>
@@ -6534,11 +5625,10 @@
             <a:noAutofit/>
           </a:bodyPr>
           <a:p>
-            <a:pPr algn="ctr"/>
+            <a:pPr algn="ctr">
+              <a:buNone/>
+            </a:pPr>
             <a:endParaRPr b="0" lang="en-CA" sz="3200" spc="-1" strike="noStrike">
-              <a:solidFill>
-                <a:srgbClr val="000000"/>
-              </a:solidFill>
               <a:latin typeface="Arial"/>
             </a:endParaRPr>
           </a:p>
@@ -6594,13 +5684,10 @@
             <a:noAutofit/>
           </a:bodyPr>
           <a:p>
-            <a:pPr indent="0" algn="ctr">
+            <a:pPr algn="ctr">
               <a:buNone/>
             </a:pPr>
             <a:endParaRPr b="0" lang="en-CA" sz="4400" spc="-1" strike="noStrike">
-              <a:solidFill>
-                <a:srgbClr val="000000"/>
-              </a:solidFill>
               <a:latin typeface="Arial"/>
             </a:endParaRPr>
           </a:p>
@@ -6634,16 +5721,7 @@
             <a:normAutofit/>
           </a:bodyPr>
           <a:p>
-            <a:pPr indent="0">
-              <a:spcBef>
-                <a:spcPts val="1417"/>
-              </a:spcBef>
-              <a:buNone/>
-            </a:pPr>
             <a:endParaRPr b="0" lang="en-CA" sz="3200" spc="-1" strike="noStrike">
-              <a:solidFill>
-                <a:srgbClr val="000000"/>
-              </a:solidFill>
               <a:latin typeface="Arial"/>
             </a:endParaRPr>
           </a:p>
@@ -6677,16 +5755,7 @@
             <a:normAutofit/>
           </a:bodyPr>
           <a:p>
-            <a:pPr indent="0">
-              <a:spcBef>
-                <a:spcPts val="1417"/>
-              </a:spcBef>
-              <a:buNone/>
-            </a:pPr>
             <a:endParaRPr b="0" lang="en-CA" sz="3200" spc="-1" strike="noStrike">
-              <a:solidFill>
-                <a:srgbClr val="000000"/>
-              </a:solidFill>
               <a:latin typeface="Arial"/>
             </a:endParaRPr>
           </a:p>
@@ -6720,16 +5789,7 @@
             <a:normAutofit/>
           </a:bodyPr>
           <a:p>
-            <a:pPr indent="0">
-              <a:spcBef>
-                <a:spcPts val="1417"/>
-              </a:spcBef>
-              <a:buNone/>
-            </a:pPr>
             <a:endParaRPr b="0" lang="en-CA" sz="3200" spc="-1" strike="noStrike">
-              <a:solidFill>
-                <a:srgbClr val="000000"/>
-              </a:solidFill>
               <a:latin typeface="Arial"/>
             </a:endParaRPr>
           </a:p>
@@ -6785,13 +5845,10 @@
             <a:noAutofit/>
           </a:bodyPr>
           <a:p>
-            <a:pPr indent="0" algn="ctr">
+            <a:pPr algn="ctr">
               <a:buNone/>
             </a:pPr>
             <a:endParaRPr b="0" lang="en-CA" sz="4400" spc="-1" strike="noStrike">
-              <a:solidFill>
-                <a:srgbClr val="000000"/>
-              </a:solidFill>
               <a:latin typeface="Arial"/>
             </a:endParaRPr>
           </a:p>
@@ -6825,16 +5882,7 @@
             <a:normAutofit/>
           </a:bodyPr>
           <a:p>
-            <a:pPr indent="0">
-              <a:spcBef>
-                <a:spcPts val="1417"/>
-              </a:spcBef>
-              <a:buNone/>
-            </a:pPr>
             <a:endParaRPr b="0" lang="en-CA" sz="3200" spc="-1" strike="noStrike">
-              <a:solidFill>
-                <a:srgbClr val="000000"/>
-              </a:solidFill>
               <a:latin typeface="Arial"/>
             </a:endParaRPr>
           </a:p>
@@ -6868,16 +5916,7 @@
             <a:normAutofit/>
           </a:bodyPr>
           <a:p>
-            <a:pPr indent="0">
-              <a:spcBef>
-                <a:spcPts val="1417"/>
-              </a:spcBef>
-              <a:buNone/>
-            </a:pPr>
             <a:endParaRPr b="0" lang="en-CA" sz="3200" spc="-1" strike="noStrike">
-              <a:solidFill>
-                <a:srgbClr val="000000"/>
-              </a:solidFill>
               <a:latin typeface="Arial"/>
             </a:endParaRPr>
           </a:p>
@@ -6911,16 +5950,7 @@
             <a:normAutofit/>
           </a:bodyPr>
           <a:p>
-            <a:pPr indent="0">
-              <a:spcBef>
-                <a:spcPts val="1417"/>
-              </a:spcBef>
-              <a:buNone/>
-            </a:pPr>
             <a:endParaRPr b="0" lang="en-CA" sz="3200" spc="-1" strike="noStrike">
-              <a:solidFill>
-                <a:srgbClr val="000000"/>
-              </a:solidFill>
               <a:latin typeface="Arial"/>
             </a:endParaRPr>
           </a:p>
@@ -6976,13 +6006,10 @@
             <a:noAutofit/>
           </a:bodyPr>
           <a:p>
-            <a:pPr indent="0" algn="ctr">
+            <a:pPr algn="ctr">
               <a:buNone/>
             </a:pPr>
             <a:endParaRPr b="0" lang="en-CA" sz="4400" spc="-1" strike="noStrike">
-              <a:solidFill>
-                <a:srgbClr val="000000"/>
-              </a:solidFill>
               <a:latin typeface="Arial"/>
             </a:endParaRPr>
           </a:p>
@@ -7016,16 +6043,7 @@
             <a:normAutofit/>
           </a:bodyPr>
           <a:p>
-            <a:pPr indent="0">
-              <a:spcBef>
-                <a:spcPts val="1417"/>
-              </a:spcBef>
-              <a:buNone/>
-            </a:pPr>
             <a:endParaRPr b="0" lang="en-CA" sz="3200" spc="-1" strike="noStrike">
-              <a:solidFill>
-                <a:srgbClr val="000000"/>
-              </a:solidFill>
               <a:latin typeface="Arial"/>
             </a:endParaRPr>
           </a:p>
@@ -7059,16 +6077,7 @@
             <a:normAutofit/>
           </a:bodyPr>
           <a:p>
-            <a:pPr indent="0">
-              <a:spcBef>
-                <a:spcPts val="1417"/>
-              </a:spcBef>
-              <a:buNone/>
-            </a:pPr>
             <a:endParaRPr b="0" lang="en-CA" sz="3200" spc="-1" strike="noStrike">
-              <a:solidFill>
-                <a:srgbClr val="000000"/>
-              </a:solidFill>
               <a:latin typeface="Arial"/>
             </a:endParaRPr>
           </a:p>
@@ -7102,16 +6111,7 @@
             <a:normAutofit/>
           </a:bodyPr>
           <a:p>
-            <a:pPr indent="0">
-              <a:spcBef>
-                <a:spcPts val="1417"/>
-              </a:spcBef>
-              <a:buNone/>
-            </a:pPr>
             <a:endParaRPr b="0" lang="en-CA" sz="3200" spc="-1" strike="noStrike">
-              <a:solidFill>
-                <a:srgbClr val="000000"/>
-              </a:solidFill>
               <a:latin typeface="Arial"/>
             </a:endParaRPr>
           </a:p>
@@ -7174,7 +6174,7 @@
             <a:noAutofit/>
           </a:bodyPr>
           <a:p>
-            <a:pPr indent="0" algn="ctr">
+            <a:pPr algn="ctr">
               <a:buNone/>
             </a:pPr>
             <a:r>
@@ -7184,7 +6184,70 @@
                 </a:solidFill>
                 <a:latin typeface="Calibri"/>
               </a:rPr>
-              <a:t>Click to edit the title text format</a:t>
+              <a:t>Click </a:t>
+            </a:r>
+            <a:r>
+              <a:rPr b="1" lang="en-CA" sz="4400" spc="-1" strike="noStrike">
+                <a:solidFill>
+                  <a:srgbClr val="4f2683"/>
+                </a:solidFill>
+                <a:latin typeface="Calibri"/>
+              </a:rPr>
+              <a:t>to </a:t>
+            </a:r>
+            <a:r>
+              <a:rPr b="1" lang="en-CA" sz="4400" spc="-1" strike="noStrike">
+                <a:solidFill>
+                  <a:srgbClr val="4f2683"/>
+                </a:solidFill>
+                <a:latin typeface="Calibri"/>
+              </a:rPr>
+              <a:t>edit </a:t>
+            </a:r>
+            <a:r>
+              <a:rPr b="1" lang="en-CA" sz="4400" spc="-1" strike="noStrike">
+                <a:solidFill>
+                  <a:srgbClr val="4f2683"/>
+                </a:solidFill>
+                <a:latin typeface="Calibri"/>
+              </a:rPr>
+              <a:t>the </a:t>
+            </a:r>
+            <a:r>
+              <a:rPr b="1" lang="en-CA" sz="4400" spc="-1" strike="noStrike">
+                <a:solidFill>
+                  <a:srgbClr val="4f2683"/>
+                </a:solidFill>
+                <a:latin typeface="Calibri"/>
+              </a:rPr>
+              <a:t>title </a:t>
+            </a:r>
+            <a:r>
+              <a:rPr b="1" lang="en-CA" sz="4400" spc="-1" strike="noStrike">
+                <a:solidFill>
+                  <a:srgbClr val="4f2683"/>
+                </a:solidFill>
+                <a:latin typeface="Calibri"/>
+              </a:rPr>
+              <a:t>text </a:t>
+            </a:r>
+            <a:r>
+              <a:rPr b="1" lang="en-CA" sz="4400" spc="-1" strike="noStrike">
+                <a:solidFill>
+                  <a:srgbClr val="4f2683"/>
+                </a:solidFill>
+                <a:latin typeface="Calibri"/>
+              </a:rPr>
+              <a:t>for</a:t>
+            </a:r>
+            <a:r>
+              <a:rPr b="1" lang="en-CA" sz="4400" spc="-1" strike="noStrike">
+                <a:solidFill>
+                  <a:srgbClr val="4f2683"/>
+                </a:solidFill>
+                <a:latin typeface="Calibri"/>
+              </a:rPr>
+              <a:t>mat</a:t>
             </a:r>
             <a:endParaRPr b="1" lang="en-CA" sz="4400" spc="-1" strike="noStrike">
               <a:solidFill>
@@ -7236,17 +6299,11 @@
             </a:pPr>
             <a:r>
               <a:rPr b="0" lang="en-CA" sz="3200" spc="-1" strike="noStrike">
-                <a:solidFill>
-                  <a:srgbClr val="000000"/>
-                </a:solidFill>
                 <a:latin typeface="Calibri"/>
               </a:rPr>
               <a:t>Click to edit the outline text format</a:t>
             </a:r>
             <a:endParaRPr b="0" lang="en-CA" sz="3200" spc="-1" strike="noStrike">
-              <a:solidFill>
-                <a:srgbClr val="000000"/>
-              </a:solidFill>
               <a:latin typeface="Calibri"/>
             </a:endParaRPr>
           </a:p>
@@ -7264,17 +6321,11 @@
             </a:pPr>
             <a:r>
               <a:rPr b="0" lang="en-CA" sz="2600" spc="-1" strike="noStrike">
-                <a:solidFill>
-                  <a:srgbClr val="000000"/>
-                </a:solidFill>
                 <a:latin typeface="Calibri"/>
               </a:rPr>
               <a:t>Second Outline Level</a:t>
             </a:r>
             <a:endParaRPr b="0" lang="en-CA" sz="2600" spc="-1" strike="noStrike">
-              <a:solidFill>
-                <a:srgbClr val="000000"/>
-              </a:solidFill>
               <a:latin typeface="Calibri"/>
             </a:endParaRPr>
           </a:p>
@@ -7292,17 +6343,11 @@
             </a:pPr>
             <a:r>
               <a:rPr b="0" lang="en-CA" sz="2200" spc="-1" strike="noStrike">
-                <a:solidFill>
-                  <a:srgbClr val="000000"/>
-                </a:solidFill>
                 <a:latin typeface="Calibri"/>
               </a:rPr>
               <a:t>Third Outline Level</a:t>
             </a:r>
             <a:endParaRPr b="0" lang="en-CA" sz="2200" spc="-1" strike="noStrike">
-              <a:solidFill>
-                <a:srgbClr val="000000"/>
-              </a:solidFill>
               <a:latin typeface="Calibri"/>
             </a:endParaRPr>
           </a:p>
@@ -7320,17 +6365,11 @@
             </a:pPr>
             <a:r>
               <a:rPr b="0" lang="en-CA" sz="1800" spc="-1" strike="noStrike">
-                <a:solidFill>
-                  <a:srgbClr val="000000"/>
-                </a:solidFill>
                 <a:latin typeface="Calibri"/>
               </a:rPr>
               <a:t>Fourth Outline Level</a:t>
             </a:r>
             <a:endParaRPr b="0" lang="en-CA" sz="1800" spc="-1" strike="noStrike">
-              <a:solidFill>
-                <a:srgbClr val="000000"/>
-              </a:solidFill>
               <a:latin typeface="Calibri"/>
             </a:endParaRPr>
           </a:p>
@@ -7348,17 +6387,11 @@
             </a:pPr>
             <a:r>
               <a:rPr b="0" lang="en-CA" sz="2000" spc="-1" strike="noStrike">
-                <a:solidFill>
-                  <a:srgbClr val="000000"/>
-                </a:solidFill>
                 <a:latin typeface="Calibri"/>
               </a:rPr>
               <a:t>Fifth Outline Level</a:t>
             </a:r>
             <a:endParaRPr b="0" lang="en-CA" sz="2000" spc="-1" strike="noStrike">
-              <a:solidFill>
-                <a:srgbClr val="000000"/>
-              </a:solidFill>
               <a:latin typeface="Calibri"/>
             </a:endParaRPr>
           </a:p>
@@ -7376,17 +6409,11 @@
             </a:pPr>
             <a:r>
               <a:rPr b="0" lang="en-CA" sz="2000" spc="-1" strike="noStrike">
-                <a:solidFill>
-                  <a:srgbClr val="000000"/>
-                </a:solidFill>
                 <a:latin typeface="Calibri"/>
               </a:rPr>
               <a:t>Sixth Outline Level</a:t>
             </a:r>
             <a:endParaRPr b="0" lang="en-CA" sz="2000" spc="-1" strike="noStrike">
-              <a:solidFill>
-                <a:srgbClr val="000000"/>
-              </a:solidFill>
               <a:latin typeface="Calibri"/>
             </a:endParaRPr>
           </a:p>
@@ -7404,17 +6431,11 @@
             </a:pPr>
             <a:r>
               <a:rPr b="0" lang="en-CA" sz="2000" spc="-1" strike="noStrike">
-                <a:solidFill>
-                  <a:srgbClr val="000000"/>
-                </a:solidFill>
                 <a:latin typeface="Calibri"/>
               </a:rPr>
               <a:t>Seventh Outline Level</a:t>
             </a:r>
             <a:endParaRPr b="0" lang="en-CA" sz="2000" spc="-1" strike="noStrike">
-              <a:solidFill>
-                <a:srgbClr val="000000"/>
-              </a:solidFill>
               <a:latin typeface="Calibri"/>
             </a:endParaRPr>
           </a:p>
@@ -7447,19 +6468,6 @@
           <a:effectRef idx="0"/>
           <a:fontRef idx="minor"/>
         </p:style>
-        <p:txBody>
-          <a:bodyPr lIns="90000" rIns="90000" tIns="45000" bIns="45000" anchor="t">
-            <a:noAutofit/>
-          </a:bodyPr>
-          <a:p>
-            <a:endParaRPr b="0" lang="en-CA" sz="1800" spc="-1" strike="noStrike">
-              <a:solidFill>
-                <a:srgbClr val="ffffff"/>
-              </a:solidFill>
-              <a:latin typeface="Arial"/>
-            </a:endParaRPr>
-          </a:p>
-        </p:txBody>
       </p:sp>
       <p:pic>
         <p:nvPicPr>
@@ -7556,22 +6564,16 @@
             <a:noAutofit/>
           </a:bodyPr>
           <a:p>
-            <a:pPr indent="0" algn="ctr">
+            <a:pPr algn="ctr">
               <a:buNone/>
             </a:pPr>
             <a:r>
               <a:rPr b="0" lang="en-CA" sz="4400" spc="-1" strike="noStrike">
-                <a:solidFill>
-                  <a:srgbClr val="000000"/>
-                </a:solidFill>
                 <a:latin typeface="Arial"/>
               </a:rPr>
               <a:t>Click to edit the title text format</a:t>
             </a:r>
             <a:endParaRPr b="0" lang="en-CA" sz="4400" spc="-1" strike="noStrike">
-              <a:solidFill>
-                <a:srgbClr val="000000"/>
-              </a:solidFill>
               <a:latin typeface="Arial"/>
             </a:endParaRPr>
           </a:p>
@@ -7618,17 +6620,11 @@
             </a:pPr>
             <a:r>
               <a:rPr b="0" lang="en-CA" sz="3200" spc="-1" strike="noStrike">
-                <a:solidFill>
-                  <a:srgbClr val="000000"/>
-                </a:solidFill>
                 <a:latin typeface="Arial"/>
               </a:rPr>
               <a:t>Click to edit the outline text format</a:t>
             </a:r>
             <a:endParaRPr b="0" lang="en-CA" sz="3200" spc="-1" strike="noStrike">
-              <a:solidFill>
-                <a:srgbClr val="000000"/>
-              </a:solidFill>
               <a:latin typeface="Arial"/>
             </a:endParaRPr>
           </a:p>
@@ -7646,17 +6642,11 @@
             </a:pPr>
             <a:r>
               <a:rPr b="0" lang="en-CA" sz="2800" spc="-1" strike="noStrike">
-                <a:solidFill>
-                  <a:srgbClr val="000000"/>
-                </a:solidFill>
                 <a:latin typeface="Arial"/>
               </a:rPr>
               <a:t>Second Outline Level</a:t>
             </a:r>
             <a:endParaRPr b="0" lang="en-CA" sz="2800" spc="-1" strike="noStrike">
-              <a:solidFill>
-                <a:srgbClr val="000000"/>
-              </a:solidFill>
               <a:latin typeface="Arial"/>
             </a:endParaRPr>
           </a:p>
@@ -7674,17 +6664,11 @@
             </a:pPr>
             <a:r>
               <a:rPr b="0" lang="en-CA" sz="2400" spc="-1" strike="noStrike">
-                <a:solidFill>
-                  <a:srgbClr val="000000"/>
-                </a:solidFill>
                 <a:latin typeface="Arial"/>
               </a:rPr>
               <a:t>Third Outline Level</a:t>
             </a:r>
             <a:endParaRPr b="0" lang="en-CA" sz="2400" spc="-1" strike="noStrike">
-              <a:solidFill>
-                <a:srgbClr val="000000"/>
-              </a:solidFill>
               <a:latin typeface="Arial"/>
             </a:endParaRPr>
           </a:p>
@@ -7702,17 +6686,11 @@
             </a:pPr>
             <a:r>
               <a:rPr b="0" lang="en-CA" sz="2000" spc="-1" strike="noStrike">
-                <a:solidFill>
-                  <a:srgbClr val="000000"/>
-                </a:solidFill>
                 <a:latin typeface="Arial"/>
               </a:rPr>
               <a:t>Fourth Outline Level</a:t>
             </a:r>
             <a:endParaRPr b="0" lang="en-CA" sz="2000" spc="-1" strike="noStrike">
-              <a:solidFill>
-                <a:srgbClr val="000000"/>
-              </a:solidFill>
               <a:latin typeface="Arial"/>
             </a:endParaRPr>
           </a:p>
@@ -7730,17 +6708,11 @@
             </a:pPr>
             <a:r>
               <a:rPr b="0" lang="en-CA" sz="2000" spc="-1" strike="noStrike">
-                <a:solidFill>
-                  <a:srgbClr val="000000"/>
-                </a:solidFill>
                 <a:latin typeface="Arial"/>
               </a:rPr>
               <a:t>Fifth Outline Level</a:t>
             </a:r>
             <a:endParaRPr b="0" lang="en-CA" sz="2000" spc="-1" strike="noStrike">
-              <a:solidFill>
-                <a:srgbClr val="000000"/>
-              </a:solidFill>
               <a:latin typeface="Arial"/>
             </a:endParaRPr>
           </a:p>
@@ -7758,17 +6730,11 @@
             </a:pPr>
             <a:r>
               <a:rPr b="0" lang="en-CA" sz="2000" spc="-1" strike="noStrike">
-                <a:solidFill>
-                  <a:srgbClr val="000000"/>
-                </a:solidFill>
                 <a:latin typeface="Arial"/>
               </a:rPr>
               <a:t>Sixth Outline Level</a:t>
             </a:r>
             <a:endParaRPr b="0" lang="en-CA" sz="2000" spc="-1" strike="noStrike">
-              <a:solidFill>
-                <a:srgbClr val="000000"/>
-              </a:solidFill>
               <a:latin typeface="Arial"/>
             </a:endParaRPr>
           </a:p>
@@ -7786,17 +6752,11 @@
             </a:pPr>
             <a:r>
               <a:rPr b="0" lang="en-CA" sz="2000" spc="-1" strike="noStrike">
-                <a:solidFill>
-                  <a:srgbClr val="000000"/>
-                </a:solidFill>
                 <a:latin typeface="Arial"/>
               </a:rPr>
               <a:t>Seventh Outline Level</a:t>
             </a:r>
             <a:endParaRPr b="0" lang="en-CA" sz="2000" spc="-1" strike="noStrike">
-              <a:solidFill>
-                <a:srgbClr val="000000"/>
-              </a:solidFill>
               <a:latin typeface="Arial"/>
             </a:endParaRPr>
           </a:p>
@@ -7874,22 +6834,16 @@
             <a:noAutofit/>
           </a:bodyPr>
           <a:p>
-            <a:pPr indent="0" algn="ctr">
+            <a:pPr algn="ctr">
               <a:buNone/>
             </a:pPr>
             <a:r>
               <a:rPr b="0" lang="en-CA" sz="4400" spc="-1" strike="noStrike">
-                <a:solidFill>
-                  <a:srgbClr val="000000"/>
-                </a:solidFill>
                 <a:latin typeface="Arial"/>
               </a:rPr>
               <a:t>Click to edit the title text format</a:t>
             </a:r>
             <a:endParaRPr b="0" lang="en-CA" sz="4400" spc="-1" strike="noStrike">
-              <a:solidFill>
-                <a:srgbClr val="000000"/>
-              </a:solidFill>
               <a:latin typeface="Arial"/>
             </a:endParaRPr>
           </a:p>
@@ -7936,17 +6890,11 @@
             </a:pPr>
             <a:r>
               <a:rPr b="0" lang="en-CA" sz="3200" spc="-1" strike="noStrike">
-                <a:solidFill>
-                  <a:srgbClr val="000000"/>
-                </a:solidFill>
                 <a:latin typeface="Arial"/>
               </a:rPr>
               <a:t>Click to edit the outline text format</a:t>
             </a:r>
             <a:endParaRPr b="0" lang="en-CA" sz="3200" spc="-1" strike="noStrike">
-              <a:solidFill>
-                <a:srgbClr val="000000"/>
-              </a:solidFill>
               <a:latin typeface="Arial"/>
             </a:endParaRPr>
           </a:p>
@@ -7964,17 +6912,11 @@
             </a:pPr>
             <a:r>
               <a:rPr b="0" lang="en-CA" sz="2800" spc="-1" strike="noStrike">
-                <a:solidFill>
-                  <a:srgbClr val="000000"/>
-                </a:solidFill>
                 <a:latin typeface="Arial"/>
               </a:rPr>
               <a:t>Second Outline Level</a:t>
             </a:r>
             <a:endParaRPr b="0" lang="en-CA" sz="2800" spc="-1" strike="noStrike">
-              <a:solidFill>
-                <a:srgbClr val="000000"/>
-              </a:solidFill>
               <a:latin typeface="Arial"/>
             </a:endParaRPr>
           </a:p>
@@ -7992,17 +6934,11 @@
             </a:pPr>
             <a:r>
               <a:rPr b="0" lang="en-CA" sz="2400" spc="-1" strike="noStrike">
-                <a:solidFill>
-                  <a:srgbClr val="000000"/>
-                </a:solidFill>
                 <a:latin typeface="Arial"/>
               </a:rPr>
               <a:t>Third Outline Level</a:t>
             </a:r>
             <a:endParaRPr b="0" lang="en-CA" sz="2400" spc="-1" strike="noStrike">
-              <a:solidFill>
-                <a:srgbClr val="000000"/>
-              </a:solidFill>
               <a:latin typeface="Arial"/>
             </a:endParaRPr>
           </a:p>
@@ -8020,17 +6956,11 @@
             </a:pPr>
             <a:r>
               <a:rPr b="0" lang="en-CA" sz="2000" spc="-1" strike="noStrike">
-                <a:solidFill>
-                  <a:srgbClr val="000000"/>
-                </a:solidFill>
                 <a:latin typeface="Arial"/>
               </a:rPr>
               <a:t>Fourth Outline Level</a:t>
             </a:r>
             <a:endParaRPr b="0" lang="en-CA" sz="2000" spc="-1" strike="noStrike">
-              <a:solidFill>
-                <a:srgbClr val="000000"/>
-              </a:solidFill>
               <a:latin typeface="Arial"/>
             </a:endParaRPr>
           </a:p>
@@ -8048,17 +6978,11 @@
             </a:pPr>
             <a:r>
               <a:rPr b="0" lang="en-CA" sz="2000" spc="-1" strike="noStrike">
-                <a:solidFill>
-                  <a:srgbClr val="000000"/>
-                </a:solidFill>
                 <a:latin typeface="Arial"/>
               </a:rPr>
               <a:t>Fifth Outline Level</a:t>
             </a:r>
             <a:endParaRPr b="0" lang="en-CA" sz="2000" spc="-1" strike="noStrike">
-              <a:solidFill>
-                <a:srgbClr val="000000"/>
-              </a:solidFill>
               <a:latin typeface="Arial"/>
             </a:endParaRPr>
           </a:p>
@@ -8076,17 +7000,11 @@
             </a:pPr>
             <a:r>
               <a:rPr b="0" lang="en-CA" sz="2000" spc="-1" strike="noStrike">
-                <a:solidFill>
-                  <a:srgbClr val="000000"/>
-                </a:solidFill>
                 <a:latin typeface="Arial"/>
               </a:rPr>
               <a:t>Sixth Outline Level</a:t>
             </a:r>
             <a:endParaRPr b="0" lang="en-CA" sz="2000" spc="-1" strike="noStrike">
-              <a:solidFill>
-                <a:srgbClr val="000000"/>
-              </a:solidFill>
               <a:latin typeface="Arial"/>
             </a:endParaRPr>
           </a:p>
@@ -8104,17 +7022,11 @@
             </a:pPr>
             <a:r>
               <a:rPr b="0" lang="en-CA" sz="2000" spc="-1" strike="noStrike">
-                <a:solidFill>
-                  <a:srgbClr val="000000"/>
-                </a:solidFill>
                 <a:latin typeface="Arial"/>
               </a:rPr>
               <a:t>Seventh Outline Level</a:t>
             </a:r>
             <a:endParaRPr b="0" lang="en-CA" sz="2000" spc="-1" strike="noStrike">
-              <a:solidFill>
-                <a:srgbClr val="000000"/>
-              </a:solidFill>
               <a:latin typeface="Arial"/>
             </a:endParaRPr>
           </a:p>
@@ -8192,22 +7104,118 @@
             <a:noAutofit/>
           </a:bodyPr>
           <a:p>
-            <a:pPr indent="0" algn="ctr">
+            <a:pPr algn="ctr">
               <a:buNone/>
             </a:pPr>
             <a:r>
               <a:rPr b="0" lang="en-CA" sz="4400" spc="-1" strike="noStrike">
-                <a:solidFill>
-                  <a:srgbClr val="ffffff"/>
-                </a:solidFill>
-                <a:latin typeface="Arial"/>
-              </a:rPr>
-              <a:t>Click to edit the title text format</a:t>
+                <a:latin typeface="Arial"/>
+              </a:rPr>
+              <a:t>C</a:t>
+            </a:r>
+            <a:r>
+              <a:rPr b="0" lang="en-CA" sz="4400" spc="-1" strike="noStrike">
+                <a:latin typeface="Arial"/>
+              </a:rPr>
+              <a:t>li</a:t>
+            </a:r>
+            <a:r>
+              <a:rPr b="0" lang="en-CA" sz="4400" spc="-1" strike="noStrike">
+                <a:latin typeface="Arial"/>
+              </a:rPr>
+              <a:t>c</a:t>
+            </a:r>
+            <a:r>
+              <a:rPr b="0" lang="en-CA" sz="4400" spc="-1" strike="noStrike">
+                <a:latin typeface="Arial"/>
+              </a:rPr>
+              <a:t>k </a:t>
+            </a:r>
+            <a:r>
+              <a:rPr b="0" lang="en-CA" sz="4400" spc="-1" strike="noStrike">
+                <a:latin typeface="Arial"/>
+              </a:rPr>
+              <a:t>to </a:t>
+            </a:r>
+            <a:r>
+              <a:rPr b="0" lang="en-CA" sz="4400" spc="-1" strike="noStrike">
+                <a:latin typeface="Arial"/>
+              </a:rPr>
+              <a:t>e</a:t>
+            </a:r>
+            <a:r>
+              <a:rPr b="0" lang="en-CA" sz="4400" spc="-1" strike="noStrike">
+                <a:latin typeface="Arial"/>
+              </a:rPr>
+              <a:t>di</a:t>
+            </a:r>
+            <a:r>
+              <a:rPr b="0" lang="en-CA" sz="4400" spc="-1" strike="noStrike">
+                <a:latin typeface="Arial"/>
+              </a:rPr>
+              <a:t>t </a:t>
+            </a:r>
+            <a:r>
+              <a:rPr b="0" lang="en-CA" sz="4400" spc="-1" strike="noStrike">
+                <a:latin typeface="Arial"/>
+              </a:rPr>
+              <a:t>th</a:t>
+            </a:r>
+            <a:r>
+              <a:rPr b="0" lang="en-CA" sz="4400" spc="-1" strike="noStrike">
+                <a:latin typeface="Arial"/>
+              </a:rPr>
+              <a:t>e </a:t>
+            </a:r>
+            <a:r>
+              <a:rPr b="0" lang="en-CA" sz="4400" spc="-1" strike="noStrike">
+                <a:latin typeface="Arial"/>
+              </a:rPr>
+              <a:t>tit</a:t>
+            </a:r>
+            <a:r>
+              <a:rPr b="0" lang="en-CA" sz="4400" spc="-1" strike="noStrike">
+                <a:latin typeface="Arial"/>
+              </a:rPr>
+              <a:t>le </a:t>
+            </a:r>
+            <a:r>
+              <a:rPr b="0" lang="en-CA" sz="4400" spc="-1" strike="noStrike">
+                <a:latin typeface="Arial"/>
+              </a:rPr>
+              <a:t>te</a:t>
+            </a:r>
+            <a:r>
+              <a:rPr b="0" lang="en-CA" sz="4400" spc="-1" strike="noStrike">
+                <a:latin typeface="Arial"/>
+              </a:rPr>
+              <a:t>xt </a:t>
+            </a:r>
+            <a:r>
+              <a:rPr b="0" lang="en-CA" sz="4400" spc="-1" strike="noStrike">
+                <a:latin typeface="Arial"/>
+              </a:rPr>
+              <a:t>fo</a:t>
+            </a:r>
+            <a:r>
+              <a:rPr b="0" lang="en-CA" sz="4400" spc="-1" strike="noStrike">
+                <a:latin typeface="Arial"/>
+              </a:rPr>
+              <a:t>r</a:t>
+            </a:r>
+            <a:r>
+              <a:rPr b="0" lang="en-CA" sz="4400" spc="-1" strike="noStrike">
+                <a:latin typeface="Arial"/>
+              </a:rPr>
+              <a:t>m</a:t>
+            </a:r>
+            <a:r>
+              <a:rPr b="0" lang="en-CA" sz="4400" spc="-1" strike="noStrike">
+                <a:latin typeface="Arial"/>
+              </a:rPr>
+              <a:t>at</a:t>
             </a:r>
             <a:endParaRPr b="0" lang="en-CA" sz="4400" spc="-1" strike="noStrike">
-              <a:solidFill>
-                <a:srgbClr val="ffffff"/>
-              </a:solidFill>
               <a:latin typeface="Arial"/>
             </a:endParaRPr>
           </a:p>
@@ -8254,17 +7262,11 @@
             </a:pPr>
             <a:r>
               <a:rPr b="0" lang="en-CA" sz="3200" spc="-1" strike="noStrike">
-                <a:solidFill>
-                  <a:srgbClr val="ffffff"/>
-                </a:solidFill>
                 <a:latin typeface="Arial"/>
               </a:rPr>
               <a:t>Click to edit the outline text format</a:t>
             </a:r>
             <a:endParaRPr b="0" lang="en-CA" sz="3200" spc="-1" strike="noStrike">
-              <a:solidFill>
-                <a:srgbClr val="ffffff"/>
-              </a:solidFill>
               <a:latin typeface="Arial"/>
             </a:endParaRPr>
           </a:p>
@@ -8282,17 +7284,11 @@
             </a:pPr>
             <a:r>
               <a:rPr b="0" lang="en-CA" sz="2800" spc="-1" strike="noStrike">
-                <a:solidFill>
-                  <a:srgbClr val="ffffff"/>
-                </a:solidFill>
                 <a:latin typeface="Arial"/>
               </a:rPr>
               <a:t>Second Outline Level</a:t>
             </a:r>
             <a:endParaRPr b="0" lang="en-CA" sz="2800" spc="-1" strike="noStrike">
-              <a:solidFill>
-                <a:srgbClr val="ffffff"/>
-              </a:solidFill>
               <a:latin typeface="Arial"/>
             </a:endParaRPr>
           </a:p>
@@ -8310,17 +7306,11 @@
             </a:pPr>
             <a:r>
               <a:rPr b="0" lang="en-CA" sz="2400" spc="-1" strike="noStrike">
-                <a:solidFill>
-                  <a:srgbClr val="ffffff"/>
-                </a:solidFill>
                 <a:latin typeface="Arial"/>
               </a:rPr>
               <a:t>Third Outline Level</a:t>
             </a:r>
             <a:endParaRPr b="0" lang="en-CA" sz="2400" spc="-1" strike="noStrike">
-              <a:solidFill>
-                <a:srgbClr val="ffffff"/>
-              </a:solidFill>
               <a:latin typeface="Arial"/>
             </a:endParaRPr>
           </a:p>
@@ -8338,17 +7328,11 @@
             </a:pPr>
             <a:r>
               <a:rPr b="0" lang="en-CA" sz="2000" spc="-1" strike="noStrike">
-                <a:solidFill>
-                  <a:srgbClr val="ffffff"/>
-                </a:solidFill>
                 <a:latin typeface="Arial"/>
               </a:rPr>
               <a:t>Fourth Outline Level</a:t>
             </a:r>
             <a:endParaRPr b="0" lang="en-CA" sz="2000" spc="-1" strike="noStrike">
-              <a:solidFill>
-                <a:srgbClr val="ffffff"/>
-              </a:solidFill>
               <a:latin typeface="Arial"/>
             </a:endParaRPr>
           </a:p>
@@ -8366,17 +7350,11 @@
             </a:pPr>
             <a:r>
               <a:rPr b="0" lang="en-CA" sz="2000" spc="-1" strike="noStrike">
-                <a:solidFill>
-                  <a:srgbClr val="ffffff"/>
-                </a:solidFill>
                 <a:latin typeface="Arial"/>
               </a:rPr>
               <a:t>Fifth Outline Level</a:t>
             </a:r>
             <a:endParaRPr b="0" lang="en-CA" sz="2000" spc="-1" strike="noStrike">
-              <a:solidFill>
-                <a:srgbClr val="ffffff"/>
-              </a:solidFill>
               <a:latin typeface="Arial"/>
             </a:endParaRPr>
           </a:p>
@@ -8394,17 +7372,11 @@
             </a:pPr>
             <a:r>
               <a:rPr b="0" lang="en-CA" sz="2000" spc="-1" strike="noStrike">
-                <a:solidFill>
-                  <a:srgbClr val="ffffff"/>
-                </a:solidFill>
                 <a:latin typeface="Arial"/>
               </a:rPr>
               <a:t>Sixth Outline Level</a:t>
             </a:r>
             <a:endParaRPr b="0" lang="en-CA" sz="2000" spc="-1" strike="noStrike">
-              <a:solidFill>
-                <a:srgbClr val="ffffff"/>
-              </a:solidFill>
               <a:latin typeface="Arial"/>
             </a:endParaRPr>
           </a:p>
@@ -8422,17 +7394,11 @@
             </a:pPr>
             <a:r>
               <a:rPr b="0" lang="en-CA" sz="2000" spc="-1" strike="noStrike">
-                <a:solidFill>
-                  <a:srgbClr val="ffffff"/>
-                </a:solidFill>
                 <a:latin typeface="Arial"/>
               </a:rPr>
               <a:t>Seventh Outline Level</a:t>
             </a:r>
             <a:endParaRPr b="0" lang="en-CA" sz="2000" spc="-1" strike="noStrike">
-              <a:solidFill>
-                <a:srgbClr val="ffffff"/>
-              </a:solidFill>
               <a:latin typeface="Arial"/>
             </a:endParaRPr>
           </a:p>
@@ -8503,22 +7469,40 @@
             <a:noAutofit/>
           </a:bodyPr>
           <a:p>
-            <a:pPr indent="0" algn="ctr">
+            <a:pPr algn="ctr">
               <a:buNone/>
             </a:pPr>
             <a:r>
               <a:rPr b="0" lang="en-CA" sz="4400" spc="-1" strike="noStrike">
-                <a:solidFill>
-                  <a:srgbClr val="ffffff"/>
-                </a:solidFill>
-                <a:latin typeface="Arial"/>
-              </a:rPr>
-              <a:t>lastname, firstname PIN</a:t>
+                <a:latin typeface="Arial"/>
+              </a:rPr>
+              <a:t>lastn</a:t>
+            </a:r>
+            <a:r>
+              <a:rPr b="0" lang="en-CA" sz="4400" spc="-1" strike="noStrike">
+                <a:latin typeface="Arial"/>
+              </a:rPr>
+              <a:t>ame, </a:t>
+            </a:r>
+            <a:r>
+              <a:rPr b="0" lang="en-CA" sz="4400" spc="-1" strike="noStrike">
+                <a:latin typeface="Arial"/>
+              </a:rPr>
+              <a:t>firstn</a:t>
+            </a:r>
+            <a:r>
+              <a:rPr b="0" lang="en-CA" sz="4400" spc="-1" strike="noStrike">
+                <a:latin typeface="Arial"/>
+              </a:rPr>
+              <a:t>ame </a:t>
+            </a:r>
+            <a:r>
+              <a:rPr b="0" lang="en-CA" sz="4400" spc="-1" strike="noStrike">
+                <a:latin typeface="Arial"/>
+              </a:rPr>
+              <a:t>PIN</a:t>
             </a:r>
             <a:endParaRPr b="0" lang="en-CA" sz="4400" spc="-1" strike="noStrike">
-              <a:solidFill>
-                <a:srgbClr val="ffffff"/>
-              </a:solidFill>
               <a:latin typeface="Arial"/>
             </a:endParaRPr>
           </a:p>
@@ -8537,7 +7521,7 @@
         <p:spPr>
           <a:xfrm>
             <a:off x="609480" y="1604520"/>
-            <a:ext cx="10972440" cy="4979160"/>
+            <a:ext cx="10972440" cy="5069160"/>
           </a:xfrm>
           <a:prstGeom prst="rect">
             <a:avLst/>
@@ -8552,12 +7536,6 @@
             <a:noAutofit/>
           </a:bodyPr>
           <a:p>
-            <a:pPr indent="0">
-              <a:spcBef>
-                <a:spcPts val="567"/>
-              </a:spcBef>
-              <a:buNone/>
-            </a:pPr>
             <a:r>
               <a:rPr b="0" lang="en-CA" sz="2200" spc="-1" strike="noStrike">
                 <a:solidFill>
@@ -8566,7 +7544,7 @@
                 <a:latin typeface="DejaVu Sans"/>
                 <a:ea typeface="Noto Sans CJK SC"/>
               </a:rPr>
-              <a:t>date of birth, age at surgery: </a:t>
+              <a:t>date of </a:t>
             </a:r>
             <a:r>
               <a:rPr b="0" lang="en-CA" sz="2200" spc="-1" strike="noStrike">
@@ -8574,23 +7552,90 @@
                   <a:srgbClr val="ffffff"/>
                 </a:solidFill>
                 <a:latin typeface="DejaVu Sans"/>
-              </a:rPr>
-              <a:t>yyyy-mm-dd,  years old</a:t>
+                <a:ea typeface="Noto Sans CJK SC"/>
+              </a:rPr>
+              <a:t>birth, </a:t>
+            </a:r>
+            <a:r>
+              <a:rPr b="0" lang="en-CA" sz="2200" spc="-1" strike="noStrike">
+                <a:solidFill>
+                  <a:srgbClr val="ffffff"/>
+                </a:solidFill>
+                <a:latin typeface="DejaVu Sans"/>
+                <a:ea typeface="Noto Sans CJK SC"/>
+              </a:rPr>
+              <a:t>age at </a:t>
+            </a:r>
+            <a:r>
+              <a:rPr b="0" lang="en-CA" sz="2200" spc="-1" strike="noStrike">
+                <a:solidFill>
+                  <a:srgbClr val="ffffff"/>
+                </a:solidFill>
+                <a:latin typeface="DejaVu Sans"/>
+                <a:ea typeface="Noto Sans CJK SC"/>
+              </a:rPr>
+              <a:t>surger</a:t>
+            </a:r>
+            <a:r>
+              <a:rPr b="0" lang="en-CA" sz="2200" spc="-1" strike="noStrike">
+                <a:solidFill>
+                  <a:srgbClr val="ffffff"/>
+                </a:solidFill>
+                <a:latin typeface="DejaVu Sans"/>
+                <a:ea typeface="Noto Sans CJK SC"/>
+              </a:rPr>
+              <a:t>y: </a:t>
+            </a:r>
+            <a:r>
+              <a:rPr b="0" lang="en-CA" sz="2200" spc="-1" strike="noStrike">
+                <a:solidFill>
+                  <a:srgbClr val="ffffff"/>
+                </a:solidFill>
+                <a:latin typeface="DejaVu Sans"/>
+              </a:rPr>
+              <a:t>yyyy-</a:t>
+            </a:r>
+            <a:r>
+              <a:rPr b="0" lang="en-CA" sz="2200" spc="-1" strike="noStrike">
+                <a:solidFill>
+                  <a:srgbClr val="ffffff"/>
+                </a:solidFill>
+                <a:latin typeface="DejaVu Sans"/>
+              </a:rPr>
+              <a:t>mm-</a:t>
+            </a:r>
+            <a:r>
+              <a:rPr b="0" lang="en-CA" sz="2200" spc="-1" strike="noStrike">
+                <a:solidFill>
+                  <a:srgbClr val="ffffff"/>
+                </a:solidFill>
+                <a:latin typeface="DejaVu Sans"/>
+              </a:rPr>
+              <a:t>dd,  </a:t>
+            </a:r>
+            <a:r>
+              <a:rPr b="0" lang="en-CA" sz="2200" spc="-1" strike="noStrike">
+                <a:solidFill>
+                  <a:srgbClr val="ffffff"/>
+                </a:solidFill>
+                <a:latin typeface="DejaVu Sans"/>
+              </a:rPr>
+              <a:t>years </a:t>
+            </a:r>
+            <a:r>
+              <a:rPr b="0" lang="en-CA" sz="2200" spc="-1" strike="noStrike">
+                <a:solidFill>
+                  <a:srgbClr val="ffffff"/>
+                </a:solidFill>
+                <a:latin typeface="DejaVu Sans"/>
+              </a:rPr>
+              <a:t>old</a:t>
             </a:r>
             <a:endParaRPr b="0" lang="en-CA" sz="2200" spc="-1" strike="noStrike">
-              <a:solidFill>
-                <a:srgbClr val="ffffff"/>
-              </a:solidFill>
-              <a:latin typeface="Arial"/>
-            </a:endParaRPr>
-          </a:p>
-          <a:p>
-            <a:pPr indent="0">
-              <a:spcBef>
-                <a:spcPts val="567"/>
-              </a:spcBef>
-              <a:buNone/>
-            </a:pPr>
+              <a:latin typeface="Arial"/>
+            </a:endParaRPr>
+          </a:p>
+          <a:p>
             <a:r>
               <a:rPr b="0" lang="en-CA" sz="2200" spc="-1" strike="noStrike">
                 <a:solidFill>
@@ -8598,22 +7643,40 @@
                 </a:solidFill>
                 <a:latin typeface="DejaVu Sans"/>
               </a:rPr>
-              <a:t>surgery date: yyyy-mm-dd</a:t>
+              <a:t>surger</a:t>
+            </a:r>
+            <a:r>
+              <a:rPr b="0" lang="en-CA" sz="2200" spc="-1" strike="noStrike">
+                <a:solidFill>
+                  <a:srgbClr val="ffffff"/>
+                </a:solidFill>
+                <a:latin typeface="DejaVu Sans"/>
+              </a:rPr>
+              <a:t>y date: </a:t>
+            </a:r>
+            <a:r>
+              <a:rPr b="0" lang="en-CA" sz="2200" spc="-1" strike="noStrike">
+                <a:solidFill>
+                  <a:srgbClr val="ffffff"/>
+                </a:solidFill>
+                <a:latin typeface="DejaVu Sans"/>
+              </a:rPr>
+              <a:t>yyyy-</a:t>
+            </a:r>
+            <a:r>
+              <a:rPr b="0" lang="en-CA" sz="2200" spc="-1" strike="noStrike">
+                <a:solidFill>
+                  <a:srgbClr val="ffffff"/>
+                </a:solidFill>
+                <a:latin typeface="DejaVu Sans"/>
+              </a:rPr>
+              <a:t>mm-dd</a:t>
             </a:r>
             <a:endParaRPr b="0" lang="en-CA" sz="2200" spc="-1" strike="noStrike">
-              <a:solidFill>
-                <a:srgbClr val="ffffff"/>
-              </a:solidFill>
-              <a:latin typeface="Arial"/>
-            </a:endParaRPr>
-          </a:p>
-          <a:p>
-            <a:pPr indent="0">
-              <a:spcBef>
-                <a:spcPts val="567"/>
-              </a:spcBef>
-              <a:buNone/>
-            </a:pPr>
+              <a:latin typeface="Arial"/>
+            </a:endParaRPr>
+          </a:p>
+          <a:p>
             <a:r>
               <a:rPr b="0" lang="en-CA" sz="2200" spc="-1" strike="noStrike">
                 <a:solidFill>
@@ -8621,22 +7684,22 @@
                 </a:solidFill>
                 <a:latin typeface="DejaVu Sans"/>
               </a:rPr>
-              <a:t>surgeon: </a:t>
+              <a:t>surgeo</a:t>
+            </a:r>
+            <a:r>
+              <a:rPr b="0" lang="en-CA" sz="2200" spc="-1" strike="noStrike">
+                <a:solidFill>
+                  <a:srgbClr val="ffffff"/>
+                </a:solidFill>
+                <a:latin typeface="DejaVu Sans"/>
+              </a:rPr>
+              <a:t>n: </a:t>
             </a:r>
             <a:endParaRPr b="0" lang="en-CA" sz="2200" spc="-1" strike="noStrike">
-              <a:solidFill>
-                <a:srgbClr val="ffffff"/>
-              </a:solidFill>
-              <a:latin typeface="Arial"/>
-            </a:endParaRPr>
-          </a:p>
-          <a:p>
-            <a:pPr indent="0">
-              <a:spcBef>
-                <a:spcPts val="567"/>
-              </a:spcBef>
-              <a:buNone/>
-            </a:pPr>
+              <a:latin typeface="Arial"/>
+            </a:endParaRPr>
+          </a:p>
+          <a:p>
             <a:r>
               <a:rPr b="0" lang="en-CA" sz="2200" spc="-1" strike="noStrike">
                 <a:solidFill>
@@ -8644,12 +7707,41 @@
                 </a:solidFill>
                 <a:latin typeface="DejaVu Sans"/>
               </a:rPr>
-              <a:t>surgical target</a:t>
+              <a:t>neurol</a:t>
+            </a:r>
+            <a:r>
+              <a:rPr b="0" lang="en-CA" sz="2200" spc="-1" strike="noStrike">
+                <a:solidFill>
+                  <a:srgbClr val="ffffff"/>
+                </a:solidFill>
+                <a:latin typeface="DejaVu Sans"/>
+              </a:rPr>
+              <a:t>ogist: </a:t>
             </a:r>
             <a:endParaRPr b="0" lang="en-CA" sz="2200" spc="-1" strike="noStrike">
-              <a:solidFill>
-                <a:srgbClr val="ffffff"/>
-              </a:solidFill>
+              <a:latin typeface="Arial"/>
+            </a:endParaRPr>
+          </a:p>
+          <a:p>
+            <a:r>
+              <a:rPr b="0" lang="en-CA" sz="2200" spc="-1" strike="noStrike">
+                <a:solidFill>
+                  <a:srgbClr val="ffffff"/>
+                </a:solidFill>
+                <a:latin typeface="DejaVu Sans"/>
+              </a:rPr>
+              <a:t>surgica</a:t>
+            </a:r>
+            <a:r>
+              <a:rPr b="0" lang="en-CA" sz="2200" spc="-1" strike="noStrike">
+                <a:solidFill>
+                  <a:srgbClr val="ffffff"/>
+                </a:solidFill>
+                <a:latin typeface="DejaVu Sans"/>
+              </a:rPr>
+              <a:t>l target</a:t>
+            </a:r>
+            <a:endParaRPr b="0" lang="en-CA" sz="2200" spc="-1" strike="noStrike">
               <a:latin typeface="Arial"/>
             </a:endParaRPr>
           </a:p>
@@ -8672,12 +7764,18 @@
                 </a:solidFill>
                 <a:latin typeface="DejaVu Sans"/>
               </a:rPr>
-              <a:t>left: </a:t>
+              <a:t>left</a:t>
+            </a:r>
+            <a:r>
+              <a:rPr b="0" lang="en-CA" sz="1600" spc="-1" strike="noStrike">
+                <a:solidFill>
+                  <a:srgbClr val="ffffff"/>
+                </a:solidFill>
+                <a:latin typeface="DejaVu Sans"/>
+              </a:rPr>
+              <a:t>: </a:t>
             </a:r>
             <a:endParaRPr b="0" lang="en-CA" sz="1600" spc="-1" strike="noStrike">
-              <a:solidFill>
-                <a:srgbClr val="ffffff"/>
-              </a:solidFill>
               <a:latin typeface="Arial"/>
             </a:endParaRPr>
           </a:p>
@@ -8700,22 +7798,22 @@
                 </a:solidFill>
                 <a:latin typeface="DejaVu Sans"/>
               </a:rPr>
-              <a:t>right: </a:t>
+              <a:t>rig</a:t>
+            </a:r>
+            <a:r>
+              <a:rPr b="0" lang="en-CA" sz="1600" spc="-1" strike="noStrike">
+                <a:solidFill>
+                  <a:srgbClr val="ffffff"/>
+                </a:solidFill>
+                <a:latin typeface="DejaVu Sans"/>
+              </a:rPr>
+              <a:t>ht: </a:t>
             </a:r>
             <a:endParaRPr b="0" lang="en-CA" sz="1600" spc="-1" strike="noStrike">
-              <a:solidFill>
-                <a:srgbClr val="ffffff"/>
-              </a:solidFill>
-              <a:latin typeface="Arial"/>
-            </a:endParaRPr>
-          </a:p>
-          <a:p>
-            <a:pPr indent="0">
-              <a:spcBef>
-                <a:spcPts val="567"/>
-              </a:spcBef>
-              <a:buNone/>
-            </a:pPr>
+              <a:latin typeface="Arial"/>
+            </a:endParaRPr>
+          </a:p>
+          <a:p>
             <a:r>
               <a:rPr b="0" lang="en-CA" sz="2200" spc="-1" strike="noStrike">
                 <a:solidFill>
@@ -8724,7 +7822,7 @@
                 <a:latin typeface="DejaVu Sans"/>
                 <a:ea typeface="Noto Sans CJK SC"/>
               </a:rPr>
-              <a:t>stimulation settings (clinic: </a:t>
+              <a:t>stimula</a:t>
             </a:r>
             <a:r>
               <a:rPr b="0" lang="en-CA" sz="2200" spc="-1" strike="noStrike">
@@ -8732,13 +7830,68 @@
                   <a:srgbClr val="ffffff"/>
                 </a:solidFill>
                 <a:latin typeface="DejaVu Sans"/>
-              </a:rPr>
-              <a:t>yyyy-mm-dd)</a:t>
+                <a:ea typeface="Noto Sans CJK SC"/>
+              </a:rPr>
+              <a:t>tion </a:t>
+            </a:r>
+            <a:r>
+              <a:rPr b="0" lang="en-CA" sz="2200" spc="-1" strike="noStrike">
+                <a:solidFill>
+                  <a:srgbClr val="ffffff"/>
+                </a:solidFill>
+                <a:latin typeface="DejaVu Sans"/>
+                <a:ea typeface="Noto Sans CJK SC"/>
+              </a:rPr>
+              <a:t>setting</a:t>
+            </a:r>
+            <a:r>
+              <a:rPr b="0" lang="en-CA" sz="2200" spc="-1" strike="noStrike">
+                <a:solidFill>
+                  <a:srgbClr val="ffffff"/>
+                </a:solidFill>
+                <a:latin typeface="DejaVu Sans"/>
+                <a:ea typeface="Noto Sans CJK SC"/>
+              </a:rPr>
+              <a:t>s </a:t>
+            </a:r>
+            <a:r>
+              <a:rPr b="0" lang="en-CA" sz="2200" spc="-1" strike="noStrike">
+                <a:solidFill>
+                  <a:srgbClr val="ffffff"/>
+                </a:solidFill>
+                <a:latin typeface="DejaVu Sans"/>
+                <a:ea typeface="Noto Sans CJK SC"/>
+              </a:rPr>
+              <a:t>(clinic: </a:t>
+            </a:r>
+            <a:r>
+              <a:rPr b="0" lang="en-CA" sz="2200" spc="-1" strike="noStrike">
+                <a:solidFill>
+                  <a:srgbClr val="ffffff"/>
+                </a:solidFill>
+                <a:latin typeface="DejaVu Sans"/>
+              </a:rPr>
+              <a:t>yyyy-</a:t>
+            </a:r>
+            <a:r>
+              <a:rPr b="0" lang="en-CA" sz="2200" spc="-1" strike="noStrike">
+                <a:solidFill>
+                  <a:srgbClr val="ffffff"/>
+                </a:solidFill>
+                <a:latin typeface="DejaVu Sans"/>
+              </a:rPr>
+              <a:t>mm-</a:t>
+            </a:r>
+            <a:r>
+              <a:rPr b="0" lang="en-CA" sz="2200" spc="-1" strike="noStrike">
+                <a:solidFill>
+                  <a:srgbClr val="ffffff"/>
+                </a:solidFill>
+                <a:latin typeface="DejaVu Sans"/>
+              </a:rPr>
+              <a:t>dd)</a:t>
             </a:r>
             <a:endParaRPr b="0" lang="en-CA" sz="2200" spc="-1" strike="noStrike">
-              <a:solidFill>
-                <a:srgbClr val="ffffff"/>
-              </a:solidFill>
               <a:latin typeface="Arial"/>
             </a:endParaRPr>
           </a:p>
@@ -8762,12 +7915,179 @@
                 <a:latin typeface="DejaVu Sans"/>
                 <a:ea typeface="Noto Sans CJK SC"/>
               </a:rPr>
-              <a:t>electrode: SenSight B33005M | SenSight B33015M</a:t>
+              <a:t>ele</a:t>
+            </a:r>
+            <a:r>
+              <a:rPr b="0" lang="en-CA" sz="1600" spc="-1" strike="noStrike">
+                <a:solidFill>
+                  <a:srgbClr val="ffffff"/>
+                </a:solidFill>
+                <a:latin typeface="DejaVu Sans"/>
+                <a:ea typeface="Noto Sans CJK SC"/>
+              </a:rPr>
+              <a:t>ctr</a:t>
+            </a:r>
+            <a:r>
+              <a:rPr b="0" lang="en-CA" sz="1600" spc="-1" strike="noStrike">
+                <a:solidFill>
+                  <a:srgbClr val="ffffff"/>
+                </a:solidFill>
+                <a:latin typeface="DejaVu Sans"/>
+                <a:ea typeface="Noto Sans CJK SC"/>
+              </a:rPr>
+              <a:t>od</a:t>
+            </a:r>
+            <a:r>
+              <a:rPr b="0" lang="en-CA" sz="1600" spc="-1" strike="noStrike">
+                <a:solidFill>
+                  <a:srgbClr val="ffffff"/>
+                </a:solidFill>
+                <a:latin typeface="DejaVu Sans"/>
+                <a:ea typeface="Noto Sans CJK SC"/>
+              </a:rPr>
+              <a:t>e: </a:t>
+            </a:r>
+            <a:r>
+              <a:rPr b="0" lang="en-CA" sz="1600" spc="-1" strike="noStrike">
+                <a:solidFill>
+                  <a:srgbClr val="ffffff"/>
+                </a:solidFill>
+                <a:latin typeface="DejaVu Sans"/>
+                <a:ea typeface="Noto Sans CJK SC"/>
+              </a:rPr>
+              <a:t>Se</a:t>
+            </a:r>
+            <a:r>
+              <a:rPr b="0" lang="en-CA" sz="1600" spc="-1" strike="noStrike">
+                <a:solidFill>
+                  <a:srgbClr val="ffffff"/>
+                </a:solidFill>
+                <a:latin typeface="DejaVu Sans"/>
+                <a:ea typeface="Noto Sans CJK SC"/>
+              </a:rPr>
+              <a:t>nSi</a:t>
+            </a:r>
+            <a:r>
+              <a:rPr b="0" lang="en-CA" sz="1600" spc="-1" strike="noStrike">
+                <a:solidFill>
+                  <a:srgbClr val="ffffff"/>
+                </a:solidFill>
+                <a:latin typeface="DejaVu Sans"/>
+                <a:ea typeface="Noto Sans CJK SC"/>
+              </a:rPr>
+              <a:t>ght </a:t>
+            </a:r>
+            <a:r>
+              <a:rPr b="0" lang="en-CA" sz="1600" spc="-1" strike="noStrike">
+                <a:solidFill>
+                  <a:srgbClr val="ffffff"/>
+                </a:solidFill>
+                <a:latin typeface="DejaVu Sans"/>
+                <a:ea typeface="Noto Sans CJK SC"/>
+              </a:rPr>
+              <a:t>B3</a:t>
+            </a:r>
+            <a:r>
+              <a:rPr b="0" lang="en-CA" sz="1600" spc="-1" strike="noStrike">
+                <a:solidFill>
+                  <a:srgbClr val="ffffff"/>
+                </a:solidFill>
+                <a:latin typeface="DejaVu Sans"/>
+                <a:ea typeface="Noto Sans CJK SC"/>
+              </a:rPr>
+              <a:t>30</a:t>
+            </a:r>
+            <a:r>
+              <a:rPr b="0" lang="en-CA" sz="1600" spc="-1" strike="noStrike">
+                <a:solidFill>
+                  <a:srgbClr val="ffffff"/>
+                </a:solidFill>
+                <a:latin typeface="DejaVu Sans"/>
+                <a:ea typeface="Noto Sans CJK SC"/>
+              </a:rPr>
+              <a:t>05</a:t>
+            </a:r>
+            <a:r>
+              <a:rPr b="0" lang="en-CA" sz="1600" spc="-1" strike="noStrike">
+                <a:solidFill>
+                  <a:srgbClr val="ffffff"/>
+                </a:solidFill>
+                <a:latin typeface="DejaVu Sans"/>
+                <a:ea typeface="Noto Sans CJK SC"/>
+              </a:rPr>
+              <a:t>M | </a:t>
+            </a:r>
+            <a:r>
+              <a:rPr b="0" lang="en-CA" sz="1600" spc="-1" strike="noStrike">
+                <a:solidFill>
+                  <a:srgbClr val="ffffff"/>
+                </a:solidFill>
+                <a:latin typeface="DejaVu Sans"/>
+                <a:ea typeface="Noto Sans CJK SC"/>
+              </a:rPr>
+              <a:t>Se</a:t>
+            </a:r>
+            <a:r>
+              <a:rPr b="0" lang="en-CA" sz="1600" spc="-1" strike="noStrike">
+                <a:solidFill>
+                  <a:srgbClr val="ffffff"/>
+                </a:solidFill>
+                <a:latin typeface="DejaVu Sans"/>
+                <a:ea typeface="Noto Sans CJK SC"/>
+              </a:rPr>
+              <a:t>nSi</a:t>
+            </a:r>
+            <a:r>
+              <a:rPr b="0" lang="en-CA" sz="1600" spc="-1" strike="noStrike">
+                <a:solidFill>
+                  <a:srgbClr val="ffffff"/>
+                </a:solidFill>
+                <a:latin typeface="DejaVu Sans"/>
+                <a:ea typeface="Noto Sans CJK SC"/>
+              </a:rPr>
+              <a:t>ght </a:t>
+            </a:r>
+            <a:r>
+              <a:rPr b="0" lang="en-CA" sz="1600" spc="-1" strike="noStrike">
+                <a:solidFill>
+                  <a:srgbClr val="ffffff"/>
+                </a:solidFill>
+                <a:latin typeface="DejaVu Sans"/>
+                <a:ea typeface="Noto Sans CJK SC"/>
+              </a:rPr>
+              <a:t>B3</a:t>
+            </a:r>
+            <a:r>
+              <a:rPr b="0" lang="en-CA" sz="1600" spc="-1" strike="noStrike">
+                <a:solidFill>
+                  <a:srgbClr val="ffffff"/>
+                </a:solidFill>
+                <a:latin typeface="DejaVu Sans"/>
+                <a:ea typeface="Noto Sans CJK SC"/>
+              </a:rPr>
+              <a:t>30</a:t>
+            </a:r>
+            <a:r>
+              <a:rPr b="0" lang="en-CA" sz="1600" spc="-1" strike="noStrike">
+                <a:solidFill>
+                  <a:srgbClr val="ffffff"/>
+                </a:solidFill>
+                <a:latin typeface="DejaVu Sans"/>
+                <a:ea typeface="Noto Sans CJK SC"/>
+              </a:rPr>
+              <a:t>15</a:t>
+            </a:r>
+            <a:r>
+              <a:rPr b="0" lang="en-CA" sz="1600" spc="-1" strike="noStrike">
+                <a:solidFill>
+                  <a:srgbClr val="ffffff"/>
+                </a:solidFill>
+                <a:latin typeface="DejaVu Sans"/>
+                <a:ea typeface="Noto Sans CJK SC"/>
+              </a:rPr>
+              <a:t>M</a:t>
             </a:r>
             <a:endParaRPr b="0" lang="en-CA" sz="1600" spc="-1" strike="noStrike">
-              <a:solidFill>
-                <a:srgbClr val="ffffff"/>
-              </a:solidFill>
               <a:latin typeface="Arial"/>
             </a:endParaRPr>
           </a:p>
@@ -8791,7 +8111,7 @@
                 <a:latin typeface="DejaVu Sans"/>
                 <a:ea typeface="Noto Sans CJK SC"/>
               </a:rPr>
-              <a:t>implantable pulse generator: Activa PC | Activa RC</a:t>
+              <a:t>im</a:t>
             </a:r>
             <a:r>
               <a:rPr b="0" lang="en-CA" sz="1600" spc="-1" strike="noStrike">
@@ -8799,13 +8119,215 @@
                   <a:srgbClr val="ffffff"/>
                 </a:solidFill>
                 <a:latin typeface="DejaVu Sans"/>
-              </a:rPr>
-              <a:t> | Percept PC</a:t>
+                <a:ea typeface="Noto Sans CJK SC"/>
+              </a:rPr>
+              <a:t>pla</a:t>
+            </a:r>
+            <a:r>
+              <a:rPr b="0" lang="en-CA" sz="1600" spc="-1" strike="noStrike">
+                <a:solidFill>
+                  <a:srgbClr val="ffffff"/>
+                </a:solidFill>
+                <a:latin typeface="DejaVu Sans"/>
+                <a:ea typeface="Noto Sans CJK SC"/>
+              </a:rPr>
+              <a:t>nta</a:t>
+            </a:r>
+            <a:r>
+              <a:rPr b="0" lang="en-CA" sz="1600" spc="-1" strike="noStrike">
+                <a:solidFill>
+                  <a:srgbClr val="ffffff"/>
+                </a:solidFill>
+                <a:latin typeface="DejaVu Sans"/>
+                <a:ea typeface="Noto Sans CJK SC"/>
+              </a:rPr>
+              <a:t>ble </a:t>
+            </a:r>
+            <a:r>
+              <a:rPr b="0" lang="en-CA" sz="1600" spc="-1" strike="noStrike">
+                <a:solidFill>
+                  <a:srgbClr val="ffffff"/>
+                </a:solidFill>
+                <a:latin typeface="DejaVu Sans"/>
+                <a:ea typeface="Noto Sans CJK SC"/>
+              </a:rPr>
+              <a:t>pul</a:t>
+            </a:r>
+            <a:r>
+              <a:rPr b="0" lang="en-CA" sz="1600" spc="-1" strike="noStrike">
+                <a:solidFill>
+                  <a:srgbClr val="ffffff"/>
+                </a:solidFill>
+                <a:latin typeface="DejaVu Sans"/>
+                <a:ea typeface="Noto Sans CJK SC"/>
+              </a:rPr>
+              <a:t>se </a:t>
+            </a:r>
+            <a:r>
+              <a:rPr b="0" lang="en-CA" sz="1600" spc="-1" strike="noStrike">
+                <a:solidFill>
+                  <a:srgbClr val="ffffff"/>
+                </a:solidFill>
+                <a:latin typeface="DejaVu Sans"/>
+                <a:ea typeface="Noto Sans CJK SC"/>
+              </a:rPr>
+              <a:t>ge</a:t>
+            </a:r>
+            <a:r>
+              <a:rPr b="0" lang="en-CA" sz="1600" spc="-1" strike="noStrike">
+                <a:solidFill>
+                  <a:srgbClr val="ffffff"/>
+                </a:solidFill>
+                <a:latin typeface="DejaVu Sans"/>
+                <a:ea typeface="Noto Sans CJK SC"/>
+              </a:rPr>
+              <a:t>ner</a:t>
+            </a:r>
+            <a:r>
+              <a:rPr b="0" lang="en-CA" sz="1600" spc="-1" strike="noStrike">
+                <a:solidFill>
+                  <a:srgbClr val="ffffff"/>
+                </a:solidFill>
+                <a:latin typeface="DejaVu Sans"/>
+                <a:ea typeface="Noto Sans CJK SC"/>
+              </a:rPr>
+              <a:t>ato</a:t>
+            </a:r>
+            <a:r>
+              <a:rPr b="0" lang="en-CA" sz="1600" spc="-1" strike="noStrike">
+                <a:solidFill>
+                  <a:srgbClr val="ffffff"/>
+                </a:solidFill>
+                <a:latin typeface="DejaVu Sans"/>
+                <a:ea typeface="Noto Sans CJK SC"/>
+              </a:rPr>
+              <a:t>r: </a:t>
+            </a:r>
+            <a:r>
+              <a:rPr b="0" lang="en-CA" sz="1600" spc="-1" strike="noStrike">
+                <a:solidFill>
+                  <a:srgbClr val="ffffff"/>
+                </a:solidFill>
+                <a:latin typeface="DejaVu Sans"/>
+                <a:ea typeface="Noto Sans CJK SC"/>
+              </a:rPr>
+              <a:t>Act</a:t>
+            </a:r>
+            <a:r>
+              <a:rPr b="0" lang="en-CA" sz="1600" spc="-1" strike="noStrike">
+                <a:solidFill>
+                  <a:srgbClr val="ffffff"/>
+                </a:solidFill>
+                <a:latin typeface="DejaVu Sans"/>
+                <a:ea typeface="Noto Sans CJK SC"/>
+              </a:rPr>
+              <a:t>iva </a:t>
+            </a:r>
+            <a:r>
+              <a:rPr b="0" lang="en-CA" sz="1600" spc="-1" strike="noStrike">
+                <a:solidFill>
+                  <a:srgbClr val="ffffff"/>
+                </a:solidFill>
+                <a:latin typeface="DejaVu Sans"/>
+                <a:ea typeface="Noto Sans CJK SC"/>
+              </a:rPr>
+              <a:t>PC </a:t>
+            </a:r>
+            <a:r>
+              <a:rPr b="0" lang="en-CA" sz="1600" spc="-1" strike="noStrike">
+                <a:solidFill>
+                  <a:srgbClr val="ffffff"/>
+                </a:solidFill>
+                <a:latin typeface="DejaVu Sans"/>
+                <a:ea typeface="Noto Sans CJK SC"/>
+              </a:rPr>
+              <a:t>| </a:t>
+            </a:r>
+            <a:r>
+              <a:rPr b="0" lang="en-CA" sz="1600" spc="-1" strike="noStrike">
+                <a:solidFill>
+                  <a:srgbClr val="ffffff"/>
+                </a:solidFill>
+                <a:latin typeface="DejaVu Sans"/>
+                <a:ea typeface="Noto Sans CJK SC"/>
+              </a:rPr>
+              <a:t>Act</a:t>
+            </a:r>
+            <a:r>
+              <a:rPr b="0" lang="en-CA" sz="1600" spc="-1" strike="noStrike">
+                <a:solidFill>
+                  <a:srgbClr val="ffffff"/>
+                </a:solidFill>
+                <a:latin typeface="DejaVu Sans"/>
+                <a:ea typeface="Noto Sans CJK SC"/>
+              </a:rPr>
+              <a:t>iva </a:t>
+            </a:r>
+            <a:r>
+              <a:rPr b="0" lang="en-CA" sz="1600" spc="-1" strike="noStrike">
+                <a:solidFill>
+                  <a:srgbClr val="ffffff"/>
+                </a:solidFill>
+                <a:latin typeface="DejaVu Sans"/>
+                <a:ea typeface="Noto Sans CJK SC"/>
+              </a:rPr>
+              <a:t>RC</a:t>
+            </a:r>
+            <a:r>
+              <a:rPr b="0" lang="en-CA" sz="1600" spc="-1" strike="noStrike">
+                <a:solidFill>
+                  <a:srgbClr val="ffffff"/>
+                </a:solidFill>
+                <a:latin typeface="DejaVu Sans"/>
+              </a:rPr>
+              <a:t> </a:t>
+            </a:r>
+            <a:r>
+              <a:rPr b="0" lang="en-CA" sz="1600" spc="-1" strike="noStrike">
+                <a:solidFill>
+                  <a:srgbClr val="ffffff"/>
+                </a:solidFill>
+                <a:latin typeface="DejaVu Sans"/>
+              </a:rPr>
+              <a:t>| </a:t>
+            </a:r>
+            <a:r>
+              <a:rPr b="0" lang="en-CA" sz="1600" spc="-1" strike="noStrike">
+                <a:solidFill>
+                  <a:srgbClr val="ffffff"/>
+                </a:solidFill>
+                <a:latin typeface="DejaVu Sans"/>
+              </a:rPr>
+              <a:t>Per</a:t>
+            </a:r>
+            <a:r>
+              <a:rPr b="0" lang="en-CA" sz="1600" spc="-1" strike="noStrike">
+                <a:solidFill>
+                  <a:srgbClr val="ffffff"/>
+                </a:solidFill>
+                <a:latin typeface="DejaVu Sans"/>
+              </a:rPr>
+              <a:t>cep</a:t>
+            </a:r>
+            <a:r>
+              <a:rPr b="0" lang="en-CA" sz="1600" spc="-1" strike="noStrike">
+                <a:solidFill>
+                  <a:srgbClr val="ffffff"/>
+                </a:solidFill>
+                <a:latin typeface="DejaVu Sans"/>
+              </a:rPr>
+              <a:t>t </a:t>
+            </a:r>
+            <a:r>
+              <a:rPr b="0" lang="en-CA" sz="1600" spc="-1" strike="noStrike">
+                <a:solidFill>
+                  <a:srgbClr val="ffffff"/>
+                </a:solidFill>
+                <a:latin typeface="DejaVu Sans"/>
+              </a:rPr>
+              <a:t>PC</a:t>
             </a:r>
             <a:endParaRPr b="0" lang="en-CA" sz="1600" spc="-1" strike="noStrike">
-              <a:solidFill>
-                <a:srgbClr val="ffffff"/>
-              </a:solidFill>
               <a:latin typeface="Arial"/>
             </a:endParaRPr>
           </a:p>
@@ -8829,17 +8351,17 @@
                 <a:latin typeface="DejaVu Sans"/>
                 <a:ea typeface="Noto Sans CJK SC"/>
               </a:rPr>
-              <a:t>voltage: </a:t>
-            </a:r>
-            <a:r>
-              <a:rPr b="1" lang="en-CA" sz="1600" spc="-1" strike="noStrike">
+              <a:t>vol</a:t>
+            </a:r>
+            <a:r>
+              <a:rPr b="0" lang="en-CA" sz="1600" spc="-1" strike="noStrike">
                 <a:solidFill>
                   <a:srgbClr val="ffffff"/>
                 </a:solidFill>
                 <a:latin typeface="DejaVu Sans"/>
                 <a:ea typeface="Noto Sans CJK SC"/>
               </a:rPr>
-              <a:t>left:</a:t>
+              <a:t>tag</a:t>
             </a:r>
             <a:r>
               <a:rPr b="0" lang="en-CA" sz="1600" spc="-1" strike="noStrike">
@@ -8849,7 +8371,7 @@
                 <a:latin typeface="DejaVu Sans"/>
                 <a:ea typeface="Noto Sans CJK SC"/>
               </a:rPr>
-              <a:t>  V, </a:t>
+              <a:t>e: </a:t>
             </a:r>
             <a:r>
               <a:rPr b="1" lang="en-CA" sz="1600" spc="-1" strike="noStrike">
@@ -8859,22 +8381,79 @@
                 <a:latin typeface="DejaVu Sans"/>
                 <a:ea typeface="Noto Sans CJK SC"/>
               </a:rPr>
-              <a:t>right:</a:t>
-            </a:r>
-            <a:r>
-              <a:rPr b="0" lang="en-CA" sz="1600" spc="-1" strike="noStrike">
+              <a:t>lef</a:t>
+            </a:r>
+            <a:r>
+              <a:rPr b="1" lang="en-CA" sz="1600" spc="-1" strike="noStrike">
                 <a:solidFill>
                   <a:srgbClr val="ffffff"/>
                 </a:solidFill>
                 <a:latin typeface="DejaVu Sans"/>
                 <a:ea typeface="Noto Sans CJK SC"/>
               </a:rPr>
-              <a:t>  V</a:t>
+              <a:t>t:</a:t>
+            </a:r>
+            <a:r>
+              <a:rPr b="0" lang="en-CA" sz="1600" spc="-1" strike="noStrike">
+                <a:solidFill>
+                  <a:srgbClr val="ffffff"/>
+                </a:solidFill>
+                <a:latin typeface="DejaVu Sans"/>
+                <a:ea typeface="Noto Sans CJK SC"/>
+              </a:rPr>
+              <a:t>  </a:t>
+            </a:r>
+            <a:r>
+              <a:rPr b="0" lang="en-CA" sz="1600" spc="-1" strike="noStrike">
+                <a:solidFill>
+                  <a:srgbClr val="ffffff"/>
+                </a:solidFill>
+                <a:latin typeface="DejaVu Sans"/>
+                <a:ea typeface="Noto Sans CJK SC"/>
+              </a:rPr>
+              <a:t>V, </a:t>
+            </a:r>
+            <a:r>
+              <a:rPr b="1" lang="en-CA" sz="1600" spc="-1" strike="noStrike">
+                <a:solidFill>
+                  <a:srgbClr val="ffffff"/>
+                </a:solidFill>
+                <a:latin typeface="DejaVu Sans"/>
+                <a:ea typeface="Noto Sans CJK SC"/>
+              </a:rPr>
+              <a:t>rig</a:t>
+            </a:r>
+            <a:r>
+              <a:rPr b="1" lang="en-CA" sz="1600" spc="-1" strike="noStrike">
+                <a:solidFill>
+                  <a:srgbClr val="ffffff"/>
+                </a:solidFill>
+                <a:latin typeface="DejaVu Sans"/>
+                <a:ea typeface="Noto Sans CJK SC"/>
+              </a:rPr>
+              <a:t>ht:</a:t>
+            </a:r>
+            <a:r>
+              <a:rPr b="0" lang="en-CA" sz="1600" spc="-1" strike="noStrike">
+                <a:solidFill>
+                  <a:srgbClr val="ffffff"/>
+                </a:solidFill>
+                <a:latin typeface="DejaVu Sans"/>
+                <a:ea typeface="Noto Sans CJK SC"/>
+              </a:rPr>
+              <a:t> </a:t>
+            </a:r>
+            <a:r>
+              <a:rPr b="0" lang="en-CA" sz="1600" spc="-1" strike="noStrike">
+                <a:solidFill>
+                  <a:srgbClr val="ffffff"/>
+                </a:solidFill>
+                <a:latin typeface="DejaVu Sans"/>
+                <a:ea typeface="Noto Sans CJK SC"/>
+              </a:rPr>
+              <a:t> V</a:t>
             </a:r>
             <a:endParaRPr b="0" lang="en-CA" sz="1600" spc="-1" strike="noStrike">
-              <a:solidFill>
-                <a:srgbClr val="ffffff"/>
-              </a:solidFill>
               <a:latin typeface="Arial"/>
             </a:endParaRPr>
           </a:p>
@@ -8898,17 +8477,17 @@
                 <a:latin typeface="DejaVu Sans"/>
                 <a:ea typeface="Noto Sans CJK SC"/>
               </a:rPr>
-              <a:t>frequency: </a:t>
-            </a:r>
-            <a:r>
-              <a:rPr b="1" lang="en-CA" sz="1600" spc="-1" strike="noStrike">
+              <a:t>fre</a:t>
+            </a:r>
+            <a:r>
+              <a:rPr b="0" lang="en-CA" sz="1600" spc="-1" strike="noStrike">
                 <a:solidFill>
                   <a:srgbClr val="ffffff"/>
                 </a:solidFill>
                 <a:latin typeface="DejaVu Sans"/>
                 <a:ea typeface="Noto Sans CJK SC"/>
               </a:rPr>
-              <a:t>left:</a:t>
+              <a:t>qu</a:t>
             </a:r>
             <a:r>
               <a:rPr b="0" lang="en-CA" sz="1600" spc="-1" strike="noStrike">
@@ -8918,32 +8497,99 @@
                 <a:latin typeface="DejaVu Sans"/>
                 <a:ea typeface="Noto Sans CJK SC"/>
               </a:rPr>
-              <a:t>  Hz, </a:t>
-            </a:r>
-            <a:r>
-              <a:rPr b="1" lang="en-CA" sz="1600" spc="-1" strike="noStrike">
+              <a:t>enc</a:t>
+            </a:r>
+            <a:r>
+              <a:rPr b="0" lang="en-CA" sz="1600" spc="-1" strike="noStrike">
                 <a:solidFill>
                   <a:srgbClr val="ffffff"/>
                 </a:solidFill>
                 <a:latin typeface="DejaVu Sans"/>
                 <a:ea typeface="Noto Sans CJK SC"/>
               </a:rPr>
-              <a:t>right:</a:t>
-            </a:r>
-            <a:r>
-              <a:rPr b="0" lang="en-CA" sz="1600" spc="-1" strike="noStrike">
+              <a:t>y: </a:t>
+            </a:r>
+            <a:r>
+              <a:rPr b="1" lang="en-CA" sz="1600" spc="-1" strike="noStrike">
                 <a:solidFill>
                   <a:srgbClr val="ffffff"/>
                 </a:solidFill>
                 <a:latin typeface="DejaVu Sans"/>
                 <a:ea typeface="Noto Sans CJK SC"/>
               </a:rPr>
-              <a:t>  Hz</a:t>
+              <a:t>lef</a:t>
+            </a:r>
+            <a:r>
+              <a:rPr b="1" lang="en-CA" sz="1600" spc="-1" strike="noStrike">
+                <a:solidFill>
+                  <a:srgbClr val="ffffff"/>
+                </a:solidFill>
+                <a:latin typeface="DejaVu Sans"/>
+                <a:ea typeface="Noto Sans CJK SC"/>
+              </a:rPr>
+              <a:t>t:</a:t>
+            </a:r>
+            <a:r>
+              <a:rPr b="0" lang="en-CA" sz="1600" spc="-1" strike="noStrike">
+                <a:solidFill>
+                  <a:srgbClr val="ffffff"/>
+                </a:solidFill>
+                <a:latin typeface="DejaVu Sans"/>
+                <a:ea typeface="Noto Sans CJK SC"/>
+              </a:rPr>
+              <a:t>  </a:t>
+            </a:r>
+            <a:r>
+              <a:rPr b="0" lang="en-CA" sz="1600" spc="-1" strike="noStrike">
+                <a:solidFill>
+                  <a:srgbClr val="ffffff"/>
+                </a:solidFill>
+                <a:latin typeface="DejaVu Sans"/>
+                <a:ea typeface="Noto Sans CJK SC"/>
+              </a:rPr>
+              <a:t>Hz, </a:t>
+            </a:r>
+            <a:r>
+              <a:rPr b="1" lang="en-CA" sz="1600" spc="-1" strike="noStrike">
+                <a:solidFill>
+                  <a:srgbClr val="ffffff"/>
+                </a:solidFill>
+                <a:latin typeface="DejaVu Sans"/>
+                <a:ea typeface="Noto Sans CJK SC"/>
+              </a:rPr>
+              <a:t>rig</a:t>
+            </a:r>
+            <a:r>
+              <a:rPr b="1" lang="en-CA" sz="1600" spc="-1" strike="noStrike">
+                <a:solidFill>
+                  <a:srgbClr val="ffffff"/>
+                </a:solidFill>
+                <a:latin typeface="DejaVu Sans"/>
+                <a:ea typeface="Noto Sans CJK SC"/>
+              </a:rPr>
+              <a:t>ht:</a:t>
+            </a:r>
+            <a:r>
+              <a:rPr b="0" lang="en-CA" sz="1600" spc="-1" strike="noStrike">
+                <a:solidFill>
+                  <a:srgbClr val="ffffff"/>
+                </a:solidFill>
+                <a:latin typeface="DejaVu Sans"/>
+                <a:ea typeface="Noto Sans CJK SC"/>
+              </a:rPr>
+              <a:t> </a:t>
+            </a:r>
+            <a:r>
+              <a:rPr b="0" lang="en-CA" sz="1600" spc="-1" strike="noStrike">
+                <a:solidFill>
+                  <a:srgbClr val="ffffff"/>
+                </a:solidFill>
+                <a:latin typeface="DejaVu Sans"/>
+                <a:ea typeface="Noto Sans CJK SC"/>
+              </a:rPr>
+              <a:t> Hz</a:t>
             </a:r>
             <a:endParaRPr b="0" lang="en-CA" sz="1600" spc="-1" strike="noStrike">
-              <a:solidFill>
-                <a:srgbClr val="ffffff"/>
-              </a:solidFill>
               <a:latin typeface="Arial"/>
             </a:endParaRPr>
           </a:p>
@@ -8967,17 +8613,17 @@
                 <a:latin typeface="DejaVu Sans"/>
                 <a:ea typeface="Noto Sans CJK SC"/>
               </a:rPr>
-              <a:t>pulse width: </a:t>
-            </a:r>
-            <a:r>
-              <a:rPr b="1" lang="en-CA" sz="1600" spc="-1" strike="noStrike">
+              <a:t>pul</a:t>
+            </a:r>
+            <a:r>
+              <a:rPr b="0" lang="en-CA" sz="1600" spc="-1" strike="noStrike">
                 <a:solidFill>
                   <a:srgbClr val="ffffff"/>
                 </a:solidFill>
                 <a:latin typeface="DejaVu Sans"/>
                 <a:ea typeface="Noto Sans CJK SC"/>
               </a:rPr>
-              <a:t>left:</a:t>
+              <a:t>se </a:t>
             </a:r>
             <a:r>
               <a:rPr b="0" lang="en-CA" sz="1600" spc="-1" strike="noStrike">
@@ -8987,6 +8633,46 @@
                 <a:latin typeface="DejaVu Sans"/>
                 <a:ea typeface="Noto Sans CJK SC"/>
               </a:rPr>
+              <a:t>wid</a:t>
+            </a:r>
+            <a:r>
+              <a:rPr b="0" lang="en-CA" sz="1600" spc="-1" strike="noStrike">
+                <a:solidFill>
+                  <a:srgbClr val="ffffff"/>
+                </a:solidFill>
+                <a:latin typeface="DejaVu Sans"/>
+                <a:ea typeface="Noto Sans CJK SC"/>
+              </a:rPr>
+              <a:t>th: </a:t>
+            </a:r>
+            <a:r>
+              <a:rPr b="1" lang="en-CA" sz="1600" spc="-1" strike="noStrike">
+                <a:solidFill>
+                  <a:srgbClr val="ffffff"/>
+                </a:solidFill>
+                <a:latin typeface="DejaVu Sans"/>
+                <a:ea typeface="Noto Sans CJK SC"/>
+              </a:rPr>
+              <a:t>lef</a:t>
+            </a:r>
+            <a:r>
+              <a:rPr b="1" lang="en-CA" sz="1600" spc="-1" strike="noStrike">
+                <a:solidFill>
+                  <a:srgbClr val="ffffff"/>
+                </a:solidFill>
+                <a:latin typeface="DejaVu Sans"/>
+                <a:ea typeface="Noto Sans CJK SC"/>
+              </a:rPr>
+              <a:t>t:</a:t>
+            </a:r>
+            <a:r>
+              <a:rPr b="0" lang="en-CA" sz="1600" spc="-1" strike="noStrike">
+                <a:solidFill>
+                  <a:srgbClr val="ffffff"/>
+                </a:solidFill>
+                <a:latin typeface="DejaVu Sans"/>
+                <a:ea typeface="Noto Sans CJK SC"/>
+              </a:rPr>
               <a:t>  </a:t>
             </a:r>
             <a:r>
@@ -9017,17 +8703,37 @@
                 <a:latin typeface="DejaVu Sans"/>
                 <a:ea typeface="Noto Sans CJK SC"/>
               </a:rPr>
-              <a:t>right:</a:t>
-            </a:r>
-            <a:r>
-              <a:rPr b="0" lang="en-CA" sz="1600" spc="-1" strike="noStrike">
+              <a:t>rig</a:t>
+            </a:r>
+            <a:r>
+              <a:rPr b="1" lang="en-CA" sz="1600" spc="-1" strike="noStrike">
                 <a:solidFill>
                   <a:srgbClr val="ffffff"/>
                 </a:solidFill>
                 <a:latin typeface="DejaVu Sans"/>
                 <a:ea typeface="Noto Sans CJK SC"/>
               </a:rPr>
-              <a:t>  </a:t>
+              <a:t>ht:</a:t>
+            </a:r>
+            <a:r>
+              <a:rPr b="0" lang="en-CA" sz="1600" spc="-1" strike="noStrike">
+                <a:solidFill>
+                  <a:srgbClr val="ffffff"/>
+                </a:solidFill>
+                <a:latin typeface="DejaVu Sans"/>
+                <a:ea typeface="Noto Sans CJK SC"/>
+              </a:rPr>
+              <a:t> </a:t>
+            </a:r>
+            <a:r>
+              <a:rPr b="0" lang="en-CA" sz="1600" spc="-1" strike="noStrike">
+                <a:solidFill>
+                  <a:srgbClr val="ffffff"/>
+                </a:solidFill>
+                <a:latin typeface="DejaVu Sans"/>
+                <a:ea typeface="Noto Sans CJK SC"/>
+              </a:rPr>
+              <a:t> </a:t>
             </a:r>
             <a:r>
               <a:rPr b="0" lang="en-CA" sz="1600" spc="-1" strike="noStrike">
@@ -9050,9 +8756,6 @@
               <a:t>s</a:t>
             </a:r>
             <a:endParaRPr b="0" lang="en-CA" sz="1600" spc="-1" strike="noStrike">
-              <a:solidFill>
-                <a:srgbClr val="ffffff"/>
-              </a:solidFill>
               <a:latin typeface="Arial"/>
             </a:endParaRPr>
           </a:p>
@@ -9076,17 +8779,17 @@
                 <a:latin typeface="DejaVu Sans"/>
                 <a:ea typeface="Noto Sans CJK SC"/>
               </a:rPr>
-              <a:t>active contacts:  </a:t>
-            </a:r>
-            <a:r>
-              <a:rPr b="1" lang="en-CA" sz="1600" spc="-1" strike="noStrike">
+              <a:t>act</a:t>
+            </a:r>
+            <a:r>
+              <a:rPr b="0" lang="en-CA" sz="1600" spc="-1" strike="noStrike">
                 <a:solidFill>
                   <a:srgbClr val="ffffff"/>
                 </a:solidFill>
                 <a:latin typeface="DejaVu Sans"/>
                 <a:ea typeface="Noto Sans CJK SC"/>
               </a:rPr>
-              <a:t>left:</a:t>
+              <a:t>ive </a:t>
             </a:r>
             <a:r>
               <a:rPr b="0" lang="en-CA" sz="1600" spc="-1" strike="noStrike">
@@ -9096,17 +8799,17 @@
                 <a:latin typeface="DejaVu Sans"/>
                 <a:ea typeface="Noto Sans CJK SC"/>
               </a:rPr>
-              <a:t>  , </a:t>
-            </a:r>
-            <a:r>
-              <a:rPr b="1" lang="en-CA" sz="1600" spc="-1" strike="noStrike">
+              <a:t>con</a:t>
+            </a:r>
+            <a:r>
+              <a:rPr b="0" lang="en-CA" sz="1600" spc="-1" strike="noStrike">
                 <a:solidFill>
                   <a:srgbClr val="ffffff"/>
                 </a:solidFill>
                 <a:latin typeface="DejaVu Sans"/>
                 <a:ea typeface="Noto Sans CJK SC"/>
               </a:rPr>
-              <a:t>right:</a:t>
+              <a:t>tac</a:t>
             </a:r>
             <a:r>
               <a:rPr b="0" lang="en-CA" sz="1600" spc="-1" strike="noStrike">
@@ -9116,12 +8819,89 @@
                 <a:latin typeface="DejaVu Sans"/>
                 <a:ea typeface="Noto Sans CJK SC"/>
               </a:rPr>
+              <a:t>ts:  </a:t>
+            </a:r>
+            <a:r>
+              <a:rPr b="1" lang="en-CA" sz="1600" spc="-1" strike="noStrike">
+                <a:solidFill>
+                  <a:srgbClr val="ffffff"/>
+                </a:solidFill>
+                <a:latin typeface="DejaVu Sans"/>
+                <a:ea typeface="Noto Sans CJK SC"/>
+              </a:rPr>
+              <a:t>lef</a:t>
+            </a:r>
+            <a:r>
+              <a:rPr b="1" lang="en-CA" sz="1600" spc="-1" strike="noStrike">
+                <a:solidFill>
+                  <a:srgbClr val="ffffff"/>
+                </a:solidFill>
+                <a:latin typeface="DejaVu Sans"/>
+                <a:ea typeface="Noto Sans CJK SC"/>
+              </a:rPr>
+              <a:t>t:</a:t>
+            </a:r>
+            <a:r>
+              <a:rPr b="0" lang="en-CA" sz="1600" spc="-1" strike="noStrike">
+                <a:solidFill>
+                  <a:srgbClr val="ffffff"/>
+                </a:solidFill>
+                <a:latin typeface="DejaVu Sans"/>
+                <a:ea typeface="Noto Sans CJK SC"/>
+              </a:rPr>
               <a:t>  </a:t>
             </a:r>
+            <a:r>
+              <a:rPr b="0" lang="en-CA" sz="1600" spc="-1" strike="noStrike">
+                <a:solidFill>
+                  <a:srgbClr val="ffffff"/>
+                </a:solidFill>
+                <a:latin typeface="DejaVu Sans"/>
+                <a:ea typeface="Noto Sans CJK SC"/>
+              </a:rPr>
+              <a:t>, </a:t>
+            </a:r>
+            <a:r>
+              <a:rPr b="1" lang="en-CA" sz="1600" spc="-1" strike="noStrike">
+                <a:solidFill>
+                  <a:srgbClr val="ffffff"/>
+                </a:solidFill>
+                <a:latin typeface="DejaVu Sans"/>
+                <a:ea typeface="Noto Sans CJK SC"/>
+              </a:rPr>
+              <a:t>rig</a:t>
+            </a:r>
+            <a:r>
+              <a:rPr b="1" lang="en-CA" sz="1600" spc="-1" strike="noStrike">
+                <a:solidFill>
+                  <a:srgbClr val="ffffff"/>
+                </a:solidFill>
+                <a:latin typeface="DejaVu Sans"/>
+                <a:ea typeface="Noto Sans CJK SC"/>
+              </a:rPr>
+              <a:t>ht:</a:t>
+            </a:r>
+            <a:r>
+              <a:rPr b="0" lang="en-CA" sz="1600" spc="-1" strike="noStrike">
+                <a:solidFill>
+                  <a:srgbClr val="ffffff"/>
+                </a:solidFill>
+                <a:latin typeface="DejaVu Sans"/>
+                <a:ea typeface="Noto Sans CJK SC"/>
+              </a:rPr>
+              <a:t> </a:t>
+            </a:r>
+            <a:r>
+              <a:rPr b="0" lang="en-CA" sz="1600" spc="-1" strike="noStrike">
+                <a:solidFill>
+                  <a:srgbClr val="ffffff"/>
+                </a:solidFill>
+                <a:latin typeface="DejaVu Sans"/>
+                <a:ea typeface="Noto Sans CJK SC"/>
+              </a:rPr>
+              <a:t> </a:t>
+            </a:r>
             <a:endParaRPr b="0" lang="en-CA" sz="1600" spc="-1" strike="noStrike">
-              <a:solidFill>
-                <a:srgbClr val="ffffff"/>
-              </a:solidFill>
               <a:latin typeface="Arial"/>
             </a:endParaRPr>
           </a:p>
@@ -9145,12 +8925,29 @@
                 <a:latin typeface="DejaVu Sans"/>
                 <a:ea typeface="Noto Sans CJK SC"/>
               </a:rPr>
-              <a:t>cycling:</a:t>
+              <a:t>cyc</a:t>
+            </a:r>
+            <a:r>
+              <a:rPr b="0" lang="en-CA" sz="1600" spc="-1" strike="noStrike">
+                <a:solidFill>
+                  <a:srgbClr val="ffffff"/>
+                </a:solidFill>
+                <a:latin typeface="DejaVu Sans"/>
+                <a:ea typeface="Noto Sans CJK SC"/>
+              </a:rPr>
+              <a:t>ling</a:t>
+            </a:r>
+            <a:r>
+              <a:rPr b="0" lang="en-CA" sz="1600" spc="-1" strike="noStrike">
+                <a:solidFill>
+                  <a:srgbClr val="ffffff"/>
+                </a:solidFill>
+                <a:latin typeface="DejaVu Sans"/>
+                <a:ea typeface="Noto Sans CJK SC"/>
+              </a:rPr>
+              <a:t>:</a:t>
             </a:r>
             <a:endParaRPr b="0" lang="en-CA" sz="1600" spc="-1" strike="noStrike">
-              <a:solidFill>
-                <a:srgbClr val="ffffff"/>
-              </a:solidFill>
               <a:latin typeface="Arial"/>
             </a:endParaRPr>
           </a:p>
@@ -9188,7 +8985,7 @@
       </p:grpSpPr>
       <p:sp>
         <p:nvSpPr>
-          <p:cNvPr id="202" name="PlaceHolder 1"/>
+          <p:cNvPr id="206" name="PlaceHolder 1"/>
           <p:cNvSpPr>
             <a:spLocks noGrp="1"/>
           </p:cNvSpPr>
@@ -9214,14 +9011,11 @@
             <a:noAutofit/>
           </a:bodyPr>
           <a:p>
-            <a:pPr indent="0" algn="ctr">
+            <a:pPr algn="ctr">
               <a:buNone/>
             </a:pPr>
             <a:r>
               <a:rPr b="0" lang="en-CA" sz="4400" spc="-1" strike="noStrike">
-                <a:solidFill>
-                  <a:srgbClr val="ffffff"/>
-                </a:solidFill>
                 <a:latin typeface="Arial"/>
                 <a:ea typeface="Noto Sans CJK SC"/>
               </a:rPr>
@@ -9229,17 +9023,11 @@
             </a:r>
             <a:r>
               <a:rPr b="0" lang="en-CA" sz="4400" spc="-1" strike="noStrike">
-                <a:solidFill>
-                  <a:srgbClr val="ffffff"/>
-                </a:solidFill>
                 <a:latin typeface="Arial"/>
               </a:rPr>
               <a:t>: Level 3</a:t>
             </a:r>
             <a:endParaRPr b="0" lang="en-CA" sz="4400" spc="-1" strike="noStrike">
-              <a:solidFill>
-                <a:srgbClr val="ffffff"/>
-              </a:solidFill>
               <a:latin typeface="Arial"/>
             </a:endParaRPr>
           </a:p>
@@ -9247,7 +9035,7 @@
       </p:sp>
       <p:pic>
         <p:nvPicPr>
-          <p:cNvPr id="203" name="" descr=""/>
+          <p:cNvPr id="207" name="" descr=""/>
           <p:cNvPicPr/>
           <p:nvPr/>
         </p:nvPicPr>
@@ -9257,7 +9045,7 @@
         </p:blipFill>
         <p:spPr>
           <a:xfrm>
-            <a:off x="375840" y="1724760"/>
+            <a:off x="340200" y="1724040"/>
             <a:ext cx="1906920" cy="3410280"/>
           </a:xfrm>
           <a:prstGeom prst="rect">
@@ -9300,7 +9088,7 @@
       </p:grpSpPr>
       <p:sp>
         <p:nvSpPr>
-          <p:cNvPr id="204" name="PlaceHolder 1"/>
+          <p:cNvPr id="208" name="PlaceHolder 1"/>
           <p:cNvSpPr>
             <a:spLocks noGrp="1"/>
           </p:cNvSpPr>
@@ -9326,14 +9114,11 @@
             <a:noAutofit/>
           </a:bodyPr>
           <a:p>
-            <a:pPr indent="0" algn="ctr">
+            <a:pPr algn="ctr">
               <a:buNone/>
             </a:pPr>
             <a:r>
               <a:rPr b="0" lang="en-CA" sz="4400" spc="-1" strike="noStrike">
-                <a:solidFill>
-                  <a:srgbClr val="ffffff"/>
-                </a:solidFill>
                 <a:latin typeface="Arial"/>
                 <a:ea typeface="Noto Sans CJK SC"/>
               </a:rPr>
@@ -9341,17 +9126,11 @@
             </a:r>
             <a:r>
               <a:rPr b="0" lang="en-CA" sz="4400" spc="-1" strike="noStrike">
-                <a:solidFill>
-                  <a:srgbClr val="ffffff"/>
-                </a:solidFill>
                 <a:latin typeface="Arial"/>
               </a:rPr>
               <a:t>: Level 4</a:t>
             </a:r>
             <a:endParaRPr b="0" lang="en-CA" sz="4400" spc="-1" strike="noStrike">
-              <a:solidFill>
-                <a:srgbClr val="ffffff"/>
-              </a:solidFill>
               <a:latin typeface="Arial"/>
             </a:endParaRPr>
           </a:p>
@@ -9359,7 +9138,7 @@
       </p:sp>
       <p:pic>
         <p:nvPicPr>
-          <p:cNvPr id="205" name="" descr=""/>
+          <p:cNvPr id="209" name="" descr=""/>
           <p:cNvPicPr/>
           <p:nvPr/>
         </p:nvPicPr>
@@ -9369,7 +9148,7 @@
         </p:blipFill>
         <p:spPr>
           <a:xfrm>
-            <a:off x="375840" y="1724760"/>
+            <a:off x="340200" y="1724040"/>
             <a:ext cx="1906920" cy="3410280"/>
           </a:xfrm>
           <a:prstGeom prst="rect">
@@ -9412,7 +9191,7 @@
       </p:grpSpPr>
       <p:sp>
         <p:nvSpPr>
-          <p:cNvPr id="206" name="PlaceHolder 1"/>
+          <p:cNvPr id="210" name="PlaceHolder 1"/>
           <p:cNvSpPr>
             <a:spLocks noGrp="1"/>
           </p:cNvSpPr>
@@ -9438,30 +9217,24 @@
             <a:noAutofit/>
           </a:bodyPr>
           <a:p>
-            <a:pPr indent="0" algn="ctr">
+            <a:pPr algn="ctr">
               <a:buNone/>
             </a:pPr>
             <a:r>
               <a:rPr b="0" lang="en-CA" sz="4400" spc="-1" strike="noStrike">
-                <a:solidFill>
-                  <a:srgbClr val="ffffff"/>
-                </a:solidFill>
                 <a:latin typeface="Arial"/>
               </a:rPr>
               <a:t>Summary</a:t>
             </a:r>
             <a:endParaRPr b="0" lang="en-CA" sz="4400" spc="-1" strike="noStrike">
-              <a:solidFill>
-                <a:srgbClr val="ffffff"/>
-              </a:solidFill>
-              <a:latin typeface="Arial"/>
-            </a:endParaRPr>
-          </a:p>
-        </p:txBody>
-      </p:sp>
-      <p:sp>
-        <p:nvSpPr>
-          <p:cNvPr id="207" name="PlaceHolder 2"/>
+              <a:latin typeface="Arial"/>
+            </a:endParaRPr>
+          </a:p>
+        </p:txBody>
+      </p:sp>
+      <p:sp>
+        <p:nvSpPr>
+          <p:cNvPr id="211" name="PlaceHolder 2"/>
           <p:cNvSpPr>
             <a:spLocks noGrp="1"/>
           </p:cNvSpPr>
@@ -9487,12 +9260,6 @@
             <a:noAutofit/>
           </a:bodyPr>
           <a:p>
-            <a:pPr indent="0">
-              <a:spcBef>
-                <a:spcPts val="567"/>
-              </a:spcBef>
-              <a:buNone/>
-            </a:pPr>
             <a:r>
               <a:rPr b="1" lang="en-CA" sz="2600" spc="-1" strike="noStrike">
                 <a:solidFill>
@@ -9503,9 +9270,6 @@
               <a:t>Left brain</a:t>
             </a:r>
             <a:endParaRPr b="0" lang="en-CA" sz="2600" spc="-1" strike="noStrike">
-              <a:solidFill>
-                <a:srgbClr val="ffffff"/>
-              </a:solidFill>
               <a:latin typeface="Arial"/>
             </a:endParaRPr>
           </a:p>
@@ -9531,9 +9295,6 @@
               <a:t>option 1: </a:t>
             </a:r>
             <a:endParaRPr b="0" lang="en-CA" sz="2200" spc="-1" strike="noStrike">
-              <a:solidFill>
-                <a:srgbClr val="ffffff"/>
-              </a:solidFill>
               <a:latin typeface="Arial"/>
             </a:endParaRPr>
           </a:p>
@@ -9560,33 +9321,15 @@
               <a:t>option 2: </a:t>
             </a:r>
             <a:endParaRPr b="0" lang="en-CA" sz="2200" spc="-1" strike="noStrike">
-              <a:solidFill>
-                <a:srgbClr val="ffffff"/>
-              </a:solidFill>
-              <a:latin typeface="Arial"/>
-            </a:endParaRPr>
-          </a:p>
-          <a:p>
-            <a:pPr indent="0">
-              <a:spcBef>
-                <a:spcPts val="567"/>
-              </a:spcBef>
-              <a:buNone/>
-            </a:pPr>
+              <a:latin typeface="Arial"/>
+            </a:endParaRPr>
+          </a:p>
+          <a:p>
             <a:endParaRPr b="0" lang="en-CA" sz="2200" spc="-1" strike="noStrike">
-              <a:solidFill>
-                <a:srgbClr val="ffffff"/>
-              </a:solidFill>
-              <a:latin typeface="Arial"/>
-            </a:endParaRPr>
-          </a:p>
-          <a:p>
-            <a:pPr indent="0">
-              <a:spcBef>
-                <a:spcPts val="567"/>
-              </a:spcBef>
-              <a:buNone/>
-            </a:pPr>
+              <a:latin typeface="Arial"/>
+            </a:endParaRPr>
+          </a:p>
+          <a:p>
             <a:r>
               <a:rPr b="1" lang="en-CA" sz="2600" spc="-1" strike="noStrike">
                 <a:solidFill>
@@ -9597,9 +9340,6 @@
               <a:t>Right brain</a:t>
             </a:r>
             <a:endParaRPr b="0" lang="en-CA" sz="2600" spc="-1" strike="noStrike">
-              <a:solidFill>
-                <a:srgbClr val="ffffff"/>
-              </a:solidFill>
               <a:latin typeface="Arial"/>
             </a:endParaRPr>
           </a:p>
@@ -9625,9 +9365,6 @@
               <a:t>option 1: </a:t>
             </a:r>
             <a:endParaRPr b="0" lang="en-CA" sz="2200" spc="-1" strike="noStrike">
-              <a:solidFill>
-                <a:srgbClr val="ffffff"/>
-              </a:solidFill>
               <a:latin typeface="Arial"/>
             </a:endParaRPr>
           </a:p>
@@ -9654,34 +9391,27 @@
               <a:t>option 2: </a:t>
             </a:r>
             <a:endParaRPr b="0" lang="en-CA" sz="2200" spc="-1" strike="noStrike">
-              <a:solidFill>
-                <a:srgbClr val="ffffff"/>
-              </a:solidFill>
-              <a:latin typeface="Arial"/>
-            </a:endParaRPr>
-          </a:p>
-          <a:p>
-            <a:pPr lvl="2" marL="648000" indent="0">
+              <a:latin typeface="Arial"/>
+            </a:endParaRPr>
+          </a:p>
+          <a:p>
+            <a:pPr lvl="2" marL="648000" indent="-216000">
               <a:spcBef>
                 <a:spcPts val="567"/>
               </a:spcBef>
-              <a:buNone/>
+              <a:buClr>
+                <a:srgbClr val="ffffff"/>
+              </a:buClr>
+              <a:buSzPct val="45000"/>
+              <a:buFont typeface="Wingdings" charset="2"/>
+              <a:buChar char=""/>
             </a:pPr>
             <a:endParaRPr b="0" lang="en-CA" sz="2200" spc="-1" strike="noStrike">
-              <a:solidFill>
-                <a:srgbClr val="ffffff"/>
-              </a:solidFill>
-              <a:latin typeface="Arial"/>
-            </a:endParaRPr>
-          </a:p>
-          <a:p>
-            <a:pPr indent="0">
-              <a:buNone/>
-            </a:pPr>
+              <a:latin typeface="Arial"/>
+            </a:endParaRPr>
+          </a:p>
+          <a:p>
             <a:endParaRPr b="0" lang="en-CA" sz="2210" spc="-1" strike="noStrike">
-              <a:solidFill>
-                <a:srgbClr val="ffffff"/>
-              </a:solidFill>
               <a:latin typeface="Arial"/>
             </a:endParaRPr>
           </a:p>
@@ -9745,32 +9475,88 @@
             <a:noAutofit/>
           </a:bodyPr>
           <a:p>
-            <a:pPr indent="0" algn="ctr">
+            <a:pPr algn="ctr">
               <a:buNone/>
             </a:pPr>
             <a:r>
               <a:rPr b="0" lang="en-CA" sz="4400" spc="-1" strike="noStrike">
-                <a:solidFill>
-                  <a:srgbClr val="ffffff"/>
-                </a:solidFill>
                 <a:latin typeface="Arial"/>
                 <a:ea typeface="Noto Sans CJK SC"/>
               </a:rPr>
-              <a:t>Left Brain</a:t>
+              <a:t>L</a:t>
             </a:r>
             <a:r>
               <a:rPr b="0" lang="en-CA" sz="4400" spc="-1" strike="noStrike">
-                <a:solidFill>
-                  <a:srgbClr val="ffffff"/>
-                </a:solidFill>
-                <a:latin typeface="Arial"/>
-              </a:rPr>
-              <a:t>: Level 1</a:t>
+                <a:latin typeface="Arial"/>
+                <a:ea typeface="Noto Sans CJK SC"/>
+              </a:rPr>
+              <a:t>ef</a:t>
+            </a:r>
+            <a:r>
+              <a:rPr b="0" lang="en-CA" sz="4400" spc="-1" strike="noStrike">
+                <a:latin typeface="Arial"/>
+                <a:ea typeface="Noto Sans CJK SC"/>
+              </a:rPr>
+              <a:t>t </a:t>
+            </a:r>
+            <a:r>
+              <a:rPr b="0" lang="en-CA" sz="4400" spc="-1" strike="noStrike">
+                <a:latin typeface="Arial"/>
+                <a:ea typeface="Noto Sans CJK SC"/>
+              </a:rPr>
+              <a:t>B</a:t>
+            </a:r>
+            <a:r>
+              <a:rPr b="0" lang="en-CA" sz="4400" spc="-1" strike="noStrike">
+                <a:latin typeface="Arial"/>
+                <a:ea typeface="Noto Sans CJK SC"/>
+              </a:rPr>
+              <a:t>ra</a:t>
+            </a:r>
+            <a:r>
+              <a:rPr b="0" lang="en-CA" sz="4400" spc="-1" strike="noStrike">
+                <a:latin typeface="Arial"/>
+                <a:ea typeface="Noto Sans CJK SC"/>
+              </a:rPr>
+              <a:t>in</a:t>
+            </a:r>
+            <a:r>
+              <a:rPr b="0" lang="en-CA" sz="4400" spc="-1" strike="noStrike">
+                <a:latin typeface="Arial"/>
+              </a:rPr>
+              <a:t>: </a:t>
+            </a:r>
+            <a:r>
+              <a:rPr b="0" lang="en-CA" sz="4400" spc="-1" strike="noStrike">
+                <a:latin typeface="Arial"/>
+              </a:rPr>
+              <a:t>L</a:t>
+            </a:r>
+            <a:r>
+              <a:rPr b="0" lang="en-CA" sz="4400" spc="-1" strike="noStrike">
+                <a:latin typeface="Arial"/>
+              </a:rPr>
+              <a:t>e</a:t>
+            </a:r>
+            <a:r>
+              <a:rPr b="0" lang="en-CA" sz="4400" spc="-1" strike="noStrike">
+                <a:latin typeface="Arial"/>
+              </a:rPr>
+              <a:t>v</a:t>
+            </a:r>
+            <a:r>
+              <a:rPr b="0" lang="en-CA" sz="4400" spc="-1" strike="noStrike">
+                <a:latin typeface="Arial"/>
+              </a:rPr>
+              <a:t>el </a:t>
+            </a:r>
+            <a:r>
+              <a:rPr b="0" lang="en-CA" sz="4400" spc="-1" strike="noStrike">
+                <a:latin typeface="Arial"/>
+              </a:rPr>
+              <a:t>1</a:t>
             </a:r>
             <a:endParaRPr b="0" lang="en-CA" sz="4400" spc="-1" strike="noStrike">
-              <a:solidFill>
-                <a:srgbClr val="ffffff"/>
-              </a:solidFill>
               <a:latin typeface="Arial"/>
             </a:endParaRPr>
           </a:p>
@@ -9785,7 +9571,7 @@
         <p:spPr>
           <a:xfrm>
             <a:off x="10260000" y="754200"/>
-            <a:ext cx="1728000" cy="289800"/>
+            <a:ext cx="1197360" cy="289800"/>
           </a:xfrm>
           <a:custGeom>
             <a:avLst/>
@@ -9793,9 +9579,9 @@
             <a:ahLst/>
             <a:rect l="0" t="0" r="r" b="b"/>
             <a:pathLst>
-              <a:path w="4800" h="805">
+              <a:path w="3326" h="805">
                 <a:moveTo>
-                  <a:pt x="2400" y="805"/>
+                  <a:pt x="1663" y="805"/>
                 </a:moveTo>
                 <a:lnTo>
                   <a:pt x="0" y="805"/>
@@ -9804,13 +9590,13 @@
                   <a:pt x="0" y="0"/>
                 </a:lnTo>
                 <a:lnTo>
-                  <a:pt x="4800" y="0"/>
+                  <a:pt x="3326" y="0"/>
                 </a:lnTo>
                 <a:lnTo>
-                  <a:pt x="4800" y="805"/>
+                  <a:pt x="3326" y="805"/>
                 </a:lnTo>
                 <a:lnTo>
-                  <a:pt x="2400" y="805"/>
+                  <a:pt x="1663" y="805"/>
                 </a:lnTo>
                 <a:close/>
               </a:path>
@@ -9830,7 +9616,9 @@
             <a:noAutofit/>
           </a:bodyPr>
           <a:p>
-            <a:pPr algn="ctr"/>
+            <a:pPr algn="ctr">
+              <a:buNone/>
+            </a:pPr>
             <a:r>
               <a:rPr b="1" lang="en-CA" sz="1500" spc="-1" strike="noStrike">
                 <a:solidFill>
@@ -9838,12 +9626,18 @@
                 </a:solidFill>
                 <a:latin typeface="Arial"/>
               </a:rPr>
-              <a:t>actual lead</a:t>
+              <a:t>actua</a:t>
+            </a:r>
+            <a:r>
+              <a:rPr b="1" lang="en-CA" sz="1500" spc="-1" strike="noStrike">
+                <a:solidFill>
+                  <a:srgbClr val="00a900"/>
+                </a:solidFill>
+                <a:latin typeface="Arial"/>
+              </a:rPr>
+              <a:t>l lead</a:t>
             </a:r>
             <a:endParaRPr b="0" lang="en-CA" sz="1500" spc="-1" strike="noStrike">
-              <a:solidFill>
-                <a:srgbClr val="000000"/>
-              </a:solidFill>
               <a:latin typeface="Arial"/>
             </a:endParaRPr>
           </a:p>
@@ -9877,19 +9671,6 @@
           <a:effectRef idx="0"/>
           <a:fontRef idx="minor"/>
         </p:style>
-        <p:txBody>
-          <a:bodyPr lIns="6120" rIns="6120" tIns="6120" bIns="6120" anchor="t">
-            <a:noAutofit/>
-          </a:bodyPr>
-          <a:p>
-            <a:endParaRPr b="0" lang="en-CA" sz="1800" spc="-1" strike="noStrike">
-              <a:solidFill>
-                <a:srgbClr val="ffffff"/>
-              </a:solidFill>
-              <a:latin typeface="Arial"/>
-            </a:endParaRPr>
-          </a:p>
-        </p:txBody>
       </p:sp>
       <p:sp>
         <p:nvSpPr>
@@ -9900,7 +9681,7 @@
         <p:spPr>
           <a:xfrm>
             <a:off x="10260000" y="2520000"/>
-            <a:ext cx="1440000" cy="289800"/>
+            <a:ext cx="1197360" cy="289800"/>
           </a:xfrm>
           <a:custGeom>
             <a:avLst/>
@@ -9908,9 +9689,9 @@
             <a:ahLst/>
             <a:rect l="0" t="0" r="r" b="b"/>
             <a:pathLst>
-              <a:path w="4000" h="805">
+              <a:path w="3326" h="805">
                 <a:moveTo>
-                  <a:pt x="2000" y="805"/>
+                  <a:pt x="1663" y="805"/>
                 </a:moveTo>
                 <a:lnTo>
                   <a:pt x="0" y="805"/>
@@ -9919,13 +9700,13 @@
                   <a:pt x="0" y="0"/>
                 </a:lnTo>
                 <a:lnTo>
-                  <a:pt x="4000" y="0"/>
+                  <a:pt x="3326" y="0"/>
                 </a:lnTo>
                 <a:lnTo>
-                  <a:pt x="4000" y="805"/>
+                  <a:pt x="3326" y="805"/>
                 </a:lnTo>
                 <a:lnTo>
-                  <a:pt x="2000" y="805"/>
+                  <a:pt x="1663" y="805"/>
                 </a:lnTo>
                 <a:close/>
               </a:path>
@@ -9945,7 +9726,9 @@
             <a:noAutofit/>
           </a:bodyPr>
           <a:p>
-            <a:pPr algn="ctr"/>
+            <a:pPr algn="ctr">
+              <a:buNone/>
+            </a:pPr>
             <a:r>
               <a:rPr b="1" lang="en-CA" sz="1500" spc="-1" strike="noStrike">
                 <a:solidFill>
@@ -9953,12 +9736,27 @@
                 </a:solidFill>
                 <a:latin typeface="Arial"/>
               </a:rPr>
-              <a:t>red nucleus</a:t>
+              <a:t>red </a:t>
+            </a:r>
+            <a:r>
+              <a:rPr b="1" lang="en-CA" sz="1500" spc="-1" strike="noStrike">
+                <a:solidFill>
+                  <a:srgbClr val="7f0000"/>
+                </a:solidFill>
+                <a:latin typeface="Arial"/>
+              </a:rPr>
+              <a:t>nucle</a:t>
+            </a:r>
+            <a:r>
+              <a:rPr b="1" lang="en-CA" sz="1500" spc="-1" strike="noStrike">
+                <a:solidFill>
+                  <a:srgbClr val="7f0000"/>
+                </a:solidFill>
+                <a:latin typeface="Arial"/>
+              </a:rPr>
+              <a:t>us</a:t>
             </a:r>
             <a:endParaRPr b="0" lang="en-CA" sz="1500" spc="-1" strike="noStrike">
-              <a:solidFill>
-                <a:srgbClr val="000000"/>
-              </a:solidFill>
               <a:latin typeface="Arial"/>
             </a:endParaRPr>
           </a:p>
@@ -9972,8 +9770,8 @@
         </p:nvSpPr>
         <p:spPr>
           <a:xfrm flipH="1">
-            <a:off x="8280000" y="2592000"/>
-            <a:ext cx="1980000" cy="108000"/>
+            <a:off x="8280000" y="2662920"/>
+            <a:ext cx="1980000" cy="37080"/>
           </a:xfrm>
           <a:prstGeom prst="line">
             <a:avLst/>
@@ -9992,19 +9790,6 @@
           <a:effectRef idx="0"/>
           <a:fontRef idx="minor"/>
         </p:style>
-        <p:txBody>
-          <a:bodyPr lIns="6120" rIns="6120" tIns="6120" bIns="6120" anchor="t">
-            <a:noAutofit/>
-          </a:bodyPr>
-          <a:p>
-            <a:endParaRPr b="0" lang="en-CA" sz="1800" spc="-1" strike="noStrike">
-              <a:solidFill>
-                <a:srgbClr val="ffffff"/>
-              </a:solidFill>
-              <a:latin typeface="Arial"/>
-            </a:endParaRPr>
-          </a:p>
-        </p:txBody>
       </p:sp>
       <p:sp>
         <p:nvSpPr>
@@ -10015,7 +9800,7 @@
         <p:spPr>
           <a:xfrm>
             <a:off x="10260000" y="1188000"/>
-            <a:ext cx="1260000" cy="289800"/>
+            <a:ext cx="1197360" cy="289800"/>
           </a:xfrm>
           <a:custGeom>
             <a:avLst/>
@@ -10023,9 +9808,9 @@
             <a:ahLst/>
             <a:rect l="0" t="0" r="r" b="b"/>
             <a:pathLst>
-              <a:path w="3500" h="805">
+              <a:path w="3326" h="805">
                 <a:moveTo>
-                  <a:pt x="1750" y="805"/>
+                  <a:pt x="1663" y="805"/>
                 </a:moveTo>
                 <a:lnTo>
                   <a:pt x="0" y="805"/>
@@ -10034,13 +9819,13 @@
                   <a:pt x="0" y="0"/>
                 </a:lnTo>
                 <a:lnTo>
-                  <a:pt x="3500" y="0"/>
+                  <a:pt x="3326" y="0"/>
                 </a:lnTo>
                 <a:lnTo>
-                  <a:pt x="3500" y="805"/>
+                  <a:pt x="3326" y="805"/>
                 </a:lnTo>
                 <a:lnTo>
-                  <a:pt x="1750" y="805"/>
+                  <a:pt x="1663" y="805"/>
                 </a:lnTo>
                 <a:close/>
               </a:path>
@@ -10060,7 +9845,9 @@
             <a:noAutofit/>
           </a:bodyPr>
           <a:p>
-            <a:pPr algn="ctr"/>
+            <a:pPr algn="ctr">
+              <a:buNone/>
+            </a:pPr>
             <a:r>
               <a:rPr b="1" lang="en-CA" sz="1500" spc="-1" strike="noStrike">
                 <a:solidFill>
@@ -10068,12 +9855,27 @@
                 </a:solidFill>
                 <a:latin typeface="Arial"/>
               </a:rPr>
-              <a:t>limbic STN</a:t>
+              <a:t>limbi</a:t>
+            </a:r>
+            <a:r>
+              <a:rPr b="1" lang="en-CA" sz="1500" spc="-1" strike="noStrike">
+                <a:solidFill>
+                  <a:srgbClr val="f8fa0d"/>
+                </a:solidFill>
+                <a:latin typeface="Arial"/>
+              </a:rPr>
+              <a:t>c </a:t>
+            </a:r>
+            <a:r>
+              <a:rPr b="1" lang="en-CA" sz="1500" spc="-1" strike="noStrike">
+                <a:solidFill>
+                  <a:srgbClr val="f8fa0d"/>
+                </a:solidFill>
+                <a:latin typeface="Arial"/>
+              </a:rPr>
+              <a:t>STN</a:t>
             </a:r>
             <a:endParaRPr b="0" lang="en-CA" sz="1500" spc="-1" strike="noStrike">
-              <a:solidFill>
-                <a:srgbClr val="ffffff"/>
-              </a:solidFill>
               <a:latin typeface="Arial"/>
             </a:endParaRPr>
           </a:p>
@@ -10107,19 +9909,6 @@
           <a:effectRef idx="0"/>
           <a:fontRef idx="minor"/>
         </p:style>
-        <p:txBody>
-          <a:bodyPr lIns="6120" rIns="6120" tIns="6120" bIns="6120" anchor="t">
-            <a:noAutofit/>
-          </a:bodyPr>
-          <a:p>
-            <a:endParaRPr b="0" lang="en-CA" sz="1800" spc="-1" strike="noStrike">
-              <a:solidFill>
-                <a:srgbClr val="ffffff"/>
-              </a:solidFill>
-              <a:latin typeface="Arial"/>
-            </a:endParaRPr>
-          </a:p>
-        </p:txBody>
       </p:sp>
       <p:sp>
         <p:nvSpPr>
@@ -10175,7 +9964,9 @@
             <a:noAutofit/>
           </a:bodyPr>
           <a:p>
-            <a:pPr algn="ctr"/>
+            <a:pPr algn="ctr">
+              <a:buNone/>
+            </a:pPr>
             <a:r>
               <a:rPr b="1" lang="en-CA" sz="1500" spc="-1" strike="noStrike">
                 <a:solidFill>
@@ -10183,12 +9974,36 @@
                 </a:solidFill>
                 <a:latin typeface="Arial"/>
               </a:rPr>
-              <a:t>associative STN</a:t>
+              <a:t>asso</a:t>
+            </a:r>
+            <a:r>
+              <a:rPr b="1" lang="en-CA" sz="1500" spc="-1" strike="noStrike">
+                <a:solidFill>
+                  <a:srgbClr val="00bfff"/>
+                </a:solidFill>
+                <a:latin typeface="Arial"/>
+              </a:rPr>
+              <a:t>ciativ</a:t>
+            </a:r>
+            <a:r>
+              <a:rPr b="1" lang="en-CA" sz="1500" spc="-1" strike="noStrike">
+                <a:solidFill>
+                  <a:srgbClr val="00bfff"/>
+                </a:solidFill>
+                <a:latin typeface="Arial"/>
+              </a:rPr>
+              <a:t>e </a:t>
+            </a:r>
+            <a:r>
+              <a:rPr b="1" lang="en-CA" sz="1500" spc="-1" strike="noStrike">
+                <a:solidFill>
+                  <a:srgbClr val="00bfff"/>
+                </a:solidFill>
+                <a:latin typeface="Arial"/>
+              </a:rPr>
+              <a:t>STN</a:t>
             </a:r>
             <a:endParaRPr b="0" lang="en-CA" sz="1500" spc="-1" strike="noStrike">
-              <a:solidFill>
-                <a:srgbClr val="000000"/>
-              </a:solidFill>
               <a:latin typeface="Arial"/>
             </a:endParaRPr>
           </a:p>
@@ -10222,19 +10037,6 @@
           <a:effectRef idx="0"/>
           <a:fontRef idx="minor"/>
         </p:style>
-        <p:txBody>
-          <a:bodyPr lIns="6120" rIns="6120" tIns="6120" bIns="6120" anchor="t">
-            <a:noAutofit/>
-          </a:bodyPr>
-          <a:p>
-            <a:endParaRPr b="0" lang="en-CA" sz="1800" spc="-1" strike="noStrike">
-              <a:solidFill>
-                <a:srgbClr val="ffffff"/>
-              </a:solidFill>
-              <a:latin typeface="Arial"/>
-            </a:endParaRPr>
-          </a:p>
-        </p:txBody>
       </p:sp>
       <p:sp>
         <p:nvSpPr>
@@ -10245,7 +10047,7 @@
         <p:spPr>
           <a:xfrm>
             <a:off x="10260720" y="2069280"/>
-            <a:ext cx="1259280" cy="289800"/>
+            <a:ext cx="1196640" cy="289800"/>
           </a:xfrm>
           <a:custGeom>
             <a:avLst/>
@@ -10253,9 +10055,9 @@
             <a:ahLst/>
             <a:rect l="0" t="0" r="r" b="b"/>
             <a:pathLst>
-              <a:path w="3498" h="805">
+              <a:path w="3324" h="805">
                 <a:moveTo>
-                  <a:pt x="1749" y="805"/>
+                  <a:pt x="1662" y="805"/>
                 </a:moveTo>
                 <a:lnTo>
                   <a:pt x="0" y="805"/>
@@ -10264,13 +10066,13 @@
                   <a:pt x="0" y="0"/>
                 </a:lnTo>
                 <a:lnTo>
-                  <a:pt x="3498" y="0"/>
+                  <a:pt x="3324" y="0"/>
                 </a:lnTo>
                 <a:lnTo>
-                  <a:pt x="3498" y="805"/>
+                  <a:pt x="3324" y="805"/>
                 </a:lnTo>
                 <a:lnTo>
-                  <a:pt x="1749" y="805"/>
+                  <a:pt x="1662" y="805"/>
                 </a:lnTo>
                 <a:close/>
               </a:path>
@@ -10290,7 +10092,9 @@
             <a:noAutofit/>
           </a:bodyPr>
           <a:p>
-            <a:pPr algn="ctr"/>
+            <a:pPr algn="ctr">
+              <a:buNone/>
+            </a:pPr>
             <a:r>
               <a:rPr b="1" lang="en-CA" sz="1500" spc="-1" strike="noStrike">
                 <a:solidFill>
@@ -10298,12 +10102,18 @@
                 </a:solidFill>
                 <a:latin typeface="Arial"/>
               </a:rPr>
-              <a:t>motor STN</a:t>
+              <a:t>moto</a:t>
+            </a:r>
+            <a:r>
+              <a:rPr b="1" lang="en-CA" sz="1500" spc="-1" strike="noStrike">
+                <a:solidFill>
+                  <a:srgbClr val="ff7f00"/>
+                </a:solidFill>
+                <a:latin typeface="Arial"/>
+              </a:rPr>
+              <a:t>r STN</a:t>
             </a:r>
             <a:endParaRPr b="0" lang="en-CA" sz="1500" spc="-1" strike="noStrike">
-              <a:solidFill>
-                <a:srgbClr val="ffffff"/>
-              </a:solidFill>
               <a:latin typeface="Arial"/>
             </a:endParaRPr>
           </a:p>
@@ -10337,23 +10147,212 @@
           <a:effectRef idx="0"/>
           <a:fontRef idx="minor"/>
         </p:style>
-        <p:txBody>
-          <a:bodyPr lIns="6120" rIns="6120" tIns="6120" bIns="6120" anchor="t">
+      </p:sp>
+      <p:sp>
+        <p:nvSpPr>
+          <p:cNvPr id="167" name=""/>
+          <p:cNvSpPr/>
+          <p:nvPr/>
+        </p:nvSpPr>
+        <p:spPr>
+          <a:xfrm>
+            <a:off x="10267200" y="2996640"/>
+            <a:ext cx="1197360" cy="289800"/>
+          </a:xfrm>
+          <a:custGeom>
+            <a:avLst/>
+            <a:gdLst/>
+            <a:ahLst/>
+            <a:rect l="0" t="0" r="r" b="b"/>
+            <a:pathLst>
+              <a:path w="3326" h="805">
+                <a:moveTo>
+                  <a:pt x="1663" y="805"/>
+                </a:moveTo>
+                <a:lnTo>
+                  <a:pt x="0" y="805"/>
+                </a:lnTo>
+                <a:lnTo>
+                  <a:pt x="0" y="0"/>
+                </a:lnTo>
+                <a:lnTo>
+                  <a:pt x="3326" y="0"/>
+                </a:lnTo>
+                <a:lnTo>
+                  <a:pt x="3326" y="805"/>
+                </a:lnTo>
+                <a:lnTo>
+                  <a:pt x="1663" y="805"/>
+                </a:lnTo>
+                <a:close/>
+              </a:path>
+            </a:pathLst>
+          </a:custGeom>
+          <a:solidFill>
+            <a:srgbClr val="000000"/>
+          </a:solidFill>
+          <a:ln w="0">
+            <a:solidFill>
+              <a:srgbClr val="ff0000"/>
+            </a:solidFill>
+          </a:ln>
+        </p:spPr>
+        <p:txBody>
+          <a:bodyPr lIns="90000" rIns="90000" tIns="45000" bIns="45000" anchor="ctr">
             <a:noAutofit/>
           </a:bodyPr>
           <a:p>
-            <a:endParaRPr b="0" lang="en-CA" sz="1800" spc="-1" strike="noStrike">
-              <a:solidFill>
-                <a:srgbClr val="ffffff"/>
-              </a:solidFill>
-              <a:latin typeface="Arial"/>
-            </a:endParaRPr>
-          </a:p>
-        </p:txBody>
+            <a:pPr algn="ctr">
+              <a:buNone/>
+            </a:pPr>
+            <a:r>
+              <a:rPr b="1" lang="en-CA" sz="1500" spc="-1" strike="noStrike">
+                <a:solidFill>
+                  <a:srgbClr val="7fff7f"/>
+                </a:solidFill>
+                <a:latin typeface="Arial"/>
+              </a:rPr>
+              <a:t>cZi</a:t>
+            </a:r>
+            <a:endParaRPr b="0" lang="en-CA" sz="1500" spc="-1" strike="noStrike">
+              <a:latin typeface="Arial"/>
+            </a:endParaRPr>
+          </a:p>
+        </p:txBody>
+      </p:sp>
+      <p:sp>
+        <p:nvSpPr>
+          <p:cNvPr id="168" name=""/>
+          <p:cNvSpPr/>
+          <p:nvPr/>
+        </p:nvSpPr>
+        <p:spPr>
+          <a:xfrm flipH="1">
+            <a:off x="8287200" y="3139560"/>
+            <a:ext cx="1980000" cy="37080"/>
+          </a:xfrm>
+          <a:prstGeom prst="line">
+            <a:avLst/>
+          </a:prstGeom>
+          <a:ln w="12240">
+            <a:solidFill>
+              <a:srgbClr val="ff1744"/>
+            </a:solidFill>
+            <a:round/>
+            <a:tailEnd len="med" type="triangle" w="med"/>
+          </a:ln>
+        </p:spPr>
+        <p:style>
+          <a:lnRef idx="0"/>
+          <a:fillRef idx="0"/>
+          <a:effectRef idx="0"/>
+          <a:fontRef idx="minor"/>
+        </p:style>
+      </p:sp>
+      <p:sp>
+        <p:nvSpPr>
+          <p:cNvPr id="169" name=""/>
+          <p:cNvSpPr/>
+          <p:nvPr/>
+        </p:nvSpPr>
+        <p:spPr>
+          <a:xfrm>
+            <a:off x="10267560" y="3466440"/>
+            <a:ext cx="1197360" cy="289800"/>
+          </a:xfrm>
+          <a:custGeom>
+            <a:avLst/>
+            <a:gdLst/>
+            <a:ahLst/>
+            <a:rect l="0" t="0" r="r" b="b"/>
+            <a:pathLst>
+              <a:path w="3326" h="805">
+                <a:moveTo>
+                  <a:pt x="1663" y="805"/>
+                </a:moveTo>
+                <a:lnTo>
+                  <a:pt x="0" y="805"/>
+                </a:lnTo>
+                <a:lnTo>
+                  <a:pt x="0" y="0"/>
+                </a:lnTo>
+                <a:lnTo>
+                  <a:pt x="3326" y="0"/>
+                </a:lnTo>
+                <a:lnTo>
+                  <a:pt x="3326" y="805"/>
+                </a:lnTo>
+                <a:lnTo>
+                  <a:pt x="1663" y="805"/>
+                </a:lnTo>
+                <a:close/>
+              </a:path>
+            </a:pathLst>
+          </a:custGeom>
+          <a:solidFill>
+            <a:srgbClr val="000000"/>
+          </a:solidFill>
+          <a:ln w="0">
+            <a:solidFill>
+              <a:srgbClr val="ff0000"/>
+            </a:solidFill>
+          </a:ln>
+        </p:spPr>
+        <p:txBody>
+          <a:bodyPr lIns="90000" rIns="90000" tIns="45000" bIns="45000" anchor="ctr">
+            <a:noAutofit/>
+          </a:bodyPr>
+          <a:p>
+            <a:pPr algn="ctr">
+              <a:buNone/>
+            </a:pPr>
+            <a:r>
+              <a:rPr b="1" lang="en-CA" sz="1500" spc="-1" strike="noStrike">
+                <a:solidFill>
+                  <a:srgbClr val="ff5500"/>
+                </a:solidFill>
+                <a:latin typeface="Arial"/>
+              </a:rPr>
+              <a:t>fct</a:t>
+            </a:r>
+            <a:endParaRPr b="0" lang="en-CA" sz="1500" spc="-1" strike="noStrike">
+              <a:latin typeface="Arial"/>
+            </a:endParaRPr>
+          </a:p>
+        </p:txBody>
+      </p:sp>
+      <p:sp>
+        <p:nvSpPr>
+          <p:cNvPr id="170" name=""/>
+          <p:cNvSpPr/>
+          <p:nvPr/>
+        </p:nvSpPr>
+        <p:spPr>
+          <a:xfrm flipH="1">
+            <a:off x="8287560" y="3609360"/>
+            <a:ext cx="1980000" cy="37080"/>
+          </a:xfrm>
+          <a:prstGeom prst="line">
+            <a:avLst/>
+          </a:prstGeom>
+          <a:ln w="12240">
+            <a:solidFill>
+              <a:srgbClr val="ff1744"/>
+            </a:solidFill>
+            <a:round/>
+            <a:tailEnd len="med" type="triangle" w="med"/>
+          </a:ln>
+        </p:spPr>
+        <p:style>
+          <a:lnRef idx="0"/>
+          <a:fillRef idx="0"/>
+          <a:effectRef idx="0"/>
+          <a:fontRef idx="minor"/>
+        </p:style>
       </p:sp>
       <p:pic>
         <p:nvPicPr>
-          <p:cNvPr id="167" name="" descr=""/>
+          <p:cNvPr id="171" name="" descr=""/>
           <p:cNvPicPr/>
           <p:nvPr/>
         </p:nvPicPr>
@@ -10363,7 +10362,7 @@
         </p:blipFill>
         <p:spPr>
           <a:xfrm>
-            <a:off x="375840" y="1724760"/>
+            <a:off x="340560" y="1724040"/>
             <a:ext cx="1906920" cy="3410280"/>
           </a:xfrm>
           <a:prstGeom prst="rect">
@@ -10406,7 +10405,7 @@
       </p:grpSpPr>
       <p:sp>
         <p:nvSpPr>
-          <p:cNvPr id="168" name="PlaceHolder 1"/>
+          <p:cNvPr id="172" name="PlaceHolder 1"/>
           <p:cNvSpPr>
             <a:spLocks noGrp="1"/>
           </p:cNvSpPr>
@@ -10432,40 +10431,96 @@
             <a:noAutofit/>
           </a:bodyPr>
           <a:p>
-            <a:pPr indent="0" algn="ctr">
+            <a:pPr algn="ctr">
               <a:buNone/>
             </a:pPr>
             <a:r>
               <a:rPr b="0" lang="en-CA" sz="4400" spc="-1" strike="noStrike">
-                <a:solidFill>
-                  <a:srgbClr val="ffffff"/>
-                </a:solidFill>
                 <a:latin typeface="Arial"/>
                 <a:ea typeface="Noto Sans CJK SC"/>
               </a:rPr>
-              <a:t>Left Brain</a:t>
+              <a:t>L</a:t>
             </a:r>
             <a:r>
               <a:rPr b="0" lang="en-CA" sz="4400" spc="-1" strike="noStrike">
-                <a:solidFill>
-                  <a:srgbClr val="ffffff"/>
-                </a:solidFill>
-                <a:latin typeface="Arial"/>
-              </a:rPr>
-              <a:t>: Level 1</a:t>
+                <a:latin typeface="Arial"/>
+                <a:ea typeface="Noto Sans CJK SC"/>
+              </a:rPr>
+              <a:t>ef</a:t>
+            </a:r>
+            <a:r>
+              <a:rPr b="0" lang="en-CA" sz="4400" spc="-1" strike="noStrike">
+                <a:latin typeface="Arial"/>
+                <a:ea typeface="Noto Sans CJK SC"/>
+              </a:rPr>
+              <a:t>t </a:t>
+            </a:r>
+            <a:r>
+              <a:rPr b="0" lang="en-CA" sz="4400" spc="-1" strike="noStrike">
+                <a:latin typeface="Arial"/>
+                <a:ea typeface="Noto Sans CJK SC"/>
+              </a:rPr>
+              <a:t>B</a:t>
+            </a:r>
+            <a:r>
+              <a:rPr b="0" lang="en-CA" sz="4400" spc="-1" strike="noStrike">
+                <a:latin typeface="Arial"/>
+                <a:ea typeface="Noto Sans CJK SC"/>
+              </a:rPr>
+              <a:t>ra</a:t>
+            </a:r>
+            <a:r>
+              <a:rPr b="0" lang="en-CA" sz="4400" spc="-1" strike="noStrike">
+                <a:latin typeface="Arial"/>
+                <a:ea typeface="Noto Sans CJK SC"/>
+              </a:rPr>
+              <a:t>in</a:t>
+            </a:r>
+            <a:r>
+              <a:rPr b="0" lang="en-CA" sz="4400" spc="-1" strike="noStrike">
+                <a:latin typeface="Arial"/>
+              </a:rPr>
+              <a:t>: </a:t>
+            </a:r>
+            <a:r>
+              <a:rPr b="0" lang="en-CA" sz="4400" spc="-1" strike="noStrike">
+                <a:latin typeface="Arial"/>
+              </a:rPr>
+              <a:t>L</a:t>
+            </a:r>
+            <a:r>
+              <a:rPr b="0" lang="en-CA" sz="4400" spc="-1" strike="noStrike">
+                <a:latin typeface="Arial"/>
+              </a:rPr>
+              <a:t>e</a:t>
+            </a:r>
+            <a:r>
+              <a:rPr b="0" lang="en-CA" sz="4400" spc="-1" strike="noStrike">
+                <a:latin typeface="Arial"/>
+              </a:rPr>
+              <a:t>v</a:t>
+            </a:r>
+            <a:r>
+              <a:rPr b="0" lang="en-CA" sz="4400" spc="-1" strike="noStrike">
+                <a:latin typeface="Arial"/>
+              </a:rPr>
+              <a:t>el </a:t>
+            </a:r>
+            <a:r>
+              <a:rPr b="0" lang="en-CA" sz="4400" spc="-1" strike="noStrike">
+                <a:latin typeface="Arial"/>
+              </a:rPr>
+              <a:t>1</a:t>
             </a:r>
             <a:endParaRPr b="0" lang="en-CA" sz="4400" spc="-1" strike="noStrike">
-              <a:solidFill>
-                <a:srgbClr val="ffffff"/>
-              </a:solidFill>
-              <a:latin typeface="Arial"/>
-            </a:endParaRPr>
-          </a:p>
-        </p:txBody>
-      </p:sp>
-      <p:sp>
-        <p:nvSpPr>
-          <p:cNvPr id="169" name=""/>
+              <a:latin typeface="Arial"/>
+            </a:endParaRPr>
+          </a:p>
+        </p:txBody>
+      </p:sp>
+      <p:sp>
+        <p:nvSpPr>
+          <p:cNvPr id="173" name=""/>
           <p:cNvSpPr/>
           <p:nvPr/>
         </p:nvSpPr>
@@ -10517,7 +10572,9 @@
             <a:noAutofit/>
           </a:bodyPr>
           <a:p>
-            <a:pPr algn="ctr"/>
+            <a:pPr algn="ctr">
+              <a:buNone/>
+            </a:pPr>
             <a:r>
               <a:rPr b="1" lang="en-CA" sz="1500" spc="-1" strike="noStrike">
                 <a:solidFill>
@@ -10525,20 +10582,26 @@
                 </a:solidFill>
                 <a:latin typeface="Arial"/>
               </a:rPr>
-              <a:t>actual lead</a:t>
+              <a:t>actua</a:t>
+            </a:r>
+            <a:r>
+              <a:rPr b="1" lang="en-CA" sz="1500" spc="-1" strike="noStrike">
+                <a:solidFill>
+                  <a:srgbClr val="00a900"/>
+                </a:solidFill>
+                <a:latin typeface="Arial"/>
+              </a:rPr>
+              <a:t>l lead</a:t>
             </a:r>
             <a:endParaRPr b="0" lang="en-CA" sz="1500" spc="-1" strike="noStrike">
-              <a:solidFill>
-                <a:srgbClr val="000000"/>
-              </a:solidFill>
-              <a:latin typeface="Arial"/>
-            </a:endParaRPr>
-          </a:p>
-        </p:txBody>
-      </p:sp>
-      <p:sp>
-        <p:nvSpPr>
-          <p:cNvPr id="170" name=""/>
+              <a:latin typeface="Arial"/>
+            </a:endParaRPr>
+          </a:p>
+        </p:txBody>
+      </p:sp>
+      <p:sp>
+        <p:nvSpPr>
+          <p:cNvPr id="174" name=""/>
           <p:cNvSpPr/>
           <p:nvPr/>
         </p:nvSpPr>
@@ -10564,23 +10627,10 @@
           <a:effectRef idx="0"/>
           <a:fontRef idx="minor"/>
         </p:style>
-        <p:txBody>
-          <a:bodyPr lIns="9360" rIns="9360" tIns="9360" bIns="9360" anchor="t">
-            <a:noAutofit/>
-          </a:bodyPr>
-          <a:p>
-            <a:endParaRPr b="0" lang="en-CA" sz="1800" spc="-1" strike="noStrike">
-              <a:solidFill>
-                <a:srgbClr val="ffffff"/>
-              </a:solidFill>
-              <a:latin typeface="Arial"/>
-            </a:endParaRPr>
-          </a:p>
-        </p:txBody>
-      </p:sp>
-      <p:sp>
-        <p:nvSpPr>
-          <p:cNvPr id="171" name=""/>
+      </p:sp>
+      <p:sp>
+        <p:nvSpPr>
+          <p:cNvPr id="175" name=""/>
           <p:cNvSpPr/>
           <p:nvPr/>
         </p:nvSpPr>
@@ -10636,6 +10686,7 @@
               <a:lnSpc>
                 <a:spcPct val="100000"/>
               </a:lnSpc>
+              <a:buNone/>
             </a:pPr>
             <a:r>
               <a:rPr b="1" lang="en-CA" sz="1500" spc="-1" strike="noStrike">
@@ -10644,20 +10695,35 @@
                 </a:solidFill>
                 <a:latin typeface="Arial"/>
               </a:rPr>
-              <a:t>centromedian</a:t>
+              <a:t>centr</a:t>
+            </a:r>
+            <a:r>
+              <a:rPr b="1" lang="en-CA" sz="1500" spc="-1" strike="noStrike">
+                <a:solidFill>
+                  <a:srgbClr val="8d5d89"/>
+                </a:solidFill>
+                <a:latin typeface="Arial"/>
+              </a:rPr>
+              <a:t>omed</a:t>
+            </a:r>
+            <a:r>
+              <a:rPr b="1" lang="en-CA" sz="1500" spc="-1" strike="noStrike">
+                <a:solidFill>
+                  <a:srgbClr val="8d5d89"/>
+                </a:solidFill>
+                <a:latin typeface="Arial"/>
+              </a:rPr>
+              <a:t>ian</a:t>
             </a:r>
             <a:endParaRPr b="0" lang="en-CA" sz="1500" spc="-1" strike="noStrike">
-              <a:solidFill>
-                <a:srgbClr val="000000"/>
-              </a:solidFill>
-              <a:latin typeface="Arial"/>
-            </a:endParaRPr>
-          </a:p>
-        </p:txBody>
-      </p:sp>
-      <p:sp>
-        <p:nvSpPr>
-          <p:cNvPr id="172" name=""/>
+              <a:latin typeface="Arial"/>
+            </a:endParaRPr>
+          </a:p>
+        </p:txBody>
+      </p:sp>
+      <p:sp>
+        <p:nvSpPr>
+          <p:cNvPr id="176" name=""/>
           <p:cNvSpPr/>
           <p:nvPr/>
         </p:nvSpPr>
@@ -10683,23 +10749,10 @@
           <a:effectRef idx="0"/>
           <a:fontRef idx="minor"/>
         </p:style>
-        <p:txBody>
-          <a:bodyPr lIns="9360" rIns="9360" tIns="9360" bIns="9360" anchor="t">
-            <a:noAutofit/>
-          </a:bodyPr>
-          <a:p>
-            <a:endParaRPr b="0" lang="en-CA" sz="1800" spc="-1" strike="noStrike">
-              <a:solidFill>
-                <a:srgbClr val="ffffff"/>
-              </a:solidFill>
-              <a:latin typeface="Arial"/>
-            </a:endParaRPr>
-          </a:p>
-        </p:txBody>
-      </p:sp>
-      <p:sp>
-        <p:nvSpPr>
-          <p:cNvPr id="173" name=""/>
+      </p:sp>
+      <p:sp>
+        <p:nvSpPr>
+          <p:cNvPr id="177" name=""/>
           <p:cNvSpPr/>
           <p:nvPr/>
         </p:nvSpPr>
@@ -10755,6 +10808,7 @@
               <a:lnSpc>
                 <a:spcPct val="100000"/>
               </a:lnSpc>
+              <a:buNone/>
             </a:pPr>
             <a:r>
               <a:rPr b="1" lang="en-CA" sz="1500" spc="-1" strike="noStrike">
@@ -10763,20 +10817,35 @@
                 </a:solidFill>
                 <a:latin typeface="Arial"/>
               </a:rPr>
-              <a:t>mediodorsal</a:t>
+              <a:t>medi</a:t>
+            </a:r>
+            <a:r>
+              <a:rPr b="1" lang="en-CA" sz="1500" spc="-1" strike="noStrike">
+                <a:solidFill>
+                  <a:srgbClr val="c100c1"/>
+                </a:solidFill>
+                <a:latin typeface="Arial"/>
+              </a:rPr>
+              <a:t>odor</a:t>
+            </a:r>
+            <a:r>
+              <a:rPr b="1" lang="en-CA" sz="1500" spc="-1" strike="noStrike">
+                <a:solidFill>
+                  <a:srgbClr val="c100c1"/>
+                </a:solidFill>
+                <a:latin typeface="Arial"/>
+              </a:rPr>
+              <a:t>sal</a:t>
             </a:r>
             <a:endParaRPr b="0" lang="en-CA" sz="1500" spc="-1" strike="noStrike">
-              <a:solidFill>
-                <a:srgbClr val="000000"/>
-              </a:solidFill>
-              <a:latin typeface="Arial"/>
-            </a:endParaRPr>
-          </a:p>
-        </p:txBody>
-      </p:sp>
-      <p:sp>
-        <p:nvSpPr>
-          <p:cNvPr id="174" name=""/>
+              <a:latin typeface="Arial"/>
+            </a:endParaRPr>
+          </a:p>
+        </p:txBody>
+      </p:sp>
+      <p:sp>
+        <p:nvSpPr>
+          <p:cNvPr id="178" name=""/>
           <p:cNvSpPr/>
           <p:nvPr/>
         </p:nvSpPr>
@@ -10802,23 +10871,10 @@
           <a:effectRef idx="0"/>
           <a:fontRef idx="minor"/>
         </p:style>
-        <p:txBody>
-          <a:bodyPr lIns="9360" rIns="9360" tIns="9360" bIns="9360" anchor="t">
-            <a:noAutofit/>
-          </a:bodyPr>
-          <a:p>
-            <a:endParaRPr b="0" lang="en-CA" sz="1800" spc="-1" strike="noStrike">
-              <a:solidFill>
-                <a:srgbClr val="ffffff"/>
-              </a:solidFill>
-              <a:latin typeface="Arial"/>
-            </a:endParaRPr>
-          </a:p>
-        </p:txBody>
-      </p:sp>
-      <p:sp>
-        <p:nvSpPr>
-          <p:cNvPr id="175" name=""/>
+      </p:sp>
+      <p:sp>
+        <p:nvSpPr>
+          <p:cNvPr id="179" name=""/>
           <p:cNvSpPr/>
           <p:nvPr/>
         </p:nvSpPr>
@@ -10870,7 +10926,9 @@
             <a:noAutofit/>
           </a:bodyPr>
           <a:p>
-            <a:pPr algn="ctr"/>
+            <a:pPr algn="ctr">
+              <a:buNone/>
+            </a:pPr>
             <a:r>
               <a:rPr b="1" lang="en-CA" sz="1400" spc="-1" strike="noStrike">
                 <a:solidFill>
@@ -10881,17 +10939,14 @@
               <a:t>ANT</a:t>
             </a:r>
             <a:endParaRPr b="0" lang="en-CA" sz="1400" spc="-1" strike="noStrike">
-              <a:solidFill>
-                <a:srgbClr val="000000"/>
-              </a:solidFill>
-              <a:latin typeface="Arial"/>
-            </a:endParaRPr>
-          </a:p>
-        </p:txBody>
-      </p:sp>
-      <p:sp>
-        <p:nvSpPr>
-          <p:cNvPr id="176" name=""/>
+              <a:latin typeface="Arial"/>
+            </a:endParaRPr>
+          </a:p>
+        </p:txBody>
+      </p:sp>
+      <p:sp>
+        <p:nvSpPr>
+          <p:cNvPr id="180" name=""/>
           <p:cNvSpPr/>
           <p:nvPr/>
         </p:nvSpPr>
@@ -10917,46 +10972,10 @@
           <a:effectRef idx="0"/>
           <a:fontRef idx="minor"/>
         </p:style>
-        <p:txBody>
-          <a:bodyPr lIns="9360" rIns="9360" tIns="9360" bIns="9360" anchor="t">
-            <a:noAutofit/>
-          </a:bodyPr>
-          <a:p>
-            <a:endParaRPr b="0" lang="en-CA" sz="1800" spc="-1" strike="noStrike">
-              <a:solidFill>
-                <a:srgbClr val="ffffff"/>
-              </a:solidFill>
-              <a:latin typeface="Arial"/>
-            </a:endParaRPr>
-          </a:p>
-        </p:txBody>
-      </p:sp>
-      <p:pic>
-        <p:nvPicPr>
-          <p:cNvPr id="177" name="" descr=""/>
-          <p:cNvPicPr/>
-          <p:nvPr/>
-        </p:nvPicPr>
-        <p:blipFill>
-          <a:blip r:embed="rId1"/>
-          <a:stretch/>
-        </p:blipFill>
-        <p:spPr>
-          <a:xfrm>
-            <a:off x="375840" y="1724760"/>
-            <a:ext cx="1906920" cy="3410280"/>
-          </a:xfrm>
-          <a:prstGeom prst="rect">
-            <a:avLst/>
-          </a:prstGeom>
-          <a:ln w="0">
-            <a:noFill/>
-          </a:ln>
-        </p:spPr>
-      </p:pic>
-      <p:sp>
-        <p:nvSpPr>
-          <p:cNvPr id="178" name=""/>
+      </p:sp>
+      <p:sp>
+        <p:nvSpPr>
+          <p:cNvPr id="181" name=""/>
           <p:cNvSpPr/>
           <p:nvPr/>
         </p:nvSpPr>
@@ -11008,7 +11027,9 @@
             <a:noAutofit/>
           </a:bodyPr>
           <a:p>
-            <a:pPr algn="ctr"/>
+            <a:pPr algn="ctr">
+              <a:buNone/>
+            </a:pPr>
             <a:r>
               <a:rPr b="1" lang="en-CA" sz="1400" spc="-1" strike="noStrike">
                 <a:solidFill>
@@ -11016,20 +11037,35 @@
                 </a:solidFill>
                 <a:latin typeface="Arial"/>
               </a:rPr>
-              <a:t>Mammillo. tract</a:t>
+              <a:t>Mam</a:t>
+            </a:r>
+            <a:r>
+              <a:rPr b="1" lang="en-CA" sz="1400" spc="-1" strike="noStrike">
+                <a:solidFill>
+                  <a:srgbClr val="b79cdc"/>
+                </a:solidFill>
+                <a:latin typeface="Arial"/>
+              </a:rPr>
+              <a:t>millo. </a:t>
+            </a:r>
+            <a:r>
+              <a:rPr b="1" lang="en-CA" sz="1400" spc="-1" strike="noStrike">
+                <a:solidFill>
+                  <a:srgbClr val="b79cdc"/>
+                </a:solidFill>
+                <a:latin typeface="Arial"/>
+              </a:rPr>
+              <a:t>tract</a:t>
             </a:r>
             <a:endParaRPr b="0" lang="en-CA" sz="1400" spc="-1" strike="noStrike">
-              <a:solidFill>
-                <a:srgbClr val="000000"/>
-              </a:solidFill>
-              <a:latin typeface="Arial"/>
-            </a:endParaRPr>
-          </a:p>
-        </p:txBody>
-      </p:sp>
-      <p:sp>
-        <p:nvSpPr>
-          <p:cNvPr id="179" name=""/>
+              <a:latin typeface="Arial"/>
+            </a:endParaRPr>
+          </a:p>
+        </p:txBody>
+      </p:sp>
+      <p:sp>
+        <p:nvSpPr>
+          <p:cNvPr id="182" name=""/>
           <p:cNvSpPr/>
           <p:nvPr/>
         </p:nvSpPr>
@@ -11055,20 +11091,30 @@
           <a:effectRef idx="0"/>
           <a:fontRef idx="minor"/>
         </p:style>
-        <p:txBody>
-          <a:bodyPr lIns="9360" rIns="9360" tIns="9360" bIns="9360" anchor="t">
-            <a:noAutofit/>
-          </a:bodyPr>
-          <a:p>
-            <a:endParaRPr b="0" lang="en-CA" sz="1800" spc="-1" strike="noStrike">
-              <a:solidFill>
-                <a:srgbClr val="ffffff"/>
-              </a:solidFill>
-              <a:latin typeface="Arial"/>
-            </a:endParaRPr>
-          </a:p>
-        </p:txBody>
-      </p:sp>
+      </p:sp>
+      <p:pic>
+        <p:nvPicPr>
+          <p:cNvPr id="183" name="" descr=""/>
+          <p:cNvPicPr/>
+          <p:nvPr/>
+        </p:nvPicPr>
+        <p:blipFill>
+          <a:blip r:embed="rId1"/>
+          <a:stretch/>
+        </p:blipFill>
+        <p:spPr>
+          <a:xfrm>
+            <a:off x="340560" y="1724040"/>
+            <a:ext cx="1906920" cy="3410280"/>
+          </a:xfrm>
+          <a:prstGeom prst="rect">
+            <a:avLst/>
+          </a:prstGeom>
+          <a:ln w="0">
+            <a:noFill/>
+          </a:ln>
+        </p:spPr>
+      </p:pic>
     </p:spTree>
   </p:cSld>
   <mc:AlternateContent>
@@ -11101,7 +11147,7 @@
       </p:grpSpPr>
       <p:sp>
         <p:nvSpPr>
-          <p:cNvPr id="180" name="PlaceHolder 1"/>
+          <p:cNvPr id="184" name="PlaceHolder 1"/>
           <p:cNvSpPr>
             <a:spLocks noGrp="1"/>
           </p:cNvSpPr>
@@ -11127,40 +11173,96 @@
             <a:noAutofit/>
           </a:bodyPr>
           <a:p>
-            <a:pPr indent="0" algn="ctr">
+            <a:pPr algn="ctr">
               <a:buNone/>
             </a:pPr>
             <a:r>
               <a:rPr b="0" lang="en-CA" sz="4400" spc="-1" strike="noStrike">
-                <a:solidFill>
-                  <a:srgbClr val="ffffff"/>
-                </a:solidFill>
                 <a:latin typeface="Arial"/>
                 <a:ea typeface="Noto Sans CJK SC"/>
               </a:rPr>
-              <a:t>Left Brain</a:t>
+              <a:t>L</a:t>
             </a:r>
             <a:r>
               <a:rPr b="0" lang="en-CA" sz="4400" spc="-1" strike="noStrike">
-                <a:solidFill>
-                  <a:srgbClr val="ffffff"/>
-                </a:solidFill>
-                <a:latin typeface="Arial"/>
-              </a:rPr>
-              <a:t>: Level 1</a:t>
+                <a:latin typeface="Arial"/>
+                <a:ea typeface="Noto Sans CJK SC"/>
+              </a:rPr>
+              <a:t>ef</a:t>
+            </a:r>
+            <a:r>
+              <a:rPr b="0" lang="en-CA" sz="4400" spc="-1" strike="noStrike">
+                <a:latin typeface="Arial"/>
+                <a:ea typeface="Noto Sans CJK SC"/>
+              </a:rPr>
+              <a:t>t </a:t>
+            </a:r>
+            <a:r>
+              <a:rPr b="0" lang="en-CA" sz="4400" spc="-1" strike="noStrike">
+                <a:latin typeface="Arial"/>
+                <a:ea typeface="Noto Sans CJK SC"/>
+              </a:rPr>
+              <a:t>B</a:t>
+            </a:r>
+            <a:r>
+              <a:rPr b="0" lang="en-CA" sz="4400" spc="-1" strike="noStrike">
+                <a:latin typeface="Arial"/>
+                <a:ea typeface="Noto Sans CJK SC"/>
+              </a:rPr>
+              <a:t>ra</a:t>
+            </a:r>
+            <a:r>
+              <a:rPr b="0" lang="en-CA" sz="4400" spc="-1" strike="noStrike">
+                <a:latin typeface="Arial"/>
+                <a:ea typeface="Noto Sans CJK SC"/>
+              </a:rPr>
+              <a:t>in</a:t>
+            </a:r>
+            <a:r>
+              <a:rPr b="0" lang="en-CA" sz="4400" spc="-1" strike="noStrike">
+                <a:latin typeface="Arial"/>
+              </a:rPr>
+              <a:t>: </a:t>
+            </a:r>
+            <a:r>
+              <a:rPr b="0" lang="en-CA" sz="4400" spc="-1" strike="noStrike">
+                <a:latin typeface="Arial"/>
+              </a:rPr>
+              <a:t>L</a:t>
+            </a:r>
+            <a:r>
+              <a:rPr b="0" lang="en-CA" sz="4400" spc="-1" strike="noStrike">
+                <a:latin typeface="Arial"/>
+              </a:rPr>
+              <a:t>e</a:t>
+            </a:r>
+            <a:r>
+              <a:rPr b="0" lang="en-CA" sz="4400" spc="-1" strike="noStrike">
+                <a:latin typeface="Arial"/>
+              </a:rPr>
+              <a:t>v</a:t>
+            </a:r>
+            <a:r>
+              <a:rPr b="0" lang="en-CA" sz="4400" spc="-1" strike="noStrike">
+                <a:latin typeface="Arial"/>
+              </a:rPr>
+              <a:t>el </a:t>
+            </a:r>
+            <a:r>
+              <a:rPr b="0" lang="en-CA" sz="4400" spc="-1" strike="noStrike">
+                <a:latin typeface="Arial"/>
+              </a:rPr>
+              <a:t>1</a:t>
             </a:r>
             <a:endParaRPr b="0" lang="en-CA" sz="4400" spc="-1" strike="noStrike">
-              <a:solidFill>
-                <a:srgbClr val="ffffff"/>
-              </a:solidFill>
-              <a:latin typeface="Arial"/>
-            </a:endParaRPr>
-          </a:p>
-        </p:txBody>
-      </p:sp>
-      <p:sp>
-        <p:nvSpPr>
-          <p:cNvPr id="181" name=""/>
+              <a:latin typeface="Arial"/>
+            </a:endParaRPr>
+          </a:p>
+        </p:txBody>
+      </p:sp>
+      <p:sp>
+        <p:nvSpPr>
+          <p:cNvPr id="185" name=""/>
           <p:cNvSpPr/>
           <p:nvPr/>
         </p:nvSpPr>
@@ -11212,7 +11314,9 @@
             <a:noAutofit/>
           </a:bodyPr>
           <a:p>
-            <a:pPr algn="ctr"/>
+            <a:pPr algn="ctr">
+              <a:buNone/>
+            </a:pPr>
             <a:r>
               <a:rPr b="1" lang="en-CA" sz="1500" spc="-1" strike="noStrike">
                 <a:solidFill>
@@ -11220,20 +11324,26 @@
                 </a:solidFill>
                 <a:latin typeface="Arial"/>
               </a:rPr>
-              <a:t>actual lead</a:t>
+              <a:t>actua</a:t>
+            </a:r>
+            <a:r>
+              <a:rPr b="1" lang="en-CA" sz="1500" spc="-1" strike="noStrike">
+                <a:solidFill>
+                  <a:srgbClr val="00a900"/>
+                </a:solidFill>
+                <a:latin typeface="Arial"/>
+              </a:rPr>
+              <a:t>l lead</a:t>
             </a:r>
             <a:endParaRPr b="0" lang="en-CA" sz="1500" spc="-1" strike="noStrike">
-              <a:solidFill>
-                <a:srgbClr val="000000"/>
-              </a:solidFill>
-              <a:latin typeface="Arial"/>
-            </a:endParaRPr>
-          </a:p>
-        </p:txBody>
-      </p:sp>
-      <p:sp>
-        <p:nvSpPr>
-          <p:cNvPr id="182" name=""/>
+              <a:latin typeface="Arial"/>
+            </a:endParaRPr>
+          </a:p>
+        </p:txBody>
+      </p:sp>
+      <p:sp>
+        <p:nvSpPr>
+          <p:cNvPr id="186" name=""/>
           <p:cNvSpPr/>
           <p:nvPr/>
         </p:nvSpPr>
@@ -11259,23 +11369,10 @@
           <a:effectRef idx="0"/>
           <a:fontRef idx="minor"/>
         </p:style>
-        <p:txBody>
-          <a:bodyPr lIns="6120" rIns="6120" tIns="6120" bIns="6120" anchor="t">
-            <a:noAutofit/>
-          </a:bodyPr>
-          <a:p>
-            <a:endParaRPr b="0" lang="en-CA" sz="1800" spc="-1" strike="noStrike">
-              <a:solidFill>
-                <a:srgbClr val="ffffff"/>
-              </a:solidFill>
-              <a:latin typeface="Arial"/>
-            </a:endParaRPr>
-          </a:p>
-        </p:txBody>
-      </p:sp>
-      <p:sp>
-        <p:nvSpPr>
-          <p:cNvPr id="183" name=""/>
+      </p:sp>
+      <p:sp>
+        <p:nvSpPr>
+          <p:cNvPr id="187" name=""/>
           <p:cNvSpPr/>
           <p:nvPr/>
         </p:nvSpPr>
@@ -11301,23 +11398,10 @@
           <a:effectRef idx="0"/>
           <a:fontRef idx="minor"/>
         </p:style>
-        <p:txBody>
-          <a:bodyPr lIns="6120" rIns="6120" tIns="-6120" bIns="-6120" anchor="t">
-            <a:noAutofit/>
-          </a:bodyPr>
-          <a:p>
-            <a:endParaRPr b="0" lang="en-CA" sz="1800" spc="-1" strike="noStrike">
-              <a:solidFill>
-                <a:srgbClr val="ffffff"/>
-              </a:solidFill>
-              <a:latin typeface="Arial"/>
-            </a:endParaRPr>
-          </a:p>
-        </p:txBody>
-      </p:sp>
-      <p:sp>
-        <p:nvSpPr>
-          <p:cNvPr id="184" name=""/>
+      </p:sp>
+      <p:sp>
+        <p:nvSpPr>
+          <p:cNvPr id="188" name=""/>
           <p:cNvSpPr/>
           <p:nvPr/>
         </p:nvSpPr>
@@ -11369,7 +11453,9 @@
             <a:noAutofit/>
           </a:bodyPr>
           <a:p>
-            <a:pPr algn="ctr"/>
+            <a:pPr algn="ctr">
+              <a:buNone/>
+            </a:pPr>
             <a:r>
               <a:rPr b="1" lang="en-CA" sz="1500" spc="-1" strike="noStrike">
                 <a:solidFill>
@@ -11377,20 +11463,26 @@
                 </a:solidFill>
                 <a:latin typeface="Arial"/>
               </a:rPr>
-              <a:t>caudate</a:t>
+              <a:t>caud</a:t>
+            </a:r>
+            <a:r>
+              <a:rPr b="1" lang="en-CA" sz="1500" spc="-1" strike="noStrike">
+                <a:solidFill>
+                  <a:srgbClr val="a9ffff"/>
+                </a:solidFill>
+                <a:latin typeface="Arial"/>
+              </a:rPr>
+              <a:t>ate</a:t>
             </a:r>
             <a:endParaRPr b="0" lang="en-CA" sz="1500" spc="-1" strike="noStrike">
-              <a:solidFill>
-                <a:srgbClr val="ffffff"/>
-              </a:solidFill>
-              <a:latin typeface="Arial"/>
-            </a:endParaRPr>
-          </a:p>
-        </p:txBody>
-      </p:sp>
-      <p:sp>
-        <p:nvSpPr>
-          <p:cNvPr id="185" name=""/>
+              <a:latin typeface="Arial"/>
+            </a:endParaRPr>
+          </a:p>
+        </p:txBody>
+      </p:sp>
+      <p:sp>
+        <p:nvSpPr>
+          <p:cNvPr id="189" name=""/>
           <p:cNvSpPr/>
           <p:nvPr/>
         </p:nvSpPr>
@@ -11416,23 +11508,10 @@
           <a:effectRef idx="0"/>
           <a:fontRef idx="minor"/>
         </p:style>
-        <p:txBody>
-          <a:bodyPr lIns="6120" rIns="6120" tIns="6120" bIns="6120" anchor="t">
-            <a:noAutofit/>
-          </a:bodyPr>
-          <a:p>
-            <a:endParaRPr b="0" lang="en-CA" sz="1800" spc="-1" strike="noStrike">
-              <a:solidFill>
-                <a:srgbClr val="ffffff"/>
-              </a:solidFill>
-              <a:latin typeface="Arial"/>
-            </a:endParaRPr>
-          </a:p>
-        </p:txBody>
-      </p:sp>
-      <p:sp>
-        <p:nvSpPr>
-          <p:cNvPr id="186" name=""/>
+      </p:sp>
+      <p:sp>
+        <p:nvSpPr>
+          <p:cNvPr id="190" name=""/>
           <p:cNvSpPr/>
           <p:nvPr/>
         </p:nvSpPr>
@@ -11458,23 +11537,10 @@
           <a:effectRef idx="0"/>
           <a:fontRef idx="minor"/>
         </p:style>
-        <p:txBody>
-          <a:bodyPr lIns="6120" rIns="6120" tIns="6120" bIns="6120" anchor="t">
-            <a:noAutofit/>
-          </a:bodyPr>
-          <a:p>
-            <a:endParaRPr b="0" lang="en-CA" sz="1800" spc="-1" strike="noStrike">
-              <a:solidFill>
-                <a:srgbClr val="ffffff"/>
-              </a:solidFill>
-              <a:latin typeface="Arial"/>
-            </a:endParaRPr>
-          </a:p>
-        </p:txBody>
-      </p:sp>
-      <p:sp>
-        <p:nvSpPr>
-          <p:cNvPr id="187" name=""/>
+      </p:sp>
+      <p:sp>
+        <p:nvSpPr>
+          <p:cNvPr id="191" name=""/>
           <p:cNvSpPr/>
           <p:nvPr/>
         </p:nvSpPr>
@@ -11526,7 +11592,9 @@
             <a:noAutofit/>
           </a:bodyPr>
           <a:p>
-            <a:pPr algn="ctr"/>
+            <a:pPr algn="ctr">
+              <a:buNone/>
+            </a:pPr>
             <a:r>
               <a:rPr b="1" lang="en-CA" sz="1500" spc="-1" strike="noStrike">
                 <a:solidFill>
@@ -11534,20 +11602,26 @@
                 </a:solidFill>
                 <a:latin typeface="Arial"/>
               </a:rPr>
-              <a:t>putamen</a:t>
+              <a:t>puta</a:t>
+            </a:r>
+            <a:r>
+              <a:rPr b="1" lang="en-CA" sz="1500" spc="-1" strike="noStrike">
+                <a:solidFill>
+                  <a:srgbClr val="80ae80"/>
+                </a:solidFill>
+                <a:latin typeface="Arial"/>
+              </a:rPr>
+              <a:t>men</a:t>
             </a:r>
             <a:endParaRPr b="0" lang="en-CA" sz="1500" spc="-1" strike="noStrike">
-              <a:solidFill>
-                <a:srgbClr val="000000"/>
-              </a:solidFill>
-              <a:latin typeface="Arial"/>
-            </a:endParaRPr>
-          </a:p>
-        </p:txBody>
-      </p:sp>
-      <p:sp>
-        <p:nvSpPr>
-          <p:cNvPr id="188" name=""/>
+              <a:latin typeface="Arial"/>
+            </a:endParaRPr>
+          </a:p>
+        </p:txBody>
+      </p:sp>
+      <p:sp>
+        <p:nvSpPr>
+          <p:cNvPr id="192" name=""/>
           <p:cNvSpPr/>
           <p:nvPr/>
         </p:nvSpPr>
@@ -11573,46 +11647,10 @@
           <a:effectRef idx="0"/>
           <a:fontRef idx="minor"/>
         </p:style>
-        <p:txBody>
-          <a:bodyPr lIns="6120" rIns="6120" tIns="6120" bIns="6120" anchor="t">
-            <a:noAutofit/>
-          </a:bodyPr>
-          <a:p>
-            <a:endParaRPr b="0" lang="en-CA" sz="1800" spc="-1" strike="noStrike">
-              <a:solidFill>
-                <a:srgbClr val="ffffff"/>
-              </a:solidFill>
-              <a:latin typeface="Arial"/>
-            </a:endParaRPr>
-          </a:p>
-        </p:txBody>
-      </p:sp>
-      <p:pic>
-        <p:nvPicPr>
-          <p:cNvPr id="189" name="" descr=""/>
-          <p:cNvPicPr/>
-          <p:nvPr/>
-        </p:nvPicPr>
-        <p:blipFill>
-          <a:blip r:embed="rId1"/>
-          <a:stretch/>
-        </p:blipFill>
-        <p:spPr>
-          <a:xfrm>
-            <a:off x="375840" y="1724760"/>
-            <a:ext cx="1906920" cy="3410280"/>
-          </a:xfrm>
-          <a:prstGeom prst="rect">
-            <a:avLst/>
-          </a:prstGeom>
-          <a:ln w="0">
-            <a:noFill/>
-          </a:ln>
-        </p:spPr>
-      </p:pic>
-      <p:sp>
-        <p:nvSpPr>
-          <p:cNvPr id="190" name=""/>
+      </p:sp>
+      <p:sp>
+        <p:nvSpPr>
+          <p:cNvPr id="193" name=""/>
           <p:cNvSpPr/>
           <p:nvPr/>
         </p:nvSpPr>
@@ -11664,7 +11702,9 @@
             <a:noAutofit/>
           </a:bodyPr>
           <a:p>
-            <a:pPr algn="ctr"/>
+            <a:pPr algn="ctr">
+              <a:buNone/>
+            </a:pPr>
             <a:r>
               <a:rPr b="1" lang="en-CA" sz="1500" spc="-1" strike="noStrike">
                 <a:solidFill>
@@ -11675,17 +11715,14 @@
               <a:t>GPi</a:t>
             </a:r>
             <a:endParaRPr b="0" lang="en-CA" sz="1500" spc="-1" strike="noStrike">
-              <a:solidFill>
-                <a:srgbClr val="000000"/>
-              </a:solidFill>
-              <a:latin typeface="Arial"/>
-            </a:endParaRPr>
-          </a:p>
-        </p:txBody>
-      </p:sp>
-      <p:sp>
-        <p:nvSpPr>
-          <p:cNvPr id="191" name=""/>
+              <a:latin typeface="Arial"/>
+            </a:endParaRPr>
+          </a:p>
+        </p:txBody>
+      </p:sp>
+      <p:sp>
+        <p:nvSpPr>
+          <p:cNvPr id="194" name=""/>
           <p:cNvSpPr/>
           <p:nvPr/>
         </p:nvSpPr>
@@ -11737,7 +11774,9 @@
             <a:noAutofit/>
           </a:bodyPr>
           <a:p>
-            <a:pPr algn="ctr"/>
+            <a:pPr algn="ctr">
+              <a:buNone/>
+            </a:pPr>
             <a:r>
               <a:rPr b="1" lang="en-CA" sz="1500" spc="-1" strike="noStrike">
                 <a:solidFill>
@@ -11748,14 +11787,34 @@
               <a:t>GPe</a:t>
             </a:r>
             <a:endParaRPr b="0" lang="en-CA" sz="1500" spc="-1" strike="noStrike">
-              <a:solidFill>
-                <a:srgbClr val="000000"/>
-              </a:solidFill>
-              <a:latin typeface="Arial"/>
-            </a:endParaRPr>
-          </a:p>
-        </p:txBody>
-      </p:sp>
+              <a:latin typeface="Arial"/>
+            </a:endParaRPr>
+          </a:p>
+        </p:txBody>
+      </p:sp>
+      <p:pic>
+        <p:nvPicPr>
+          <p:cNvPr id="195" name="" descr=""/>
+          <p:cNvPicPr/>
+          <p:nvPr/>
+        </p:nvPicPr>
+        <p:blipFill>
+          <a:blip r:embed="rId1"/>
+          <a:stretch/>
+        </p:blipFill>
+        <p:spPr>
+          <a:xfrm>
+            <a:off x="340560" y="1724040"/>
+            <a:ext cx="1906920" cy="3410280"/>
+          </a:xfrm>
+          <a:prstGeom prst="rect">
+            <a:avLst/>
+          </a:prstGeom>
+          <a:ln w="0">
+            <a:noFill/>
+          </a:ln>
+        </p:spPr>
+      </p:pic>
     </p:spTree>
   </p:cSld>
   <mc:AlternateContent>
@@ -11788,7 +11847,7 @@
       </p:grpSpPr>
       <p:sp>
         <p:nvSpPr>
-          <p:cNvPr id="192" name="PlaceHolder 1"/>
+          <p:cNvPr id="196" name="PlaceHolder 1"/>
           <p:cNvSpPr>
             <a:spLocks noGrp="1"/>
           </p:cNvSpPr>
@@ -11814,32 +11873,88 @@
             <a:noAutofit/>
           </a:bodyPr>
           <a:p>
-            <a:pPr indent="0" algn="ctr">
+            <a:pPr algn="ctr">
               <a:buNone/>
             </a:pPr>
             <a:r>
               <a:rPr b="0" lang="en-CA" sz="4400" spc="-1" strike="noStrike">
-                <a:solidFill>
-                  <a:srgbClr val="ffffff"/>
-                </a:solidFill>
                 <a:latin typeface="Arial"/>
                 <a:ea typeface="Noto Sans CJK SC"/>
               </a:rPr>
-              <a:t>Left Brain</a:t>
+              <a:t>L</a:t>
             </a:r>
             <a:r>
               <a:rPr b="0" lang="en-CA" sz="4400" spc="-1" strike="noStrike">
-                <a:solidFill>
-                  <a:srgbClr val="ffffff"/>
-                </a:solidFill>
-                <a:latin typeface="Arial"/>
-              </a:rPr>
-              <a:t>: Level 2</a:t>
+                <a:latin typeface="Arial"/>
+                <a:ea typeface="Noto Sans CJK SC"/>
+              </a:rPr>
+              <a:t>ef</a:t>
+            </a:r>
+            <a:r>
+              <a:rPr b="0" lang="en-CA" sz="4400" spc="-1" strike="noStrike">
+                <a:latin typeface="Arial"/>
+                <a:ea typeface="Noto Sans CJK SC"/>
+              </a:rPr>
+              <a:t>t </a:t>
+            </a:r>
+            <a:r>
+              <a:rPr b="0" lang="en-CA" sz="4400" spc="-1" strike="noStrike">
+                <a:latin typeface="Arial"/>
+                <a:ea typeface="Noto Sans CJK SC"/>
+              </a:rPr>
+              <a:t>B</a:t>
+            </a:r>
+            <a:r>
+              <a:rPr b="0" lang="en-CA" sz="4400" spc="-1" strike="noStrike">
+                <a:latin typeface="Arial"/>
+                <a:ea typeface="Noto Sans CJK SC"/>
+              </a:rPr>
+              <a:t>ra</a:t>
+            </a:r>
+            <a:r>
+              <a:rPr b="0" lang="en-CA" sz="4400" spc="-1" strike="noStrike">
+                <a:latin typeface="Arial"/>
+                <a:ea typeface="Noto Sans CJK SC"/>
+              </a:rPr>
+              <a:t>in</a:t>
+            </a:r>
+            <a:r>
+              <a:rPr b="0" lang="en-CA" sz="4400" spc="-1" strike="noStrike">
+                <a:latin typeface="Arial"/>
+              </a:rPr>
+              <a:t>: </a:t>
+            </a:r>
+            <a:r>
+              <a:rPr b="0" lang="en-CA" sz="4400" spc="-1" strike="noStrike">
+                <a:latin typeface="Arial"/>
+              </a:rPr>
+              <a:t>L</a:t>
+            </a:r>
+            <a:r>
+              <a:rPr b="0" lang="en-CA" sz="4400" spc="-1" strike="noStrike">
+                <a:latin typeface="Arial"/>
+              </a:rPr>
+              <a:t>e</a:t>
+            </a:r>
+            <a:r>
+              <a:rPr b="0" lang="en-CA" sz="4400" spc="-1" strike="noStrike">
+                <a:latin typeface="Arial"/>
+              </a:rPr>
+              <a:t>v</a:t>
+            </a:r>
+            <a:r>
+              <a:rPr b="0" lang="en-CA" sz="4400" spc="-1" strike="noStrike">
+                <a:latin typeface="Arial"/>
+              </a:rPr>
+              <a:t>el </a:t>
+            </a:r>
+            <a:r>
+              <a:rPr b="0" lang="en-CA" sz="4400" spc="-1" strike="noStrike">
+                <a:latin typeface="Arial"/>
+              </a:rPr>
+              <a:t>2</a:t>
             </a:r>
             <a:endParaRPr b="0" lang="en-CA" sz="4400" spc="-1" strike="noStrike">
-              <a:solidFill>
-                <a:srgbClr val="ffffff"/>
-              </a:solidFill>
               <a:latin typeface="Arial"/>
             </a:endParaRPr>
           </a:p>
@@ -11847,7 +11962,7 @@
       </p:sp>
       <p:pic>
         <p:nvPicPr>
-          <p:cNvPr id="193" name="" descr=""/>
+          <p:cNvPr id="197" name="" descr=""/>
           <p:cNvPicPr/>
           <p:nvPr/>
         </p:nvPicPr>
@@ -11857,7 +11972,7 @@
         </p:blipFill>
         <p:spPr>
           <a:xfrm>
-            <a:off x="376200" y="1725120"/>
+            <a:off x="340200" y="1724040"/>
             <a:ext cx="1906920" cy="3410280"/>
           </a:xfrm>
           <a:prstGeom prst="rect">
@@ -11900,7 +12015,7 @@
       </p:grpSpPr>
       <p:sp>
         <p:nvSpPr>
-          <p:cNvPr id="194" name="PlaceHolder 1"/>
+          <p:cNvPr id="198" name="PlaceHolder 1"/>
           <p:cNvSpPr>
             <a:spLocks noGrp="1"/>
           </p:cNvSpPr>
@@ -11926,32 +12041,88 @@
             <a:noAutofit/>
           </a:bodyPr>
           <a:p>
-            <a:pPr indent="0" algn="ctr">
+            <a:pPr algn="ctr">
               <a:buNone/>
             </a:pPr>
             <a:r>
               <a:rPr b="0" lang="en-CA" sz="4400" spc="-1" strike="noStrike">
-                <a:solidFill>
-                  <a:srgbClr val="ffffff"/>
-                </a:solidFill>
                 <a:latin typeface="Arial"/>
                 <a:ea typeface="Noto Sans CJK SC"/>
               </a:rPr>
-              <a:t>Left Brain</a:t>
+              <a:t>L</a:t>
             </a:r>
             <a:r>
               <a:rPr b="0" lang="en-CA" sz="4400" spc="-1" strike="noStrike">
-                <a:solidFill>
-                  <a:srgbClr val="ffffff"/>
-                </a:solidFill>
-                <a:latin typeface="Arial"/>
-              </a:rPr>
-              <a:t>: Level 3</a:t>
+                <a:latin typeface="Arial"/>
+                <a:ea typeface="Noto Sans CJK SC"/>
+              </a:rPr>
+              <a:t>ef</a:t>
+            </a:r>
+            <a:r>
+              <a:rPr b="0" lang="en-CA" sz="4400" spc="-1" strike="noStrike">
+                <a:latin typeface="Arial"/>
+                <a:ea typeface="Noto Sans CJK SC"/>
+              </a:rPr>
+              <a:t>t </a:t>
+            </a:r>
+            <a:r>
+              <a:rPr b="0" lang="en-CA" sz="4400" spc="-1" strike="noStrike">
+                <a:latin typeface="Arial"/>
+                <a:ea typeface="Noto Sans CJK SC"/>
+              </a:rPr>
+              <a:t>B</a:t>
+            </a:r>
+            <a:r>
+              <a:rPr b="0" lang="en-CA" sz="4400" spc="-1" strike="noStrike">
+                <a:latin typeface="Arial"/>
+                <a:ea typeface="Noto Sans CJK SC"/>
+              </a:rPr>
+              <a:t>ra</a:t>
+            </a:r>
+            <a:r>
+              <a:rPr b="0" lang="en-CA" sz="4400" spc="-1" strike="noStrike">
+                <a:latin typeface="Arial"/>
+                <a:ea typeface="Noto Sans CJK SC"/>
+              </a:rPr>
+              <a:t>in</a:t>
+            </a:r>
+            <a:r>
+              <a:rPr b="0" lang="en-CA" sz="4400" spc="-1" strike="noStrike">
+                <a:latin typeface="Arial"/>
+              </a:rPr>
+              <a:t>: </a:t>
+            </a:r>
+            <a:r>
+              <a:rPr b="0" lang="en-CA" sz="4400" spc="-1" strike="noStrike">
+                <a:latin typeface="Arial"/>
+              </a:rPr>
+              <a:t>L</a:t>
+            </a:r>
+            <a:r>
+              <a:rPr b="0" lang="en-CA" sz="4400" spc="-1" strike="noStrike">
+                <a:latin typeface="Arial"/>
+              </a:rPr>
+              <a:t>e</a:t>
+            </a:r>
+            <a:r>
+              <a:rPr b="0" lang="en-CA" sz="4400" spc="-1" strike="noStrike">
+                <a:latin typeface="Arial"/>
+              </a:rPr>
+              <a:t>v</a:t>
+            </a:r>
+            <a:r>
+              <a:rPr b="0" lang="en-CA" sz="4400" spc="-1" strike="noStrike">
+                <a:latin typeface="Arial"/>
+              </a:rPr>
+              <a:t>el </a:t>
+            </a:r>
+            <a:r>
+              <a:rPr b="0" lang="en-CA" sz="4400" spc="-1" strike="noStrike">
+                <a:latin typeface="Arial"/>
+              </a:rPr>
+              <a:t>3</a:t>
             </a:r>
             <a:endParaRPr b="0" lang="en-CA" sz="4400" spc="-1" strike="noStrike">
-              <a:solidFill>
-                <a:srgbClr val="ffffff"/>
-              </a:solidFill>
               <a:latin typeface="Arial"/>
             </a:endParaRPr>
           </a:p>
@@ -11959,7 +12130,7 @@
       </p:sp>
       <p:pic>
         <p:nvPicPr>
-          <p:cNvPr id="195" name="" descr=""/>
+          <p:cNvPr id="199" name="" descr=""/>
           <p:cNvPicPr/>
           <p:nvPr/>
         </p:nvPicPr>
@@ -11969,7 +12140,7 @@
         </p:blipFill>
         <p:spPr>
           <a:xfrm>
-            <a:off x="376200" y="1725120"/>
+            <a:off x="340560" y="1724040"/>
             <a:ext cx="1906920" cy="3410280"/>
           </a:xfrm>
           <a:prstGeom prst="rect">
@@ -12012,7 +12183,7 @@
       </p:grpSpPr>
       <p:sp>
         <p:nvSpPr>
-          <p:cNvPr id="196" name="PlaceHolder 1"/>
+          <p:cNvPr id="200" name="PlaceHolder 1"/>
           <p:cNvSpPr>
             <a:spLocks noGrp="1"/>
           </p:cNvSpPr>
@@ -12038,14 +12209,11 @@
             <a:noAutofit/>
           </a:bodyPr>
           <a:p>
-            <a:pPr indent="0" algn="ctr">
+            <a:pPr algn="ctr">
               <a:buNone/>
             </a:pPr>
             <a:r>
               <a:rPr b="0" lang="en-CA" sz="4400" spc="-1" strike="noStrike">
-                <a:solidFill>
-                  <a:srgbClr val="ffffff"/>
-                </a:solidFill>
                 <a:latin typeface="Arial"/>
                 <a:ea typeface="Noto Sans CJK SC"/>
               </a:rPr>
@@ -12053,17 +12221,11 @@
             </a:r>
             <a:r>
               <a:rPr b="0" lang="en-CA" sz="4400" spc="-1" strike="noStrike">
-                <a:solidFill>
-                  <a:srgbClr val="ffffff"/>
-                </a:solidFill>
                 <a:latin typeface="Arial"/>
               </a:rPr>
               <a:t>: Level 4</a:t>
             </a:r>
             <a:endParaRPr b="0" lang="en-CA" sz="4400" spc="-1" strike="noStrike">
-              <a:solidFill>
-                <a:srgbClr val="ffffff"/>
-              </a:solidFill>
               <a:latin typeface="Arial"/>
             </a:endParaRPr>
           </a:p>
@@ -12071,7 +12233,7 @@
       </p:sp>
       <p:pic>
         <p:nvPicPr>
-          <p:cNvPr id="197" name="" descr=""/>
+          <p:cNvPr id="201" name="" descr=""/>
           <p:cNvPicPr/>
           <p:nvPr/>
         </p:nvPicPr>
@@ -12081,7 +12243,7 @@
         </p:blipFill>
         <p:spPr>
           <a:xfrm>
-            <a:off x="376200" y="1725120"/>
+            <a:off x="340560" y="1724040"/>
             <a:ext cx="1906920" cy="3410280"/>
           </a:xfrm>
           <a:prstGeom prst="rect">
@@ -12124,7 +12286,7 @@
       </p:grpSpPr>
       <p:sp>
         <p:nvSpPr>
-          <p:cNvPr id="198" name="PlaceHolder 1"/>
+          <p:cNvPr id="202" name="PlaceHolder 1"/>
           <p:cNvSpPr>
             <a:spLocks noGrp="1"/>
           </p:cNvSpPr>
@@ -12150,14 +12312,11 @@
             <a:noAutofit/>
           </a:bodyPr>
           <a:p>
-            <a:pPr indent="0" algn="ctr">
+            <a:pPr algn="ctr">
               <a:buNone/>
             </a:pPr>
             <a:r>
               <a:rPr b="0" lang="en-CA" sz="4400" spc="-1" strike="noStrike">
-                <a:solidFill>
-                  <a:srgbClr val="ffffff"/>
-                </a:solidFill>
                 <a:latin typeface="Arial"/>
                 <a:ea typeface="Noto Sans CJK SC"/>
               </a:rPr>
@@ -12165,17 +12324,11 @@
             </a:r>
             <a:r>
               <a:rPr b="0" lang="en-CA" sz="4400" spc="-1" strike="noStrike">
-                <a:solidFill>
-                  <a:srgbClr val="ffffff"/>
-                </a:solidFill>
                 <a:latin typeface="Arial"/>
               </a:rPr>
               <a:t>: Level 1</a:t>
             </a:r>
             <a:endParaRPr b="0" lang="en-CA" sz="4400" spc="-1" strike="noStrike">
-              <a:solidFill>
-                <a:srgbClr val="ffffff"/>
-              </a:solidFill>
               <a:latin typeface="Arial"/>
             </a:endParaRPr>
           </a:p>
@@ -12183,7 +12336,7 @@
       </p:sp>
       <p:pic>
         <p:nvPicPr>
-          <p:cNvPr id="199" name="" descr=""/>
+          <p:cNvPr id="203" name="" descr=""/>
           <p:cNvPicPr/>
           <p:nvPr/>
         </p:nvPicPr>
@@ -12193,7 +12346,7 @@
         </p:blipFill>
         <p:spPr>
           <a:xfrm>
-            <a:off x="375840" y="1724760"/>
+            <a:off x="339840" y="1724040"/>
             <a:ext cx="1906920" cy="3410280"/>
           </a:xfrm>
           <a:prstGeom prst="rect">
@@ -12236,7 +12389,7 @@
       </p:grpSpPr>
       <p:sp>
         <p:nvSpPr>
-          <p:cNvPr id="200" name="PlaceHolder 1"/>
+          <p:cNvPr id="204" name="PlaceHolder 1"/>
           <p:cNvSpPr>
             <a:spLocks noGrp="1"/>
           </p:cNvSpPr>
@@ -12262,14 +12415,11 @@
             <a:noAutofit/>
           </a:bodyPr>
           <a:p>
-            <a:pPr indent="0" algn="ctr">
+            <a:pPr algn="ctr">
               <a:buNone/>
             </a:pPr>
             <a:r>
               <a:rPr b="0" lang="en-CA" sz="4400" spc="-1" strike="noStrike">
-                <a:solidFill>
-                  <a:srgbClr val="ffffff"/>
-                </a:solidFill>
                 <a:latin typeface="Arial"/>
                 <a:ea typeface="Noto Sans CJK SC"/>
               </a:rPr>
@@ -12277,17 +12427,11 @@
             </a:r>
             <a:r>
               <a:rPr b="0" lang="en-CA" sz="4400" spc="-1" strike="noStrike">
-                <a:solidFill>
-                  <a:srgbClr val="ffffff"/>
-                </a:solidFill>
                 <a:latin typeface="Arial"/>
               </a:rPr>
               <a:t>: Level 2</a:t>
             </a:r>
             <a:endParaRPr b="0" lang="en-CA" sz="4400" spc="-1" strike="noStrike">
-              <a:solidFill>
-                <a:srgbClr val="ffffff"/>
-              </a:solidFill>
               <a:latin typeface="Arial"/>
             </a:endParaRPr>
           </a:p>
@@ -12295,7 +12439,7 @@
       </p:sp>
       <p:pic>
         <p:nvPicPr>
-          <p:cNvPr id="201" name="" descr=""/>
+          <p:cNvPr id="205" name="" descr=""/>
           <p:cNvPicPr/>
           <p:nvPr/>
         </p:nvPicPr>
@@ -12305,7 +12449,7 @@
         </p:blipFill>
         <p:spPr>
           <a:xfrm>
-            <a:off x="375840" y="1724760"/>
+            <a:off x="340200" y="1724040"/>
             <a:ext cx="1906920" cy="3410280"/>
           </a:xfrm>
           <a:prstGeom prst="rect">
@@ -12330,105 +12474,225 @@
 </file>
 
 <file path=ppt/theme/theme1.xml><?xml version="1.0" encoding="utf-8"?>
-<a:theme xmlns:a="http://schemas.openxmlformats.org/drawingml/2006/main" xmlns:r="http://schemas.openxmlformats.org/officeDocument/2006/relationships" name="Office Theme">
+<a:theme xmlns:a="http://schemas.openxmlformats.org/drawingml/2006/main" name="Office Theme">
   <a:themeElements>
-    <a:clrScheme name="LibreOffice">
+    <a:clrScheme name="Office">
       <a:dk1>
-        <a:srgbClr val="000000"/>
+        <a:sysClr val="windowText" lastClr="000000"/>
       </a:dk1>
       <a:lt1>
-        <a:srgbClr val="ffffff"/>
+        <a:sysClr val="window" lastClr="FFFFFF"/>
       </a:lt1>
       <a:dk2>
-        <a:srgbClr val="000000"/>
+        <a:srgbClr val="1f497d"/>
       </a:dk2>
       <a:lt2>
-        <a:srgbClr val="ffffff"/>
+        <a:srgbClr val="eeece1"/>
       </a:lt2>
       <a:accent1>
-        <a:srgbClr val="18a303"/>
+        <a:srgbClr val="4f81bd"/>
       </a:accent1>
       <a:accent2>
-        <a:srgbClr val="0369a3"/>
+        <a:srgbClr val="c0504d"/>
       </a:accent2>
       <a:accent3>
-        <a:srgbClr val="a33e03"/>
+        <a:srgbClr val="9bbb59"/>
       </a:accent3>
       <a:accent4>
-        <a:srgbClr val="8e03a3"/>
+        <a:srgbClr val="8064a2"/>
       </a:accent4>
       <a:accent5>
-        <a:srgbClr val="c99c00"/>
+        <a:srgbClr val="4bacc6"/>
       </a:accent5>
       <a:accent6>
-        <a:srgbClr val="c9211e"/>
+        <a:srgbClr val="f79646"/>
       </a:accent6>
       <a:hlink>
-        <a:srgbClr val="0000ee"/>
+        <a:srgbClr val="0000ff"/>
       </a:hlink>
       <a:folHlink>
-        <a:srgbClr val="551a8b"/>
+        <a:srgbClr val="800080"/>
       </a:folHlink>
     </a:clrScheme>
     <a:fontScheme name="Office">
       <a:majorFont>
-        <a:latin typeface="Arial" pitchFamily="0" charset="1"/>
-        <a:ea typeface="DejaVu Sans" pitchFamily="0" charset="1"/>
-        <a:cs typeface="DejaVu Sans" pitchFamily="0" charset="1"/>
+        <a:latin typeface="Arial"/>
+        <a:ea typeface="DejaVu Sans"/>
+        <a:cs typeface="DejaVu Sans"/>
       </a:majorFont>
       <a:minorFont>
-        <a:latin typeface="Arial" pitchFamily="0" charset="1"/>
-        <a:ea typeface="DejaVu Sans" pitchFamily="0" charset="1"/>
-        <a:cs typeface="DejaVu Sans" pitchFamily="0" charset="1"/>
+        <a:latin typeface="Arial"/>
+        <a:ea typeface="DejaVu Sans"/>
+        <a:cs typeface="DejaVu Sans"/>
       </a:minorFont>
     </a:fontScheme>
-    <a:fmtScheme>
+    <a:fmtScheme name="Office">
       <a:fillStyleLst>
         <a:solidFill>
           <a:schemeClr val="phClr"/>
         </a:solidFill>
-        <a:solidFill>
-          <a:schemeClr val="phClr"/>
-        </a:solidFill>
-        <a:solidFill>
-          <a:schemeClr val="phClr"/>
-        </a:solidFill>
+        <a:gradFill rotWithShape="1">
+          <a:gsLst>
+            <a:gs pos="0">
+              <a:schemeClr val="phClr">
+                <a:tint val="50000"/>
+                <a:satMod val="300000"/>
+              </a:schemeClr>
+            </a:gs>
+            <a:gs pos="35000">
+              <a:schemeClr val="phClr">
+                <a:tint val="37000"/>
+                <a:satMod val="300000"/>
+              </a:schemeClr>
+            </a:gs>
+            <a:gs pos="100000">
+              <a:schemeClr val="phClr">
+                <a:tint val="15000"/>
+                <a:satMod val="350000"/>
+              </a:schemeClr>
+            </a:gs>
+          </a:gsLst>
+          <a:lin ang="16200000" scaled="1"/>
+        </a:gradFill>
+        <a:gradFill rotWithShape="1">
+          <a:gsLst>
+            <a:gs pos="0">
+              <a:schemeClr val="phClr">
+                <a:shade val="51000"/>
+                <a:satMod val="130000"/>
+              </a:schemeClr>
+            </a:gs>
+            <a:gs pos="80000">
+              <a:schemeClr val="phClr">
+                <a:shade val="93000"/>
+                <a:satMod val="130000"/>
+              </a:schemeClr>
+            </a:gs>
+            <a:gs pos="100000">
+              <a:schemeClr val="phClr">
+                <a:shade val="94000"/>
+                <a:satMod val="135000"/>
+              </a:schemeClr>
+            </a:gs>
+          </a:gsLst>
+          <a:lin ang="16200000" scaled="0"/>
+        </a:gradFill>
       </a:fillStyleLst>
       <a:lnStyleLst>
-        <a:ln w="6350" cap="flat" cmpd="sng" algn="ctr">
+        <a:ln w="9525" cap="flat" cmpd="sng" algn="ctr">
+          <a:solidFill>
+            <a:schemeClr val="phClr">
+              <a:shade val="95000"/>
+              <a:satMod val="105000"/>
+            </a:schemeClr>
+          </a:solidFill>
           <a:prstDash val="solid"/>
           <a:miter/>
         </a:ln>
-        <a:ln w="6350" cap="flat" cmpd="sng" algn="ctr">
+        <a:ln w="25400" cap="flat" cmpd="sng" algn="ctr">
+          <a:solidFill>
+            <a:schemeClr val="phClr"/>
+          </a:solidFill>
           <a:prstDash val="solid"/>
           <a:miter/>
         </a:ln>
-        <a:ln w="6350" cap="flat" cmpd="sng" algn="ctr">
+        <a:ln w="38100" cap="flat" cmpd="sng" algn="ctr">
+          <a:solidFill>
+            <a:schemeClr val="phClr"/>
+          </a:solidFill>
           <a:prstDash val="solid"/>
           <a:miter/>
         </a:ln>
       </a:lnStyleLst>
       <a:effectStyleLst>
         <a:effectStyle>
-          <a:effectLst/>
+          <a:effectLst>
+            <a:outerShdw blurRad="40000" dist="20000" dir="5400000" rotWithShape="0">
+              <a:srgbClr val="000000">
+                <a:alpha val="38000"/>
+              </a:srgbClr>
+            </a:outerShdw>
+          </a:effectLst>
         </a:effectStyle>
         <a:effectStyle>
-          <a:effectLst/>
+          <a:effectLst>
+            <a:outerShdw blurRad="40000" dist="23000" dir="5400000" rotWithShape="0">
+              <a:srgbClr val="000000">
+                <a:alpha val="35000"/>
+              </a:srgbClr>
+            </a:outerShdw>
+          </a:effectLst>
         </a:effectStyle>
         <a:effectStyle>
-          <a:effectLst/>
+          <a:effectLst>
+            <a:outerShdw blurRad="40000" dist="23000" dir="5400000" rotWithShape="0">
+              <a:srgbClr val="000000">
+                <a:alpha val="35000"/>
+              </a:srgbClr>
+            </a:outerShdw>
+          </a:effectLst>
+          <a:scene3d>
+            <a:camera prst="orthographicFront">
+              <a:rot lat="0" lon="0" rev="0"/>
+            </a:camera>
+            <a:lightRig rig="threePt" dir="t">
+              <a:rot lat="0" lon="0" rev="1200000"/>
+            </a:lightRig>
+          </a:scene3d>
+          <a:sp3d>
+            <a:bevelT w="63500" h="25400"/>
+          </a:sp3d>
         </a:effectStyle>
       </a:effectStyleLst>
       <a:bgFillStyleLst>
         <a:solidFill>
           <a:schemeClr val="phClr"/>
         </a:solidFill>
-        <a:solidFill>
-          <a:schemeClr val="phClr"/>
-        </a:solidFill>
-        <a:solidFill>
-          <a:schemeClr val="phClr"/>
-        </a:solidFill>
+        <a:gradFill rotWithShape="1">
+          <a:gsLst>
+            <a:gs pos="0">
+              <a:schemeClr val="phClr">
+                <a:tint val="40000"/>
+                <a:satMod val="350000"/>
+              </a:schemeClr>
+            </a:gs>
+            <a:gs pos="40000">
+              <a:schemeClr val="phClr">
+                <a:tint val="45000"/>
+                <a:shade val="99000"/>
+                <a:satMod val="350000"/>
+              </a:schemeClr>
+            </a:gs>
+            <a:gs pos="100000">
+              <a:schemeClr val="phClr">
+                <a:shade val="20000"/>
+                <a:satMod val="255000"/>
+              </a:schemeClr>
+            </a:gs>
+          </a:gsLst>
+          <a:path path="circle">
+            <a:fillToRect l="50000" t="-80000" r="50000" b="180000"/>
+          </a:path>
+        </a:gradFill>
+        <a:gradFill rotWithShape="1">
+          <a:gsLst>
+            <a:gs pos="0">
+              <a:schemeClr val="phClr">
+                <a:tint val="80000"/>
+                <a:satMod val="300000"/>
+              </a:schemeClr>
+            </a:gs>
+            <a:gs pos="100000">
+              <a:schemeClr val="phClr">
+                <a:shade val="30000"/>
+                <a:satMod val="200000"/>
+              </a:schemeClr>
+            </a:gs>
+          </a:gsLst>
+          <a:path path="circle">
+            <a:fillToRect l="50000" t="50000" r="50000" b="50000"/>
+          </a:path>
+        </a:gradFill>
       </a:bgFillStyleLst>
     </a:fmtScheme>
   </a:themeElements>
@@ -12436,105 +12700,225 @@
 </file>
 
 <file path=ppt/theme/theme2.xml><?xml version="1.0" encoding="utf-8"?>
-<a:theme xmlns:a="http://schemas.openxmlformats.org/drawingml/2006/main" xmlns:r="http://schemas.openxmlformats.org/officeDocument/2006/relationships" name="Office Theme">
+<a:theme xmlns:a="http://schemas.openxmlformats.org/drawingml/2006/main" name="Office Theme">
   <a:themeElements>
-    <a:clrScheme name="LibreOffice">
+    <a:clrScheme name="Office">
       <a:dk1>
-        <a:srgbClr val="000000"/>
+        <a:sysClr val="windowText" lastClr="000000"/>
       </a:dk1>
       <a:lt1>
-        <a:srgbClr val="ffffff"/>
+        <a:sysClr val="window" lastClr="FFFFFF"/>
       </a:lt1>
       <a:dk2>
-        <a:srgbClr val="000000"/>
+        <a:srgbClr val="1f497d"/>
       </a:dk2>
       <a:lt2>
-        <a:srgbClr val="ffffff"/>
+        <a:srgbClr val="eeece1"/>
       </a:lt2>
       <a:accent1>
-        <a:srgbClr val="18a303"/>
+        <a:srgbClr val="4f81bd"/>
       </a:accent1>
       <a:accent2>
-        <a:srgbClr val="0369a3"/>
+        <a:srgbClr val="c0504d"/>
       </a:accent2>
       <a:accent3>
-        <a:srgbClr val="a33e03"/>
+        <a:srgbClr val="9bbb59"/>
       </a:accent3>
       <a:accent4>
-        <a:srgbClr val="8e03a3"/>
+        <a:srgbClr val="8064a2"/>
       </a:accent4>
       <a:accent5>
-        <a:srgbClr val="c99c00"/>
+        <a:srgbClr val="4bacc6"/>
       </a:accent5>
       <a:accent6>
-        <a:srgbClr val="c9211e"/>
+        <a:srgbClr val="f79646"/>
       </a:accent6>
       <a:hlink>
-        <a:srgbClr val="0000ee"/>
+        <a:srgbClr val="0000ff"/>
       </a:hlink>
       <a:folHlink>
-        <a:srgbClr val="551a8b"/>
+        <a:srgbClr val="800080"/>
       </a:folHlink>
     </a:clrScheme>
     <a:fontScheme name="Office">
       <a:majorFont>
-        <a:latin typeface="Arial" pitchFamily="0" charset="1"/>
-        <a:ea typeface="DejaVu Sans" pitchFamily="0" charset="1"/>
-        <a:cs typeface="DejaVu Sans" pitchFamily="0" charset="1"/>
+        <a:latin typeface="Arial"/>
+        <a:ea typeface="DejaVu Sans"/>
+        <a:cs typeface="DejaVu Sans"/>
       </a:majorFont>
       <a:minorFont>
-        <a:latin typeface="Arial" pitchFamily="0" charset="1"/>
-        <a:ea typeface="DejaVu Sans" pitchFamily="0" charset="1"/>
-        <a:cs typeface="DejaVu Sans" pitchFamily="0" charset="1"/>
+        <a:latin typeface="Arial"/>
+        <a:ea typeface="DejaVu Sans"/>
+        <a:cs typeface="DejaVu Sans"/>
       </a:minorFont>
     </a:fontScheme>
-    <a:fmtScheme>
+    <a:fmtScheme name="Office">
       <a:fillStyleLst>
         <a:solidFill>
           <a:schemeClr val="phClr"/>
         </a:solidFill>
-        <a:solidFill>
-          <a:schemeClr val="phClr"/>
-        </a:solidFill>
-        <a:solidFill>
-          <a:schemeClr val="phClr"/>
-        </a:solidFill>
+        <a:gradFill rotWithShape="1">
+          <a:gsLst>
+            <a:gs pos="0">
+              <a:schemeClr val="phClr">
+                <a:tint val="50000"/>
+                <a:satMod val="300000"/>
+              </a:schemeClr>
+            </a:gs>
+            <a:gs pos="35000">
+              <a:schemeClr val="phClr">
+                <a:tint val="37000"/>
+                <a:satMod val="300000"/>
+              </a:schemeClr>
+            </a:gs>
+            <a:gs pos="100000">
+              <a:schemeClr val="phClr">
+                <a:tint val="15000"/>
+                <a:satMod val="350000"/>
+              </a:schemeClr>
+            </a:gs>
+          </a:gsLst>
+          <a:lin ang="16200000" scaled="1"/>
+        </a:gradFill>
+        <a:gradFill rotWithShape="1">
+          <a:gsLst>
+            <a:gs pos="0">
+              <a:schemeClr val="phClr">
+                <a:shade val="51000"/>
+                <a:satMod val="130000"/>
+              </a:schemeClr>
+            </a:gs>
+            <a:gs pos="80000">
+              <a:schemeClr val="phClr">
+                <a:shade val="93000"/>
+                <a:satMod val="130000"/>
+              </a:schemeClr>
+            </a:gs>
+            <a:gs pos="100000">
+              <a:schemeClr val="phClr">
+                <a:shade val="94000"/>
+                <a:satMod val="135000"/>
+              </a:schemeClr>
+            </a:gs>
+          </a:gsLst>
+          <a:lin ang="16200000" scaled="0"/>
+        </a:gradFill>
       </a:fillStyleLst>
       <a:lnStyleLst>
-        <a:ln w="6350" cap="flat" cmpd="sng" algn="ctr">
+        <a:ln w="9525" cap="flat" cmpd="sng" algn="ctr">
+          <a:solidFill>
+            <a:schemeClr val="phClr">
+              <a:shade val="95000"/>
+              <a:satMod val="105000"/>
+            </a:schemeClr>
+          </a:solidFill>
           <a:prstDash val="solid"/>
           <a:miter/>
         </a:ln>
-        <a:ln w="6350" cap="flat" cmpd="sng" algn="ctr">
+        <a:ln w="25400" cap="flat" cmpd="sng" algn="ctr">
+          <a:solidFill>
+            <a:schemeClr val="phClr"/>
+          </a:solidFill>
           <a:prstDash val="solid"/>
           <a:miter/>
         </a:ln>
-        <a:ln w="6350" cap="flat" cmpd="sng" algn="ctr">
+        <a:ln w="38100" cap="flat" cmpd="sng" algn="ctr">
+          <a:solidFill>
+            <a:schemeClr val="phClr"/>
+          </a:solidFill>
           <a:prstDash val="solid"/>
           <a:miter/>
         </a:ln>
       </a:lnStyleLst>
       <a:effectStyleLst>
         <a:effectStyle>
-          <a:effectLst/>
+          <a:effectLst>
+            <a:outerShdw blurRad="40000" dist="20000" dir="5400000" rotWithShape="0">
+              <a:srgbClr val="000000">
+                <a:alpha val="38000"/>
+              </a:srgbClr>
+            </a:outerShdw>
+          </a:effectLst>
         </a:effectStyle>
         <a:effectStyle>
-          <a:effectLst/>
+          <a:effectLst>
+            <a:outerShdw blurRad="40000" dist="23000" dir="5400000" rotWithShape="0">
+              <a:srgbClr val="000000">
+                <a:alpha val="35000"/>
+              </a:srgbClr>
+            </a:outerShdw>
+          </a:effectLst>
         </a:effectStyle>
         <a:effectStyle>
-          <a:effectLst/>
+          <a:effectLst>
+            <a:outerShdw blurRad="40000" dist="23000" dir="5400000" rotWithShape="0">
+              <a:srgbClr val="000000">
+                <a:alpha val="35000"/>
+              </a:srgbClr>
+            </a:outerShdw>
+          </a:effectLst>
+          <a:scene3d>
+            <a:camera prst="orthographicFront">
+              <a:rot lat="0" lon="0" rev="0"/>
+            </a:camera>
+            <a:lightRig rig="threePt" dir="t">
+              <a:rot lat="0" lon="0" rev="1200000"/>
+            </a:lightRig>
+          </a:scene3d>
+          <a:sp3d>
+            <a:bevelT w="63500" h="25400"/>
+          </a:sp3d>
         </a:effectStyle>
       </a:effectStyleLst>
       <a:bgFillStyleLst>
         <a:solidFill>
           <a:schemeClr val="phClr"/>
         </a:solidFill>
-        <a:solidFill>
-          <a:schemeClr val="phClr"/>
-        </a:solidFill>
-        <a:solidFill>
-          <a:schemeClr val="phClr"/>
-        </a:solidFill>
+        <a:gradFill rotWithShape="1">
+          <a:gsLst>
+            <a:gs pos="0">
+              <a:schemeClr val="phClr">
+                <a:tint val="40000"/>
+                <a:satMod val="350000"/>
+              </a:schemeClr>
+            </a:gs>
+            <a:gs pos="40000">
+              <a:schemeClr val="phClr">
+                <a:tint val="45000"/>
+                <a:shade val="99000"/>
+                <a:satMod val="350000"/>
+              </a:schemeClr>
+            </a:gs>
+            <a:gs pos="100000">
+              <a:schemeClr val="phClr">
+                <a:shade val="20000"/>
+                <a:satMod val="255000"/>
+              </a:schemeClr>
+            </a:gs>
+          </a:gsLst>
+          <a:path path="circle">
+            <a:fillToRect l="50000" t="-80000" r="50000" b="180000"/>
+          </a:path>
+        </a:gradFill>
+        <a:gradFill rotWithShape="1">
+          <a:gsLst>
+            <a:gs pos="0">
+              <a:schemeClr val="phClr">
+                <a:tint val="80000"/>
+                <a:satMod val="300000"/>
+              </a:schemeClr>
+            </a:gs>
+            <a:gs pos="100000">
+              <a:schemeClr val="phClr">
+                <a:shade val="30000"/>
+                <a:satMod val="200000"/>
+              </a:schemeClr>
+            </a:gs>
+          </a:gsLst>
+          <a:path path="circle">
+            <a:fillToRect l="50000" t="50000" r="50000" b="50000"/>
+          </a:path>
+        </a:gradFill>
       </a:bgFillStyleLst>
     </a:fmtScheme>
   </a:themeElements>
@@ -12542,105 +12926,225 @@
 </file>
 
 <file path=ppt/theme/theme3.xml><?xml version="1.0" encoding="utf-8"?>
-<a:theme xmlns:a="http://schemas.openxmlformats.org/drawingml/2006/main" xmlns:r="http://schemas.openxmlformats.org/officeDocument/2006/relationships" name="Office Theme">
+<a:theme xmlns:a="http://schemas.openxmlformats.org/drawingml/2006/main" name="Office Theme">
   <a:themeElements>
-    <a:clrScheme name="LibreOffice">
+    <a:clrScheme name="Office">
       <a:dk1>
-        <a:srgbClr val="000000"/>
+        <a:sysClr val="windowText" lastClr="000000"/>
       </a:dk1>
       <a:lt1>
-        <a:srgbClr val="ffffff"/>
+        <a:sysClr val="window" lastClr="FFFFFF"/>
       </a:lt1>
       <a:dk2>
-        <a:srgbClr val="000000"/>
+        <a:srgbClr val="1f497d"/>
       </a:dk2>
       <a:lt2>
-        <a:srgbClr val="ffffff"/>
+        <a:srgbClr val="eeece1"/>
       </a:lt2>
       <a:accent1>
-        <a:srgbClr val="18a303"/>
+        <a:srgbClr val="4f81bd"/>
       </a:accent1>
       <a:accent2>
-        <a:srgbClr val="0369a3"/>
+        <a:srgbClr val="c0504d"/>
       </a:accent2>
       <a:accent3>
-        <a:srgbClr val="a33e03"/>
+        <a:srgbClr val="9bbb59"/>
       </a:accent3>
       <a:accent4>
-        <a:srgbClr val="8e03a3"/>
+        <a:srgbClr val="8064a2"/>
       </a:accent4>
       <a:accent5>
-        <a:srgbClr val="c99c00"/>
+        <a:srgbClr val="4bacc6"/>
       </a:accent5>
       <a:accent6>
-        <a:srgbClr val="c9211e"/>
+        <a:srgbClr val="f79646"/>
       </a:accent6>
       <a:hlink>
-        <a:srgbClr val="0000ee"/>
+        <a:srgbClr val="0000ff"/>
       </a:hlink>
       <a:folHlink>
-        <a:srgbClr val="551a8b"/>
+        <a:srgbClr val="800080"/>
       </a:folHlink>
     </a:clrScheme>
     <a:fontScheme name="Office">
       <a:majorFont>
-        <a:latin typeface="Arial" pitchFamily="0" charset="1"/>
-        <a:ea typeface="DejaVu Sans" pitchFamily="0" charset="1"/>
-        <a:cs typeface="DejaVu Sans" pitchFamily="0" charset="1"/>
+        <a:latin typeface="Arial"/>
+        <a:ea typeface="DejaVu Sans"/>
+        <a:cs typeface="DejaVu Sans"/>
       </a:majorFont>
       <a:minorFont>
-        <a:latin typeface="Arial" pitchFamily="0" charset="1"/>
-        <a:ea typeface="DejaVu Sans" pitchFamily="0" charset="1"/>
-        <a:cs typeface="DejaVu Sans" pitchFamily="0" charset="1"/>
+        <a:latin typeface="Arial"/>
+        <a:ea typeface="DejaVu Sans"/>
+        <a:cs typeface="DejaVu Sans"/>
       </a:minorFont>
     </a:fontScheme>
-    <a:fmtScheme>
+    <a:fmtScheme name="Office">
       <a:fillStyleLst>
         <a:solidFill>
           <a:schemeClr val="phClr"/>
         </a:solidFill>
-        <a:solidFill>
-          <a:schemeClr val="phClr"/>
-        </a:solidFill>
-        <a:solidFill>
-          <a:schemeClr val="phClr"/>
-        </a:solidFill>
+        <a:gradFill rotWithShape="1">
+          <a:gsLst>
+            <a:gs pos="0">
+              <a:schemeClr val="phClr">
+                <a:tint val="50000"/>
+                <a:satMod val="300000"/>
+              </a:schemeClr>
+            </a:gs>
+            <a:gs pos="35000">
+              <a:schemeClr val="phClr">
+                <a:tint val="37000"/>
+                <a:satMod val="300000"/>
+              </a:schemeClr>
+            </a:gs>
+            <a:gs pos="100000">
+              <a:schemeClr val="phClr">
+                <a:tint val="15000"/>
+                <a:satMod val="350000"/>
+              </a:schemeClr>
+            </a:gs>
+          </a:gsLst>
+          <a:lin ang="16200000" scaled="1"/>
+        </a:gradFill>
+        <a:gradFill rotWithShape="1">
+          <a:gsLst>
+            <a:gs pos="0">
+              <a:schemeClr val="phClr">
+                <a:shade val="51000"/>
+                <a:satMod val="130000"/>
+              </a:schemeClr>
+            </a:gs>
+            <a:gs pos="80000">
+              <a:schemeClr val="phClr">
+                <a:shade val="93000"/>
+                <a:satMod val="130000"/>
+              </a:schemeClr>
+            </a:gs>
+            <a:gs pos="100000">
+              <a:schemeClr val="phClr">
+                <a:shade val="94000"/>
+                <a:satMod val="135000"/>
+              </a:schemeClr>
+            </a:gs>
+          </a:gsLst>
+          <a:lin ang="16200000" scaled="0"/>
+        </a:gradFill>
       </a:fillStyleLst>
       <a:lnStyleLst>
-        <a:ln w="6350" cap="flat" cmpd="sng" algn="ctr">
+        <a:ln w="9525" cap="flat" cmpd="sng" algn="ctr">
+          <a:solidFill>
+            <a:schemeClr val="phClr">
+              <a:shade val="95000"/>
+              <a:satMod val="105000"/>
+            </a:schemeClr>
+          </a:solidFill>
           <a:prstDash val="solid"/>
           <a:miter/>
         </a:ln>
-        <a:ln w="6350" cap="flat" cmpd="sng" algn="ctr">
+        <a:ln w="25400" cap="flat" cmpd="sng" algn="ctr">
+          <a:solidFill>
+            <a:schemeClr val="phClr"/>
+          </a:solidFill>
           <a:prstDash val="solid"/>
           <a:miter/>
         </a:ln>
-        <a:ln w="6350" cap="flat" cmpd="sng" algn="ctr">
+        <a:ln w="38100" cap="flat" cmpd="sng" algn="ctr">
+          <a:solidFill>
+            <a:schemeClr val="phClr"/>
+          </a:solidFill>
           <a:prstDash val="solid"/>
           <a:miter/>
         </a:ln>
       </a:lnStyleLst>
       <a:effectStyleLst>
         <a:effectStyle>
-          <a:effectLst/>
+          <a:effectLst>
+            <a:outerShdw blurRad="40000" dist="20000" dir="5400000" rotWithShape="0">
+              <a:srgbClr val="000000">
+                <a:alpha val="38000"/>
+              </a:srgbClr>
+            </a:outerShdw>
+          </a:effectLst>
         </a:effectStyle>
         <a:effectStyle>
-          <a:effectLst/>
+          <a:effectLst>
+            <a:outerShdw blurRad="40000" dist="23000" dir="5400000" rotWithShape="0">
+              <a:srgbClr val="000000">
+                <a:alpha val="35000"/>
+              </a:srgbClr>
+            </a:outerShdw>
+          </a:effectLst>
         </a:effectStyle>
         <a:effectStyle>
-          <a:effectLst/>
+          <a:effectLst>
+            <a:outerShdw blurRad="40000" dist="23000" dir="5400000" rotWithShape="0">
+              <a:srgbClr val="000000">
+                <a:alpha val="35000"/>
+              </a:srgbClr>
+            </a:outerShdw>
+          </a:effectLst>
+          <a:scene3d>
+            <a:camera prst="orthographicFront">
+              <a:rot lat="0" lon="0" rev="0"/>
+            </a:camera>
+            <a:lightRig rig="threePt" dir="t">
+              <a:rot lat="0" lon="0" rev="1200000"/>
+            </a:lightRig>
+          </a:scene3d>
+          <a:sp3d>
+            <a:bevelT w="63500" h="25400"/>
+          </a:sp3d>
         </a:effectStyle>
       </a:effectStyleLst>
       <a:bgFillStyleLst>
         <a:solidFill>
           <a:schemeClr val="phClr"/>
         </a:solidFill>
-        <a:solidFill>
-          <a:schemeClr val="phClr"/>
-        </a:solidFill>
-        <a:solidFill>
-          <a:schemeClr val="phClr"/>
-        </a:solidFill>
+        <a:gradFill rotWithShape="1">
+          <a:gsLst>
+            <a:gs pos="0">
+              <a:schemeClr val="phClr">
+                <a:tint val="40000"/>
+                <a:satMod val="350000"/>
+              </a:schemeClr>
+            </a:gs>
+            <a:gs pos="40000">
+              <a:schemeClr val="phClr">
+                <a:tint val="45000"/>
+                <a:shade val="99000"/>
+                <a:satMod val="350000"/>
+              </a:schemeClr>
+            </a:gs>
+            <a:gs pos="100000">
+              <a:schemeClr val="phClr">
+                <a:shade val="20000"/>
+                <a:satMod val="255000"/>
+              </a:schemeClr>
+            </a:gs>
+          </a:gsLst>
+          <a:path path="circle">
+            <a:fillToRect l="50000" t="-80000" r="50000" b="180000"/>
+          </a:path>
+        </a:gradFill>
+        <a:gradFill rotWithShape="1">
+          <a:gsLst>
+            <a:gs pos="0">
+              <a:schemeClr val="phClr">
+                <a:tint val="80000"/>
+                <a:satMod val="300000"/>
+              </a:schemeClr>
+            </a:gs>
+            <a:gs pos="100000">
+              <a:schemeClr val="phClr">
+                <a:shade val="30000"/>
+                <a:satMod val="200000"/>
+              </a:schemeClr>
+            </a:gs>
+          </a:gsLst>
+          <a:path path="circle">
+            <a:fillToRect l="50000" t="50000" r="50000" b="50000"/>
+          </a:path>
+        </a:gradFill>
       </a:bgFillStyleLst>
     </a:fmtScheme>
   </a:themeElements>
@@ -12648,105 +13152,225 @@
 </file>
 
 <file path=ppt/theme/theme4.xml><?xml version="1.0" encoding="utf-8"?>
-<a:theme xmlns:a="http://schemas.openxmlformats.org/drawingml/2006/main" xmlns:r="http://schemas.openxmlformats.org/officeDocument/2006/relationships" name="Office Theme">
+<a:theme xmlns:a="http://schemas.openxmlformats.org/drawingml/2006/main" name="Office Theme">
   <a:themeElements>
-    <a:clrScheme name="LibreOffice">
+    <a:clrScheme name="Office">
       <a:dk1>
-        <a:srgbClr val="000000"/>
+        <a:sysClr val="windowText" lastClr="000000"/>
       </a:dk1>
       <a:lt1>
-        <a:srgbClr val="ffffff"/>
+        <a:sysClr val="window" lastClr="FFFFFF"/>
       </a:lt1>
       <a:dk2>
-        <a:srgbClr val="000000"/>
+        <a:srgbClr val="1f497d"/>
       </a:dk2>
       <a:lt2>
-        <a:srgbClr val="ffffff"/>
+        <a:srgbClr val="eeece1"/>
       </a:lt2>
       <a:accent1>
-        <a:srgbClr val="18a303"/>
+        <a:srgbClr val="4f81bd"/>
       </a:accent1>
       <a:accent2>
-        <a:srgbClr val="0369a3"/>
+        <a:srgbClr val="c0504d"/>
       </a:accent2>
       <a:accent3>
-        <a:srgbClr val="a33e03"/>
+        <a:srgbClr val="9bbb59"/>
       </a:accent3>
       <a:accent4>
-        <a:srgbClr val="8e03a3"/>
+        <a:srgbClr val="8064a2"/>
       </a:accent4>
       <a:accent5>
-        <a:srgbClr val="c99c00"/>
+        <a:srgbClr val="4bacc6"/>
       </a:accent5>
       <a:accent6>
-        <a:srgbClr val="c9211e"/>
+        <a:srgbClr val="f79646"/>
       </a:accent6>
       <a:hlink>
-        <a:srgbClr val="0000ee"/>
+        <a:srgbClr val="0000ff"/>
       </a:hlink>
       <a:folHlink>
-        <a:srgbClr val="551a8b"/>
+        <a:srgbClr val="800080"/>
       </a:folHlink>
     </a:clrScheme>
     <a:fontScheme name="Office">
       <a:majorFont>
-        <a:latin typeface="Arial" pitchFamily="0" charset="1"/>
-        <a:ea typeface="DejaVu Sans" pitchFamily="0" charset="1"/>
-        <a:cs typeface="DejaVu Sans" pitchFamily="0" charset="1"/>
+        <a:latin typeface="Arial"/>
+        <a:ea typeface="DejaVu Sans"/>
+        <a:cs typeface="DejaVu Sans"/>
       </a:majorFont>
       <a:minorFont>
-        <a:latin typeface="Arial" pitchFamily="0" charset="1"/>
-        <a:ea typeface="DejaVu Sans" pitchFamily="0" charset="1"/>
-        <a:cs typeface="DejaVu Sans" pitchFamily="0" charset="1"/>
+        <a:latin typeface="Arial"/>
+        <a:ea typeface="DejaVu Sans"/>
+        <a:cs typeface="DejaVu Sans"/>
       </a:minorFont>
     </a:fontScheme>
-    <a:fmtScheme>
+    <a:fmtScheme name="Office">
       <a:fillStyleLst>
         <a:solidFill>
           <a:schemeClr val="phClr"/>
         </a:solidFill>
-        <a:solidFill>
-          <a:schemeClr val="phClr"/>
-        </a:solidFill>
-        <a:solidFill>
-          <a:schemeClr val="phClr"/>
-        </a:solidFill>
+        <a:gradFill rotWithShape="1">
+          <a:gsLst>
+            <a:gs pos="0">
+              <a:schemeClr val="phClr">
+                <a:tint val="50000"/>
+                <a:satMod val="300000"/>
+              </a:schemeClr>
+            </a:gs>
+            <a:gs pos="35000">
+              <a:schemeClr val="phClr">
+                <a:tint val="37000"/>
+                <a:satMod val="300000"/>
+              </a:schemeClr>
+            </a:gs>
+            <a:gs pos="100000">
+              <a:schemeClr val="phClr">
+                <a:tint val="15000"/>
+                <a:satMod val="350000"/>
+              </a:schemeClr>
+            </a:gs>
+          </a:gsLst>
+          <a:lin ang="16200000" scaled="1"/>
+        </a:gradFill>
+        <a:gradFill rotWithShape="1">
+          <a:gsLst>
+            <a:gs pos="0">
+              <a:schemeClr val="phClr">
+                <a:shade val="51000"/>
+                <a:satMod val="130000"/>
+              </a:schemeClr>
+            </a:gs>
+            <a:gs pos="80000">
+              <a:schemeClr val="phClr">
+                <a:shade val="93000"/>
+                <a:satMod val="130000"/>
+              </a:schemeClr>
+            </a:gs>
+            <a:gs pos="100000">
+              <a:schemeClr val="phClr">
+                <a:shade val="94000"/>
+                <a:satMod val="135000"/>
+              </a:schemeClr>
+            </a:gs>
+          </a:gsLst>
+          <a:lin ang="16200000" scaled="0"/>
+        </a:gradFill>
       </a:fillStyleLst>
       <a:lnStyleLst>
-        <a:ln w="6350" cap="flat" cmpd="sng" algn="ctr">
+        <a:ln w="9525" cap="flat" cmpd="sng" algn="ctr">
+          <a:solidFill>
+            <a:schemeClr val="phClr">
+              <a:shade val="95000"/>
+              <a:satMod val="105000"/>
+            </a:schemeClr>
+          </a:solidFill>
           <a:prstDash val="solid"/>
           <a:miter/>
         </a:ln>
-        <a:ln w="6350" cap="flat" cmpd="sng" algn="ctr">
+        <a:ln w="25400" cap="flat" cmpd="sng" algn="ctr">
+          <a:solidFill>
+            <a:schemeClr val="phClr"/>
+          </a:solidFill>
           <a:prstDash val="solid"/>
           <a:miter/>
         </a:ln>
-        <a:ln w="6350" cap="flat" cmpd="sng" algn="ctr">
+        <a:ln w="38100" cap="flat" cmpd="sng" algn="ctr">
+          <a:solidFill>
+            <a:schemeClr val="phClr"/>
+          </a:solidFill>
           <a:prstDash val="solid"/>
           <a:miter/>
         </a:ln>
       </a:lnStyleLst>
       <a:effectStyleLst>
         <a:effectStyle>
-          <a:effectLst/>
+          <a:effectLst>
+            <a:outerShdw blurRad="40000" dist="20000" dir="5400000" rotWithShape="0">
+              <a:srgbClr val="000000">
+                <a:alpha val="38000"/>
+              </a:srgbClr>
+            </a:outerShdw>
+          </a:effectLst>
         </a:effectStyle>
         <a:effectStyle>
-          <a:effectLst/>
+          <a:effectLst>
+            <a:outerShdw blurRad="40000" dist="23000" dir="5400000" rotWithShape="0">
+              <a:srgbClr val="000000">
+                <a:alpha val="35000"/>
+              </a:srgbClr>
+            </a:outerShdw>
+          </a:effectLst>
         </a:effectStyle>
         <a:effectStyle>
-          <a:effectLst/>
+          <a:effectLst>
+            <a:outerShdw blurRad="40000" dist="23000" dir="5400000" rotWithShape="0">
+              <a:srgbClr val="000000">
+                <a:alpha val="35000"/>
+              </a:srgbClr>
+            </a:outerShdw>
+          </a:effectLst>
+          <a:scene3d>
+            <a:camera prst="orthographicFront">
+              <a:rot lat="0" lon="0" rev="0"/>
+            </a:camera>
+            <a:lightRig rig="threePt" dir="t">
+              <a:rot lat="0" lon="0" rev="1200000"/>
+            </a:lightRig>
+          </a:scene3d>
+          <a:sp3d>
+            <a:bevelT w="63500" h="25400"/>
+          </a:sp3d>
         </a:effectStyle>
       </a:effectStyleLst>
       <a:bgFillStyleLst>
         <a:solidFill>
           <a:schemeClr val="phClr"/>
         </a:solidFill>
-        <a:solidFill>
-          <a:schemeClr val="phClr"/>
-        </a:solidFill>
-        <a:solidFill>
-          <a:schemeClr val="phClr"/>
-        </a:solidFill>
+        <a:gradFill rotWithShape="1">
+          <a:gsLst>
+            <a:gs pos="0">
+              <a:schemeClr val="phClr">
+                <a:tint val="40000"/>
+                <a:satMod val="350000"/>
+              </a:schemeClr>
+            </a:gs>
+            <a:gs pos="40000">
+              <a:schemeClr val="phClr">
+                <a:tint val="45000"/>
+                <a:shade val="99000"/>
+                <a:satMod val="350000"/>
+              </a:schemeClr>
+            </a:gs>
+            <a:gs pos="100000">
+              <a:schemeClr val="phClr">
+                <a:shade val="20000"/>
+                <a:satMod val="255000"/>
+              </a:schemeClr>
+            </a:gs>
+          </a:gsLst>
+          <a:path path="circle">
+            <a:fillToRect l="50000" t="-80000" r="50000" b="180000"/>
+          </a:path>
+        </a:gradFill>
+        <a:gradFill rotWithShape="1">
+          <a:gsLst>
+            <a:gs pos="0">
+              <a:schemeClr val="phClr">
+                <a:tint val="80000"/>
+                <a:satMod val="300000"/>
+              </a:schemeClr>
+            </a:gs>
+            <a:gs pos="100000">
+              <a:schemeClr val="phClr">
+                <a:shade val="30000"/>
+                <a:satMod val="200000"/>
+              </a:schemeClr>
+            </a:gs>
+          </a:gsLst>
+          <a:path path="circle">
+            <a:fillToRect l="50000" t="50000" r="50000" b="50000"/>
+          </a:path>
+        </a:gradFill>
       </a:bgFillStyleLst>
     </a:fmtScheme>
   </a:themeElements>
